--- a/Meetings/4. Quality Enhancement Period/2018-08-15 ContinuationPresentation.pptx
+++ b/Meetings/4. Quality Enhancement Period/2018-08-15 ContinuationPresentation.pptx
@@ -10,11 +10,23 @@
     <p:sldId id="384" r:id="rId4"/>
     <p:sldId id="328" r:id="rId5"/>
     <p:sldId id="378" r:id="rId6"/>
-    <p:sldId id="379" r:id="rId7"/>
-    <p:sldId id="380" r:id="rId8"/>
-    <p:sldId id="382" r:id="rId9"/>
-    <p:sldId id="381" r:id="rId10"/>
-    <p:sldId id="377" r:id="rId11"/>
+    <p:sldId id="386" r:id="rId7"/>
+    <p:sldId id="379" r:id="rId8"/>
+    <p:sldId id="387" r:id="rId9"/>
+    <p:sldId id="394" r:id="rId10"/>
+    <p:sldId id="380" r:id="rId11"/>
+    <p:sldId id="382" r:id="rId12"/>
+    <p:sldId id="389" r:id="rId13"/>
+    <p:sldId id="398" r:id="rId14"/>
+    <p:sldId id="392" r:id="rId15"/>
+    <p:sldId id="388" r:id="rId16"/>
+    <p:sldId id="393" r:id="rId17"/>
+    <p:sldId id="391" r:id="rId18"/>
+    <p:sldId id="390" r:id="rId19"/>
+    <p:sldId id="395" r:id="rId20"/>
+    <p:sldId id="396" r:id="rId21"/>
+    <p:sldId id="397" r:id="rId22"/>
+    <p:sldId id="377" r:id="rId23"/>
   </p:sldIdLst>
   <p:sldSz cx="12192000" cy="6858000"/>
   <p:notesSz cx="6858000" cy="9144000"/>
@@ -2445,7 +2457,66 @@
       </p:grpSpPr>
       <p:sp>
         <p:nvSpPr>
-          <p:cNvPr id="2" name="Content Placeholder 1"/>
+          <p:cNvPr id="4" name="Subtitle 3"/>
+          <p:cNvSpPr>
+            <a:spLocks noGrp="1"/>
+          </p:cNvSpPr>
+          <p:nvPr>
+            <p:ph type="subTitle" idx="1"/>
+          </p:nvPr>
+        </p:nvSpPr>
+        <p:spPr/>
+        <p:txBody>
+          <a:bodyPr>
+            <a:normAutofit fontScale="77500" lnSpcReduction="20000"/>
+          </a:bodyPr>
+          <a:lstStyle/>
+          <a:p>
+            <a:r>
+              <a:rPr lang="en-US" dirty="0"/>
+              <a:t>A Computational Biology Framework</a:t>
+            </a:r>
+          </a:p>
+        </p:txBody>
+      </p:sp>
+      <p:sp>
+        <p:nvSpPr>
+          <p:cNvPr id="5" name="TextBox 4"/>
+          <p:cNvSpPr txBox="1"/>
+          <p:nvPr/>
+        </p:nvSpPr>
+        <p:spPr>
+          <a:xfrm>
+            <a:off x="273413" y="738012"/>
+            <a:ext cx="2566737" cy="1077218"/>
+          </a:xfrm>
+          <a:prstGeom prst="rect">
+            <a:avLst/>
+          </a:prstGeom>
+          <a:noFill/>
+        </p:spPr>
+        <p:txBody>
+          <a:bodyPr wrap="square" rtlCol="0">
+            <a:spAutoFit/>
+          </a:bodyPr>
+          <a:lstStyle/>
+          <a:p>
+            <a:r>
+              <a:rPr lang="en-US" sz="3200" dirty="0"/>
+              <a:t>Missing values</a:t>
+            </a:r>
+          </a:p>
+        </p:txBody>
+      </p:sp>
+      <p:sp>
+        <p:nvSpPr>
+          <p:cNvPr id="3" name="Content Placeholder 2">
+            <a:extLst>
+              <a:ext uri="{FF2B5EF4-FFF2-40B4-BE49-F238E27FC236}">
+                <a16:creationId xmlns:a16="http://schemas.microsoft.com/office/drawing/2014/main" id="{7985DB17-0F1C-417F-BCC5-8AAE1C4E5997}"/>
+              </a:ext>
+            </a:extLst>
+          </p:cNvPr>
           <p:cNvSpPr>
             <a:spLocks noGrp="1"/>
           </p:cNvSpPr>
@@ -2455,84 +2526,639 @@
         </p:nvSpPr>
         <p:spPr/>
         <p:txBody>
-          <a:bodyPr>
-            <a:normAutofit/>
-          </a:bodyPr>
+          <a:bodyPr/>
           <a:lstStyle/>
           <a:p>
-            <a:pPr marL="0" indent="0">
-              <a:buNone/>
-            </a:pPr>
-            <a:r>
-              <a:rPr lang="en-US" b="1" dirty="0"/>
-              <a:t>Planning</a:t>
-            </a:r>
-          </a:p>
-          <a:p>
-            <a:r>
-              <a:rPr lang="en-US" dirty="0"/>
-              <a:t>Next meeting week of August 13</a:t>
-            </a:r>
-            <a:r>
-              <a:rPr lang="en-US" baseline="30000" dirty="0"/>
-              <a:t>th</a:t>
-            </a:r>
-            <a:r>
-              <a:rPr lang="en-US" dirty="0"/>
-              <a:t> with Peter and Joaquin preferred</a:t>
-            </a:r>
-            <a:endParaRPr lang="en-US" baseline="30000" dirty="0"/>
-          </a:p>
-          <a:p>
-            <a:r>
-              <a:rPr lang="en-US" dirty="0"/>
-              <a:t>Finishing missing values</a:t>
-            </a:r>
-          </a:p>
-          <a:p>
-            <a:r>
-              <a:rPr lang="en-US" dirty="0"/>
-              <a:t>Start outlier handling</a:t>
+            <a:r>
+              <a:rPr lang="en-US" dirty="0"/>
+              <a:t>Quality Enhancement</a:t>
+            </a:r>
+          </a:p>
+          <a:p>
+            <a:pPr lvl="1"/>
+            <a:r>
+              <a:rPr lang="en-US" dirty="0"/>
+              <a:t>Missing values</a:t>
+            </a:r>
+          </a:p>
+          <a:p>
+            <a:pPr lvl="1"/>
+            <a:r>
+              <a:rPr lang="en-US" dirty="0"/>
+              <a:t>Outlier detection</a:t>
             </a:r>
           </a:p>
           <a:p>
             <a:endParaRPr lang="en-US" dirty="0"/>
           </a:p>
           <a:p>
-            <a:pPr marL="0" indent="0">
-              <a:buNone/>
-            </a:pPr>
-            <a:r>
-              <a:rPr lang="en-US" b="1" dirty="0"/>
-              <a:t>Master project</a:t>
-            </a:r>
-          </a:p>
-          <a:p>
-            <a:r>
-              <a:rPr lang="en-US" dirty="0"/>
-              <a:t>View supervisor on project</a:t>
-            </a:r>
-          </a:p>
-          <a:p>
-            <a:r>
-              <a:rPr lang="en-US" dirty="0"/>
-              <a:t>Finish October</a:t>
-            </a:r>
-          </a:p>
-          <a:p>
-            <a:r>
-              <a:rPr lang="en-US" dirty="0"/>
-              <a:t>Deadline from Data Science</a:t>
-            </a:r>
-          </a:p>
-          <a:p>
-            <a:r>
-              <a:rPr lang="en-US" dirty="0"/>
-              <a:t>Joint presentation</a:t>
-            </a:r>
+            <a:r>
+              <a:rPr lang="en-US" dirty="0"/>
+              <a:t>Missing values</a:t>
+            </a:r>
+          </a:p>
+          <a:p>
+            <a:pPr lvl="1"/>
+            <a:r>
+              <a:rPr lang="en-US" dirty="0"/>
+              <a:t>Missing Completely At Random (MCAR)</a:t>
+            </a:r>
+          </a:p>
+          <a:p>
+            <a:pPr lvl="1"/>
+            <a:r>
+              <a:rPr lang="en-US" dirty="0"/>
+              <a:t>Missing At Random (MAR)</a:t>
+            </a:r>
+          </a:p>
+          <a:p>
+            <a:pPr lvl="1"/>
+            <a:r>
+              <a:rPr lang="en-US" dirty="0"/>
+              <a:t>Missing Not At Random (MNAR)</a:t>
+            </a:r>
+          </a:p>
+          <a:p>
+            <a:pPr lvl="1"/>
+            <a:endParaRPr lang="en-US" dirty="0"/>
+          </a:p>
+          <a:p>
+            <a:r>
+              <a:rPr lang="en-US" dirty="0"/>
+              <a:t>Datasets</a:t>
+            </a:r>
+          </a:p>
+          <a:p>
+            <a:pPr lvl="1"/>
+            <a:r>
+              <a:rPr lang="en-US" dirty="0"/>
+              <a:t>Four Datasets: </a:t>
+            </a:r>
+          </a:p>
+          <a:p>
+            <a:pPr lvl="2"/>
+            <a:r>
+              <a:rPr lang="en-US" sz="1800" dirty="0"/>
+              <a:t>Heart Attacks, Hepatitis, Cirrhosis and Cervical Cancer </a:t>
+            </a:r>
+          </a:p>
+          <a:p>
+            <a:pPr lvl="1"/>
+            <a:r>
+              <a:rPr lang="en-US" dirty="0"/>
+              <a:t>Between 1% and 15% of entries being missing values</a:t>
+            </a:r>
+          </a:p>
+          <a:p>
+            <a:pPr lvl="1"/>
+            <a:endParaRPr lang="en-US" dirty="0"/>
+          </a:p>
+          <a:p>
+            <a:pPr lvl="2"/>
+            <a:endParaRPr lang="en-US" dirty="0"/>
+          </a:p>
+          <a:p>
+            <a:pPr lvl="2"/>
+            <a:endParaRPr lang="en-US" dirty="0"/>
+          </a:p>
+          <a:p>
+            <a:endParaRPr lang="en-NL" dirty="0"/>
           </a:p>
         </p:txBody>
       </p:sp>
+      <p:pic>
+        <p:nvPicPr>
+          <p:cNvPr id="2" name="Picture 1">
+            <a:extLst>
+              <a:ext uri="{FF2B5EF4-FFF2-40B4-BE49-F238E27FC236}">
+                <a16:creationId xmlns:a16="http://schemas.microsoft.com/office/drawing/2014/main" id="{E57B0E9A-9566-4841-9785-4DEBFF4B76F6}"/>
+              </a:ext>
+            </a:extLst>
+          </p:cNvPr>
+          <p:cNvPicPr>
+            <a:picLocks noChangeAspect="1"/>
+          </p:cNvPicPr>
+          <p:nvPr/>
+        </p:nvPicPr>
+        <p:blipFill>
+          <a:blip r:embed="rId2"/>
+          <a:stretch>
+            <a:fillRect/>
+          </a:stretch>
+        </p:blipFill>
+        <p:spPr>
+          <a:xfrm>
+            <a:off x="3321533" y="898712"/>
+            <a:ext cx="7934325" cy="3009900"/>
+          </a:xfrm>
+          <a:prstGeom prst="rect">
+            <a:avLst/>
+          </a:prstGeom>
+        </p:spPr>
+      </p:pic>
+    </p:spTree>
+    <p:extLst>
+      <p:ext uri="{BB962C8B-B14F-4D97-AF65-F5344CB8AC3E}">
+        <p14:creationId xmlns:p14="http://schemas.microsoft.com/office/powerpoint/2010/main" val="2683809460"/>
+      </p:ext>
+    </p:extLst>
+  </p:cSld>
+  <p:clrMapOvr>
+    <a:masterClrMapping/>
+  </p:clrMapOvr>
+  <p:timing>
+    <p:tnLst>
+      <p:par>
+        <p:cTn id="1" dur="indefinite" restart="never" nodeType="tmRoot">
+          <p:childTnLst>
+            <p:seq concurrent="1" nextAc="seek">
+              <p:cTn id="2" dur="indefinite" nodeType="mainSeq">
+                <p:childTnLst>
+                  <p:par>
+                    <p:cTn id="3" fill="hold">
+                      <p:stCondLst>
+                        <p:cond delay="indefinite"/>
+                      </p:stCondLst>
+                      <p:childTnLst>
+                        <p:par>
+                          <p:cTn id="4" fill="hold">
+                            <p:stCondLst>
+                              <p:cond delay="0"/>
+                            </p:stCondLst>
+                            <p:childTnLst>
+                              <p:par>
+                                <p:cTn id="5" presetID="1" presetClass="entr" presetSubtype="0" fill="hold" grpId="0" nodeType="clickEffect">
+                                  <p:stCondLst>
+                                    <p:cond delay="0"/>
+                                  </p:stCondLst>
+                                  <p:childTnLst>
+                                    <p:set>
+                                      <p:cBhvr>
+                                        <p:cTn id="6" dur="1" fill="hold">
+                                          <p:stCondLst>
+                                            <p:cond delay="0"/>
+                                          </p:stCondLst>
+                                        </p:cTn>
+                                        <p:tgtEl>
+                                          <p:spTgt spid="3">
+                                            <p:txEl>
+                                              <p:pRg st="0" end="0"/>
+                                            </p:txEl>
+                                          </p:spTgt>
+                                        </p:tgtEl>
+                                        <p:attrNameLst>
+                                          <p:attrName>style.visibility</p:attrName>
+                                        </p:attrNameLst>
+                                      </p:cBhvr>
+                                      <p:to>
+                                        <p:strVal val="visible"/>
+                                      </p:to>
+                                    </p:set>
+                                  </p:childTnLst>
+                                </p:cTn>
+                              </p:par>
+                              <p:par>
+                                <p:cTn id="7" presetID="1" presetClass="entr" presetSubtype="0" fill="hold" grpId="0" nodeType="withEffect">
+                                  <p:stCondLst>
+                                    <p:cond delay="0"/>
+                                  </p:stCondLst>
+                                  <p:childTnLst>
+                                    <p:set>
+                                      <p:cBhvr>
+                                        <p:cTn id="8" dur="1" fill="hold">
+                                          <p:stCondLst>
+                                            <p:cond delay="0"/>
+                                          </p:stCondLst>
+                                        </p:cTn>
+                                        <p:tgtEl>
+                                          <p:spTgt spid="3">
+                                            <p:txEl>
+                                              <p:pRg st="1" end="1"/>
+                                            </p:txEl>
+                                          </p:spTgt>
+                                        </p:tgtEl>
+                                        <p:attrNameLst>
+                                          <p:attrName>style.visibility</p:attrName>
+                                        </p:attrNameLst>
+                                      </p:cBhvr>
+                                      <p:to>
+                                        <p:strVal val="visible"/>
+                                      </p:to>
+                                    </p:set>
+                                  </p:childTnLst>
+                                </p:cTn>
+                              </p:par>
+                              <p:par>
+                                <p:cTn id="9" presetID="1" presetClass="entr" presetSubtype="0" fill="hold" grpId="0" nodeType="withEffect">
+                                  <p:stCondLst>
+                                    <p:cond delay="0"/>
+                                  </p:stCondLst>
+                                  <p:childTnLst>
+                                    <p:set>
+                                      <p:cBhvr>
+                                        <p:cTn id="10" dur="1" fill="hold">
+                                          <p:stCondLst>
+                                            <p:cond delay="0"/>
+                                          </p:stCondLst>
+                                        </p:cTn>
+                                        <p:tgtEl>
+                                          <p:spTgt spid="3">
+                                            <p:txEl>
+                                              <p:pRg st="2" end="2"/>
+                                            </p:txEl>
+                                          </p:spTgt>
+                                        </p:tgtEl>
+                                        <p:attrNameLst>
+                                          <p:attrName>style.visibility</p:attrName>
+                                        </p:attrNameLst>
+                                      </p:cBhvr>
+                                      <p:to>
+                                        <p:strVal val="visible"/>
+                                      </p:to>
+                                    </p:set>
+                                  </p:childTnLst>
+                                </p:cTn>
+                              </p:par>
+                            </p:childTnLst>
+                          </p:cTn>
+                        </p:par>
+                      </p:childTnLst>
+                    </p:cTn>
+                  </p:par>
+                  <p:par>
+                    <p:cTn id="11" fill="hold">
+                      <p:stCondLst>
+                        <p:cond delay="indefinite"/>
+                      </p:stCondLst>
+                      <p:childTnLst>
+                        <p:par>
+                          <p:cTn id="12" fill="hold">
+                            <p:stCondLst>
+                              <p:cond delay="0"/>
+                            </p:stCondLst>
+                            <p:childTnLst>
+                              <p:par>
+                                <p:cTn id="13" presetID="1" presetClass="entr" presetSubtype="0" fill="hold" grpId="0" nodeType="clickEffect">
+                                  <p:stCondLst>
+                                    <p:cond delay="0"/>
+                                  </p:stCondLst>
+                                  <p:childTnLst>
+                                    <p:set>
+                                      <p:cBhvr>
+                                        <p:cTn id="14" dur="1" fill="hold">
+                                          <p:stCondLst>
+                                            <p:cond delay="0"/>
+                                          </p:stCondLst>
+                                        </p:cTn>
+                                        <p:tgtEl>
+                                          <p:spTgt spid="3">
+                                            <p:txEl>
+                                              <p:pRg st="4" end="4"/>
+                                            </p:txEl>
+                                          </p:spTgt>
+                                        </p:tgtEl>
+                                        <p:attrNameLst>
+                                          <p:attrName>style.visibility</p:attrName>
+                                        </p:attrNameLst>
+                                      </p:cBhvr>
+                                      <p:to>
+                                        <p:strVal val="visible"/>
+                                      </p:to>
+                                    </p:set>
+                                  </p:childTnLst>
+                                </p:cTn>
+                              </p:par>
+                              <p:par>
+                                <p:cTn id="15" presetID="1" presetClass="entr" presetSubtype="0" fill="hold" grpId="0" nodeType="withEffect">
+                                  <p:stCondLst>
+                                    <p:cond delay="0"/>
+                                  </p:stCondLst>
+                                  <p:childTnLst>
+                                    <p:set>
+                                      <p:cBhvr>
+                                        <p:cTn id="16" dur="1" fill="hold">
+                                          <p:stCondLst>
+                                            <p:cond delay="0"/>
+                                          </p:stCondLst>
+                                        </p:cTn>
+                                        <p:tgtEl>
+                                          <p:spTgt spid="3">
+                                            <p:txEl>
+                                              <p:pRg st="5" end="5"/>
+                                            </p:txEl>
+                                          </p:spTgt>
+                                        </p:tgtEl>
+                                        <p:attrNameLst>
+                                          <p:attrName>style.visibility</p:attrName>
+                                        </p:attrNameLst>
+                                      </p:cBhvr>
+                                      <p:to>
+                                        <p:strVal val="visible"/>
+                                      </p:to>
+                                    </p:set>
+                                  </p:childTnLst>
+                                </p:cTn>
+                              </p:par>
+                              <p:par>
+                                <p:cTn id="17" presetID="1" presetClass="entr" presetSubtype="0" fill="hold" grpId="0" nodeType="withEffect">
+                                  <p:stCondLst>
+                                    <p:cond delay="0"/>
+                                  </p:stCondLst>
+                                  <p:childTnLst>
+                                    <p:set>
+                                      <p:cBhvr>
+                                        <p:cTn id="18" dur="1" fill="hold">
+                                          <p:stCondLst>
+                                            <p:cond delay="0"/>
+                                          </p:stCondLst>
+                                        </p:cTn>
+                                        <p:tgtEl>
+                                          <p:spTgt spid="3">
+                                            <p:txEl>
+                                              <p:pRg st="6" end="6"/>
+                                            </p:txEl>
+                                          </p:spTgt>
+                                        </p:tgtEl>
+                                        <p:attrNameLst>
+                                          <p:attrName>style.visibility</p:attrName>
+                                        </p:attrNameLst>
+                                      </p:cBhvr>
+                                      <p:to>
+                                        <p:strVal val="visible"/>
+                                      </p:to>
+                                    </p:set>
+                                  </p:childTnLst>
+                                </p:cTn>
+                              </p:par>
+                              <p:par>
+                                <p:cTn id="19" presetID="1" presetClass="entr" presetSubtype="0" fill="hold" grpId="0" nodeType="withEffect">
+                                  <p:stCondLst>
+                                    <p:cond delay="0"/>
+                                  </p:stCondLst>
+                                  <p:childTnLst>
+                                    <p:set>
+                                      <p:cBhvr>
+                                        <p:cTn id="20" dur="1" fill="hold">
+                                          <p:stCondLst>
+                                            <p:cond delay="0"/>
+                                          </p:stCondLst>
+                                        </p:cTn>
+                                        <p:tgtEl>
+                                          <p:spTgt spid="3">
+                                            <p:txEl>
+                                              <p:pRg st="7" end="7"/>
+                                            </p:txEl>
+                                          </p:spTgt>
+                                        </p:tgtEl>
+                                        <p:attrNameLst>
+                                          <p:attrName>style.visibility</p:attrName>
+                                        </p:attrNameLst>
+                                      </p:cBhvr>
+                                      <p:to>
+                                        <p:strVal val="visible"/>
+                                      </p:to>
+                                    </p:set>
+                                  </p:childTnLst>
+                                </p:cTn>
+                              </p:par>
+                            </p:childTnLst>
+                          </p:cTn>
+                        </p:par>
+                      </p:childTnLst>
+                    </p:cTn>
+                  </p:par>
+                  <p:par>
+                    <p:cTn id="21" fill="hold">
+                      <p:stCondLst>
+                        <p:cond delay="indefinite"/>
+                      </p:stCondLst>
+                      <p:childTnLst>
+                        <p:par>
+                          <p:cTn id="22" fill="hold">
+                            <p:stCondLst>
+                              <p:cond delay="0"/>
+                            </p:stCondLst>
+                            <p:childTnLst>
+                              <p:par>
+                                <p:cTn id="23" presetID="1" presetClass="entr" presetSubtype="0" fill="hold" grpId="0" nodeType="clickEffect">
+                                  <p:stCondLst>
+                                    <p:cond delay="0"/>
+                                  </p:stCondLst>
+                                  <p:childTnLst>
+                                    <p:set>
+                                      <p:cBhvr>
+                                        <p:cTn id="24" dur="1" fill="hold">
+                                          <p:stCondLst>
+                                            <p:cond delay="0"/>
+                                          </p:stCondLst>
+                                        </p:cTn>
+                                        <p:tgtEl>
+                                          <p:spTgt spid="3">
+                                            <p:txEl>
+                                              <p:pRg st="9" end="9"/>
+                                            </p:txEl>
+                                          </p:spTgt>
+                                        </p:tgtEl>
+                                        <p:attrNameLst>
+                                          <p:attrName>style.visibility</p:attrName>
+                                        </p:attrNameLst>
+                                      </p:cBhvr>
+                                      <p:to>
+                                        <p:strVal val="visible"/>
+                                      </p:to>
+                                    </p:set>
+                                  </p:childTnLst>
+                                </p:cTn>
+                              </p:par>
+                              <p:par>
+                                <p:cTn id="25" presetID="1" presetClass="entr" presetSubtype="0" fill="hold" grpId="0" nodeType="withEffect">
+                                  <p:stCondLst>
+                                    <p:cond delay="0"/>
+                                  </p:stCondLst>
+                                  <p:childTnLst>
+                                    <p:set>
+                                      <p:cBhvr>
+                                        <p:cTn id="26" dur="1" fill="hold">
+                                          <p:stCondLst>
+                                            <p:cond delay="0"/>
+                                          </p:stCondLst>
+                                        </p:cTn>
+                                        <p:tgtEl>
+                                          <p:spTgt spid="3">
+                                            <p:txEl>
+                                              <p:pRg st="10" end="10"/>
+                                            </p:txEl>
+                                          </p:spTgt>
+                                        </p:tgtEl>
+                                        <p:attrNameLst>
+                                          <p:attrName>style.visibility</p:attrName>
+                                        </p:attrNameLst>
+                                      </p:cBhvr>
+                                      <p:to>
+                                        <p:strVal val="visible"/>
+                                      </p:to>
+                                    </p:set>
+                                  </p:childTnLst>
+                                </p:cTn>
+                              </p:par>
+                              <p:par>
+                                <p:cTn id="27" presetID="1" presetClass="entr" presetSubtype="0" fill="hold" grpId="0" nodeType="withEffect">
+                                  <p:stCondLst>
+                                    <p:cond delay="0"/>
+                                  </p:stCondLst>
+                                  <p:childTnLst>
+                                    <p:set>
+                                      <p:cBhvr>
+                                        <p:cTn id="28" dur="1" fill="hold">
+                                          <p:stCondLst>
+                                            <p:cond delay="0"/>
+                                          </p:stCondLst>
+                                        </p:cTn>
+                                        <p:tgtEl>
+                                          <p:spTgt spid="3">
+                                            <p:txEl>
+                                              <p:pRg st="11" end="11"/>
+                                            </p:txEl>
+                                          </p:spTgt>
+                                        </p:tgtEl>
+                                        <p:attrNameLst>
+                                          <p:attrName>style.visibility</p:attrName>
+                                        </p:attrNameLst>
+                                      </p:cBhvr>
+                                      <p:to>
+                                        <p:strVal val="visible"/>
+                                      </p:to>
+                                    </p:set>
+                                  </p:childTnLst>
+                                </p:cTn>
+                              </p:par>
+                              <p:par>
+                                <p:cTn id="29" presetID="1" presetClass="entr" presetSubtype="0" fill="hold" grpId="0" nodeType="withEffect">
+                                  <p:stCondLst>
+                                    <p:cond delay="0"/>
+                                  </p:stCondLst>
+                                  <p:childTnLst>
+                                    <p:set>
+                                      <p:cBhvr>
+                                        <p:cTn id="30" dur="1" fill="hold">
+                                          <p:stCondLst>
+                                            <p:cond delay="0"/>
+                                          </p:stCondLst>
+                                        </p:cTn>
+                                        <p:tgtEl>
+                                          <p:spTgt spid="3">
+                                            <p:txEl>
+                                              <p:pRg st="12" end="12"/>
+                                            </p:txEl>
+                                          </p:spTgt>
+                                        </p:tgtEl>
+                                        <p:attrNameLst>
+                                          <p:attrName>style.visibility</p:attrName>
+                                        </p:attrNameLst>
+                                      </p:cBhvr>
+                                      <p:to>
+                                        <p:strVal val="visible"/>
+                                      </p:to>
+                                    </p:set>
+                                  </p:childTnLst>
+                                </p:cTn>
+                              </p:par>
+                            </p:childTnLst>
+                          </p:cTn>
+                        </p:par>
+                      </p:childTnLst>
+                    </p:cTn>
+                  </p:par>
+                  <p:par>
+                    <p:cTn id="31" fill="hold">
+                      <p:stCondLst>
+                        <p:cond delay="indefinite"/>
+                      </p:stCondLst>
+                      <p:childTnLst>
+                        <p:par>
+                          <p:cTn id="32" fill="hold">
+                            <p:stCondLst>
+                              <p:cond delay="0"/>
+                            </p:stCondLst>
+                            <p:childTnLst>
+                              <p:par>
+                                <p:cTn id="33" presetID="1" presetClass="entr" presetSubtype="0" fill="hold" nodeType="clickEffect">
+                                  <p:stCondLst>
+                                    <p:cond delay="0"/>
+                                  </p:stCondLst>
+                                  <p:childTnLst>
+                                    <p:set>
+                                      <p:cBhvr>
+                                        <p:cTn id="34" dur="1" fill="hold">
+                                          <p:stCondLst>
+                                            <p:cond delay="0"/>
+                                          </p:stCondLst>
+                                        </p:cTn>
+                                        <p:tgtEl>
+                                          <p:spTgt spid="2"/>
+                                        </p:tgtEl>
+                                        <p:attrNameLst>
+                                          <p:attrName>style.visibility</p:attrName>
+                                        </p:attrNameLst>
+                                      </p:cBhvr>
+                                      <p:to>
+                                        <p:strVal val="visible"/>
+                                      </p:to>
+                                    </p:set>
+                                  </p:childTnLst>
+                                </p:cTn>
+                              </p:par>
+                            </p:childTnLst>
+                          </p:cTn>
+                        </p:par>
+                      </p:childTnLst>
+                    </p:cTn>
+                  </p:par>
+                </p:childTnLst>
+              </p:cTn>
+              <p:prevCondLst>
+                <p:cond evt="onPrev" delay="0">
+                  <p:tgtEl>
+                    <p:sldTgt/>
+                  </p:tgtEl>
+                </p:cond>
+              </p:prevCondLst>
+              <p:nextCondLst>
+                <p:cond evt="onNext" delay="0">
+                  <p:tgtEl>
+                    <p:sldTgt/>
+                  </p:tgtEl>
+                </p:cond>
+              </p:nextCondLst>
+            </p:seq>
+          </p:childTnLst>
+        </p:cTn>
+      </p:par>
+    </p:tnLst>
+    <p:bldLst>
+      <p:bldP spid="3" grpId="0" uiExpand="1" build="p"/>
+    </p:bldLst>
+  </p:timing>
+</p:sld>
+</file>
+
+<file path=ppt/slides/slide11.xml><?xml version="1.0" encoding="utf-8"?>
+<p:sld xmlns:a="http://schemas.openxmlformats.org/drawingml/2006/main" xmlns:r="http://schemas.openxmlformats.org/officeDocument/2006/relationships" xmlns:p="http://schemas.openxmlformats.org/presentationml/2006/main">
+  <p:cSld>
+    <p:spTree>
+      <p:nvGrpSpPr>
+        <p:cNvPr id="1" name=""/>
+        <p:cNvGrpSpPr/>
+        <p:nvPr/>
+      </p:nvGrpSpPr>
+      <p:grpSpPr>
+        <a:xfrm>
+          <a:off x="0" y="0"/>
+          <a:ext cx="0" cy="0"/>
+          <a:chOff x="0" y="0"/>
+          <a:chExt cx="0" cy="0"/>
+        </a:xfrm>
+      </p:grpSpPr>
       <p:sp>
         <p:nvSpPr>
           <p:cNvPr id="4" name="Subtitle 3"/>
@@ -2565,8 +3191,8 @@
         </p:nvSpPr>
         <p:spPr>
           <a:xfrm>
-            <a:off x="191539" y="606324"/>
-            <a:ext cx="2593636" cy="1077218"/>
+            <a:off x="273413" y="738012"/>
+            <a:ext cx="2566737" cy="1077218"/>
           </a:xfrm>
           <a:prstGeom prst="rect">
             <a:avLst/>
@@ -2581,15 +3207,3430 @@
           <a:p>
             <a:r>
               <a:rPr lang="en-US" sz="3200" dirty="0"/>
-              <a:t>General information</a:t>
-            </a:r>
+              <a:t>Missing values</a:t>
+            </a:r>
+          </a:p>
+        </p:txBody>
+      </p:sp>
+      <p:sp>
+        <p:nvSpPr>
+          <p:cNvPr id="3" name="Content Placeholder 2">
+            <a:extLst>
+              <a:ext uri="{FF2B5EF4-FFF2-40B4-BE49-F238E27FC236}">
+                <a16:creationId xmlns:a16="http://schemas.microsoft.com/office/drawing/2014/main" id="{7985DB17-0F1C-417F-BCC5-8AAE1C4E5997}"/>
+              </a:ext>
+            </a:extLst>
+          </p:cNvPr>
+          <p:cNvSpPr>
+            <a:spLocks noGrp="1"/>
+          </p:cNvSpPr>
+          <p:nvPr>
+            <p:ph sz="half" idx="2"/>
+          </p:nvPr>
+        </p:nvSpPr>
+        <p:spPr/>
+        <p:txBody>
+          <a:bodyPr/>
+          <a:lstStyle/>
+          <a:p>
+            <a:r>
+              <a:rPr lang="en-US" dirty="0"/>
+              <a:t>List Deletion</a:t>
+            </a:r>
+          </a:p>
+          <a:p>
+            <a:pPr lvl="1"/>
+            <a:r>
+              <a:rPr lang="en-US" dirty="0"/>
+              <a:t>Complete Case Analysis</a:t>
+            </a:r>
+          </a:p>
+          <a:p>
+            <a:pPr lvl="1"/>
+            <a:r>
+              <a:rPr lang="en-US" dirty="0"/>
+              <a:t>Available Case Analysis</a:t>
+            </a:r>
+          </a:p>
+          <a:p>
+            <a:pPr lvl="1"/>
+            <a:r>
+              <a:rPr lang="en-US" dirty="0"/>
+              <a:t>Weighted Case analysis</a:t>
+            </a:r>
+          </a:p>
+          <a:p>
+            <a:r>
+              <a:rPr lang="en-US" dirty="0"/>
+              <a:t>Single Imputation</a:t>
+            </a:r>
+          </a:p>
+          <a:p>
+            <a:pPr lvl="1"/>
+            <a:r>
+              <a:rPr lang="en-US" dirty="0"/>
+              <a:t>Missing indicator imputation</a:t>
+            </a:r>
+          </a:p>
+          <a:p>
+            <a:pPr lvl="1"/>
+            <a:r>
+              <a:rPr lang="en-US" dirty="0"/>
+              <a:t>Mean/Median/Mode imputation</a:t>
+            </a:r>
+          </a:p>
+          <a:p>
+            <a:pPr lvl="1"/>
+            <a:r>
+              <a:rPr lang="en-US" dirty="0"/>
+              <a:t>Hot deck imputation</a:t>
+            </a:r>
+          </a:p>
+          <a:p>
+            <a:pPr lvl="1"/>
+            <a:r>
+              <a:rPr lang="en-US" dirty="0"/>
+              <a:t>Regression imputation</a:t>
+            </a:r>
+          </a:p>
+          <a:p>
+            <a:pPr lvl="1"/>
+            <a:r>
+              <a:rPr lang="en-US" dirty="0"/>
+              <a:t>Nearest Neighbor imputation</a:t>
+            </a:r>
+          </a:p>
+          <a:p>
+            <a:r>
+              <a:rPr lang="en-US" dirty="0"/>
+              <a:t>Multiple Imputation</a:t>
+            </a:r>
+          </a:p>
+          <a:p>
+            <a:pPr lvl="1"/>
+            <a:r>
+              <a:rPr lang="en-US" dirty="0"/>
+              <a:t>Multiple Imputation Chained Equations (MICE)</a:t>
+            </a:r>
+          </a:p>
+          <a:p>
+            <a:pPr lvl="2"/>
+            <a:endParaRPr lang="en-US" dirty="0"/>
+          </a:p>
+          <a:p>
+            <a:pPr lvl="2"/>
+            <a:endParaRPr lang="en-US" dirty="0"/>
+          </a:p>
+          <a:p>
+            <a:endParaRPr lang="en-NL" dirty="0"/>
           </a:p>
         </p:txBody>
       </p:sp>
     </p:spTree>
     <p:extLst>
       <p:ext uri="{BB962C8B-B14F-4D97-AF65-F5344CB8AC3E}">
-        <p14:creationId xmlns:p14="http://schemas.microsoft.com/office/powerpoint/2010/main" val="629521413"/>
+        <p14:creationId xmlns:p14="http://schemas.microsoft.com/office/powerpoint/2010/main" val="1896585567"/>
+      </p:ext>
+    </p:extLst>
+  </p:cSld>
+  <p:clrMapOvr>
+    <a:masterClrMapping/>
+  </p:clrMapOvr>
+  <p:timing>
+    <p:tnLst>
+      <p:par>
+        <p:cTn id="1" dur="indefinite" restart="never" nodeType="tmRoot">
+          <p:childTnLst>
+            <p:seq concurrent="1" nextAc="seek">
+              <p:cTn id="2" dur="indefinite" nodeType="mainSeq">
+                <p:childTnLst>
+                  <p:par>
+                    <p:cTn id="3" fill="hold">
+                      <p:stCondLst>
+                        <p:cond delay="indefinite"/>
+                      </p:stCondLst>
+                      <p:childTnLst>
+                        <p:par>
+                          <p:cTn id="4" fill="hold">
+                            <p:stCondLst>
+                              <p:cond delay="0"/>
+                            </p:stCondLst>
+                            <p:childTnLst>
+                              <p:par>
+                                <p:cTn id="5" presetID="1" presetClass="entr" presetSubtype="0" fill="hold" grpId="0" nodeType="clickEffect">
+                                  <p:stCondLst>
+                                    <p:cond delay="0"/>
+                                  </p:stCondLst>
+                                  <p:childTnLst>
+                                    <p:set>
+                                      <p:cBhvr>
+                                        <p:cTn id="6" dur="1" fill="hold">
+                                          <p:stCondLst>
+                                            <p:cond delay="0"/>
+                                          </p:stCondLst>
+                                        </p:cTn>
+                                        <p:tgtEl>
+                                          <p:spTgt spid="3">
+                                            <p:txEl>
+                                              <p:pRg st="0" end="0"/>
+                                            </p:txEl>
+                                          </p:spTgt>
+                                        </p:tgtEl>
+                                        <p:attrNameLst>
+                                          <p:attrName>style.visibility</p:attrName>
+                                        </p:attrNameLst>
+                                      </p:cBhvr>
+                                      <p:to>
+                                        <p:strVal val="visible"/>
+                                      </p:to>
+                                    </p:set>
+                                  </p:childTnLst>
+                                </p:cTn>
+                              </p:par>
+                              <p:par>
+                                <p:cTn id="7" presetID="1" presetClass="entr" presetSubtype="0" fill="hold" grpId="0" nodeType="withEffect">
+                                  <p:stCondLst>
+                                    <p:cond delay="0"/>
+                                  </p:stCondLst>
+                                  <p:childTnLst>
+                                    <p:set>
+                                      <p:cBhvr>
+                                        <p:cTn id="8" dur="1" fill="hold">
+                                          <p:stCondLst>
+                                            <p:cond delay="0"/>
+                                          </p:stCondLst>
+                                        </p:cTn>
+                                        <p:tgtEl>
+                                          <p:spTgt spid="3">
+                                            <p:txEl>
+                                              <p:pRg st="1" end="1"/>
+                                            </p:txEl>
+                                          </p:spTgt>
+                                        </p:tgtEl>
+                                        <p:attrNameLst>
+                                          <p:attrName>style.visibility</p:attrName>
+                                        </p:attrNameLst>
+                                      </p:cBhvr>
+                                      <p:to>
+                                        <p:strVal val="visible"/>
+                                      </p:to>
+                                    </p:set>
+                                  </p:childTnLst>
+                                </p:cTn>
+                              </p:par>
+                              <p:par>
+                                <p:cTn id="9" presetID="1" presetClass="entr" presetSubtype="0" fill="hold" grpId="0" nodeType="withEffect">
+                                  <p:stCondLst>
+                                    <p:cond delay="0"/>
+                                  </p:stCondLst>
+                                  <p:childTnLst>
+                                    <p:set>
+                                      <p:cBhvr>
+                                        <p:cTn id="10" dur="1" fill="hold">
+                                          <p:stCondLst>
+                                            <p:cond delay="0"/>
+                                          </p:stCondLst>
+                                        </p:cTn>
+                                        <p:tgtEl>
+                                          <p:spTgt spid="3">
+                                            <p:txEl>
+                                              <p:pRg st="2" end="2"/>
+                                            </p:txEl>
+                                          </p:spTgt>
+                                        </p:tgtEl>
+                                        <p:attrNameLst>
+                                          <p:attrName>style.visibility</p:attrName>
+                                        </p:attrNameLst>
+                                      </p:cBhvr>
+                                      <p:to>
+                                        <p:strVal val="visible"/>
+                                      </p:to>
+                                    </p:set>
+                                  </p:childTnLst>
+                                </p:cTn>
+                              </p:par>
+                              <p:par>
+                                <p:cTn id="11" presetID="1" presetClass="entr" presetSubtype="0" fill="hold" grpId="0" nodeType="withEffect">
+                                  <p:stCondLst>
+                                    <p:cond delay="0"/>
+                                  </p:stCondLst>
+                                  <p:childTnLst>
+                                    <p:set>
+                                      <p:cBhvr>
+                                        <p:cTn id="12" dur="1" fill="hold">
+                                          <p:stCondLst>
+                                            <p:cond delay="0"/>
+                                          </p:stCondLst>
+                                        </p:cTn>
+                                        <p:tgtEl>
+                                          <p:spTgt spid="3">
+                                            <p:txEl>
+                                              <p:pRg st="3" end="3"/>
+                                            </p:txEl>
+                                          </p:spTgt>
+                                        </p:tgtEl>
+                                        <p:attrNameLst>
+                                          <p:attrName>style.visibility</p:attrName>
+                                        </p:attrNameLst>
+                                      </p:cBhvr>
+                                      <p:to>
+                                        <p:strVal val="visible"/>
+                                      </p:to>
+                                    </p:set>
+                                  </p:childTnLst>
+                                </p:cTn>
+                              </p:par>
+                            </p:childTnLst>
+                          </p:cTn>
+                        </p:par>
+                      </p:childTnLst>
+                    </p:cTn>
+                  </p:par>
+                  <p:par>
+                    <p:cTn id="13" fill="hold">
+                      <p:stCondLst>
+                        <p:cond delay="indefinite"/>
+                      </p:stCondLst>
+                      <p:childTnLst>
+                        <p:par>
+                          <p:cTn id="14" fill="hold">
+                            <p:stCondLst>
+                              <p:cond delay="0"/>
+                            </p:stCondLst>
+                            <p:childTnLst>
+                              <p:par>
+                                <p:cTn id="15" presetID="1" presetClass="entr" presetSubtype="0" fill="hold" grpId="0" nodeType="clickEffect">
+                                  <p:stCondLst>
+                                    <p:cond delay="0"/>
+                                  </p:stCondLst>
+                                  <p:childTnLst>
+                                    <p:set>
+                                      <p:cBhvr>
+                                        <p:cTn id="16" dur="1" fill="hold">
+                                          <p:stCondLst>
+                                            <p:cond delay="0"/>
+                                          </p:stCondLst>
+                                        </p:cTn>
+                                        <p:tgtEl>
+                                          <p:spTgt spid="3">
+                                            <p:txEl>
+                                              <p:pRg st="4" end="4"/>
+                                            </p:txEl>
+                                          </p:spTgt>
+                                        </p:tgtEl>
+                                        <p:attrNameLst>
+                                          <p:attrName>style.visibility</p:attrName>
+                                        </p:attrNameLst>
+                                      </p:cBhvr>
+                                      <p:to>
+                                        <p:strVal val="visible"/>
+                                      </p:to>
+                                    </p:set>
+                                  </p:childTnLst>
+                                </p:cTn>
+                              </p:par>
+                              <p:par>
+                                <p:cTn id="17" presetID="1" presetClass="entr" presetSubtype="0" fill="hold" grpId="0" nodeType="withEffect">
+                                  <p:stCondLst>
+                                    <p:cond delay="0"/>
+                                  </p:stCondLst>
+                                  <p:childTnLst>
+                                    <p:set>
+                                      <p:cBhvr>
+                                        <p:cTn id="18" dur="1" fill="hold">
+                                          <p:stCondLst>
+                                            <p:cond delay="0"/>
+                                          </p:stCondLst>
+                                        </p:cTn>
+                                        <p:tgtEl>
+                                          <p:spTgt spid="3">
+                                            <p:txEl>
+                                              <p:pRg st="5" end="5"/>
+                                            </p:txEl>
+                                          </p:spTgt>
+                                        </p:tgtEl>
+                                        <p:attrNameLst>
+                                          <p:attrName>style.visibility</p:attrName>
+                                        </p:attrNameLst>
+                                      </p:cBhvr>
+                                      <p:to>
+                                        <p:strVal val="visible"/>
+                                      </p:to>
+                                    </p:set>
+                                  </p:childTnLst>
+                                </p:cTn>
+                              </p:par>
+                              <p:par>
+                                <p:cTn id="19" presetID="1" presetClass="entr" presetSubtype="0" fill="hold" grpId="0" nodeType="withEffect">
+                                  <p:stCondLst>
+                                    <p:cond delay="0"/>
+                                  </p:stCondLst>
+                                  <p:childTnLst>
+                                    <p:set>
+                                      <p:cBhvr>
+                                        <p:cTn id="20" dur="1" fill="hold">
+                                          <p:stCondLst>
+                                            <p:cond delay="0"/>
+                                          </p:stCondLst>
+                                        </p:cTn>
+                                        <p:tgtEl>
+                                          <p:spTgt spid="3">
+                                            <p:txEl>
+                                              <p:pRg st="6" end="6"/>
+                                            </p:txEl>
+                                          </p:spTgt>
+                                        </p:tgtEl>
+                                        <p:attrNameLst>
+                                          <p:attrName>style.visibility</p:attrName>
+                                        </p:attrNameLst>
+                                      </p:cBhvr>
+                                      <p:to>
+                                        <p:strVal val="visible"/>
+                                      </p:to>
+                                    </p:set>
+                                  </p:childTnLst>
+                                </p:cTn>
+                              </p:par>
+                              <p:par>
+                                <p:cTn id="21" presetID="1" presetClass="entr" presetSubtype="0" fill="hold" grpId="0" nodeType="withEffect">
+                                  <p:stCondLst>
+                                    <p:cond delay="0"/>
+                                  </p:stCondLst>
+                                  <p:childTnLst>
+                                    <p:set>
+                                      <p:cBhvr>
+                                        <p:cTn id="22" dur="1" fill="hold">
+                                          <p:stCondLst>
+                                            <p:cond delay="0"/>
+                                          </p:stCondLst>
+                                        </p:cTn>
+                                        <p:tgtEl>
+                                          <p:spTgt spid="3">
+                                            <p:txEl>
+                                              <p:pRg st="7" end="7"/>
+                                            </p:txEl>
+                                          </p:spTgt>
+                                        </p:tgtEl>
+                                        <p:attrNameLst>
+                                          <p:attrName>style.visibility</p:attrName>
+                                        </p:attrNameLst>
+                                      </p:cBhvr>
+                                      <p:to>
+                                        <p:strVal val="visible"/>
+                                      </p:to>
+                                    </p:set>
+                                  </p:childTnLst>
+                                </p:cTn>
+                              </p:par>
+                              <p:par>
+                                <p:cTn id="23" presetID="1" presetClass="entr" presetSubtype="0" fill="hold" grpId="0" nodeType="withEffect">
+                                  <p:stCondLst>
+                                    <p:cond delay="0"/>
+                                  </p:stCondLst>
+                                  <p:childTnLst>
+                                    <p:set>
+                                      <p:cBhvr>
+                                        <p:cTn id="24" dur="1" fill="hold">
+                                          <p:stCondLst>
+                                            <p:cond delay="0"/>
+                                          </p:stCondLst>
+                                        </p:cTn>
+                                        <p:tgtEl>
+                                          <p:spTgt spid="3">
+                                            <p:txEl>
+                                              <p:pRg st="8" end="8"/>
+                                            </p:txEl>
+                                          </p:spTgt>
+                                        </p:tgtEl>
+                                        <p:attrNameLst>
+                                          <p:attrName>style.visibility</p:attrName>
+                                        </p:attrNameLst>
+                                      </p:cBhvr>
+                                      <p:to>
+                                        <p:strVal val="visible"/>
+                                      </p:to>
+                                    </p:set>
+                                  </p:childTnLst>
+                                </p:cTn>
+                              </p:par>
+                              <p:par>
+                                <p:cTn id="25" presetID="1" presetClass="entr" presetSubtype="0" fill="hold" grpId="0" nodeType="withEffect">
+                                  <p:stCondLst>
+                                    <p:cond delay="0"/>
+                                  </p:stCondLst>
+                                  <p:childTnLst>
+                                    <p:set>
+                                      <p:cBhvr>
+                                        <p:cTn id="26" dur="1" fill="hold">
+                                          <p:stCondLst>
+                                            <p:cond delay="0"/>
+                                          </p:stCondLst>
+                                        </p:cTn>
+                                        <p:tgtEl>
+                                          <p:spTgt spid="3">
+                                            <p:txEl>
+                                              <p:pRg st="9" end="9"/>
+                                            </p:txEl>
+                                          </p:spTgt>
+                                        </p:tgtEl>
+                                        <p:attrNameLst>
+                                          <p:attrName>style.visibility</p:attrName>
+                                        </p:attrNameLst>
+                                      </p:cBhvr>
+                                      <p:to>
+                                        <p:strVal val="visible"/>
+                                      </p:to>
+                                    </p:set>
+                                  </p:childTnLst>
+                                </p:cTn>
+                              </p:par>
+                            </p:childTnLst>
+                          </p:cTn>
+                        </p:par>
+                      </p:childTnLst>
+                    </p:cTn>
+                  </p:par>
+                  <p:par>
+                    <p:cTn id="27" fill="hold">
+                      <p:stCondLst>
+                        <p:cond delay="indefinite"/>
+                      </p:stCondLst>
+                      <p:childTnLst>
+                        <p:par>
+                          <p:cTn id="28" fill="hold">
+                            <p:stCondLst>
+                              <p:cond delay="0"/>
+                            </p:stCondLst>
+                            <p:childTnLst>
+                              <p:par>
+                                <p:cTn id="29" presetID="1" presetClass="entr" presetSubtype="0" fill="hold" grpId="0" nodeType="clickEffect">
+                                  <p:stCondLst>
+                                    <p:cond delay="0"/>
+                                  </p:stCondLst>
+                                  <p:childTnLst>
+                                    <p:set>
+                                      <p:cBhvr>
+                                        <p:cTn id="30" dur="1" fill="hold">
+                                          <p:stCondLst>
+                                            <p:cond delay="0"/>
+                                          </p:stCondLst>
+                                        </p:cTn>
+                                        <p:tgtEl>
+                                          <p:spTgt spid="3">
+                                            <p:txEl>
+                                              <p:pRg st="10" end="10"/>
+                                            </p:txEl>
+                                          </p:spTgt>
+                                        </p:tgtEl>
+                                        <p:attrNameLst>
+                                          <p:attrName>style.visibility</p:attrName>
+                                        </p:attrNameLst>
+                                      </p:cBhvr>
+                                      <p:to>
+                                        <p:strVal val="visible"/>
+                                      </p:to>
+                                    </p:set>
+                                  </p:childTnLst>
+                                </p:cTn>
+                              </p:par>
+                              <p:par>
+                                <p:cTn id="31" presetID="1" presetClass="entr" presetSubtype="0" fill="hold" grpId="0" nodeType="withEffect">
+                                  <p:stCondLst>
+                                    <p:cond delay="0"/>
+                                  </p:stCondLst>
+                                  <p:childTnLst>
+                                    <p:set>
+                                      <p:cBhvr>
+                                        <p:cTn id="32" dur="1" fill="hold">
+                                          <p:stCondLst>
+                                            <p:cond delay="0"/>
+                                          </p:stCondLst>
+                                        </p:cTn>
+                                        <p:tgtEl>
+                                          <p:spTgt spid="3">
+                                            <p:txEl>
+                                              <p:pRg st="11" end="11"/>
+                                            </p:txEl>
+                                          </p:spTgt>
+                                        </p:tgtEl>
+                                        <p:attrNameLst>
+                                          <p:attrName>style.visibility</p:attrName>
+                                        </p:attrNameLst>
+                                      </p:cBhvr>
+                                      <p:to>
+                                        <p:strVal val="visible"/>
+                                      </p:to>
+                                    </p:set>
+                                  </p:childTnLst>
+                                </p:cTn>
+                              </p:par>
+                            </p:childTnLst>
+                          </p:cTn>
+                        </p:par>
+                      </p:childTnLst>
+                    </p:cTn>
+                  </p:par>
+                </p:childTnLst>
+              </p:cTn>
+              <p:prevCondLst>
+                <p:cond evt="onPrev" delay="0">
+                  <p:tgtEl>
+                    <p:sldTgt/>
+                  </p:tgtEl>
+                </p:cond>
+              </p:prevCondLst>
+              <p:nextCondLst>
+                <p:cond evt="onNext" delay="0">
+                  <p:tgtEl>
+                    <p:sldTgt/>
+                  </p:tgtEl>
+                </p:cond>
+              </p:nextCondLst>
+            </p:seq>
+          </p:childTnLst>
+        </p:cTn>
+      </p:par>
+    </p:tnLst>
+    <p:bldLst>
+      <p:bldP spid="3" grpId="0" build="p"/>
+    </p:bldLst>
+  </p:timing>
+</p:sld>
+</file>
+
+<file path=ppt/slides/slide12.xml><?xml version="1.0" encoding="utf-8"?>
+<p:sld xmlns:a="http://schemas.openxmlformats.org/drawingml/2006/main" xmlns:r="http://schemas.openxmlformats.org/officeDocument/2006/relationships" xmlns:p="http://schemas.openxmlformats.org/presentationml/2006/main">
+  <p:cSld>
+    <p:spTree>
+      <p:nvGrpSpPr>
+        <p:cNvPr id="1" name=""/>
+        <p:cNvGrpSpPr/>
+        <p:nvPr/>
+      </p:nvGrpSpPr>
+      <p:grpSpPr>
+        <a:xfrm>
+          <a:off x="0" y="0"/>
+          <a:ext cx="0" cy="0"/>
+          <a:chOff x="0" y="0"/>
+          <a:chExt cx="0" cy="0"/>
+        </a:xfrm>
+      </p:grpSpPr>
+      <p:sp>
+        <p:nvSpPr>
+          <p:cNvPr id="4" name="Subtitle 3"/>
+          <p:cNvSpPr>
+            <a:spLocks noGrp="1"/>
+          </p:cNvSpPr>
+          <p:nvPr>
+            <p:ph type="subTitle" idx="1"/>
+          </p:nvPr>
+        </p:nvSpPr>
+        <p:spPr/>
+        <p:txBody>
+          <a:bodyPr>
+            <a:normAutofit fontScale="77500" lnSpcReduction="20000"/>
+          </a:bodyPr>
+          <a:lstStyle/>
+          <a:p>
+            <a:r>
+              <a:rPr lang="en-US" dirty="0"/>
+              <a:t>A Computational Biology Framework</a:t>
+            </a:r>
+          </a:p>
+        </p:txBody>
+      </p:sp>
+      <p:sp>
+        <p:nvSpPr>
+          <p:cNvPr id="5" name="TextBox 4"/>
+          <p:cNvSpPr txBox="1"/>
+          <p:nvPr/>
+        </p:nvSpPr>
+        <p:spPr>
+          <a:xfrm>
+            <a:off x="273413" y="738012"/>
+            <a:ext cx="2566737" cy="1077218"/>
+          </a:xfrm>
+          <a:prstGeom prst="rect">
+            <a:avLst/>
+          </a:prstGeom>
+          <a:noFill/>
+        </p:spPr>
+        <p:txBody>
+          <a:bodyPr wrap="square" rtlCol="0">
+            <a:spAutoFit/>
+          </a:bodyPr>
+          <a:lstStyle/>
+          <a:p>
+            <a:r>
+              <a:rPr lang="en-US" sz="3200" dirty="0"/>
+              <a:t>Missing</a:t>
+            </a:r>
+          </a:p>
+          <a:p>
+            <a:r>
+              <a:rPr lang="en-US" sz="3200" dirty="0"/>
+              <a:t>values</a:t>
+            </a:r>
+          </a:p>
+        </p:txBody>
+      </p:sp>
+      <p:sp>
+        <p:nvSpPr>
+          <p:cNvPr id="3" name="Content Placeholder 2">
+            <a:extLst>
+              <a:ext uri="{FF2B5EF4-FFF2-40B4-BE49-F238E27FC236}">
+                <a16:creationId xmlns:a16="http://schemas.microsoft.com/office/drawing/2014/main" id="{7985DB17-0F1C-417F-BCC5-8AAE1C4E5997}"/>
+              </a:ext>
+            </a:extLst>
+          </p:cNvPr>
+          <p:cNvSpPr>
+            <a:spLocks noGrp="1"/>
+          </p:cNvSpPr>
+          <p:nvPr>
+            <p:ph sz="half" idx="2"/>
+          </p:nvPr>
+        </p:nvSpPr>
+        <p:spPr/>
+        <p:txBody>
+          <a:bodyPr>
+            <a:normAutofit/>
+          </a:bodyPr>
+          <a:lstStyle/>
+          <a:p>
+            <a:r>
+              <a:rPr lang="en-US" dirty="0"/>
+              <a:t>Distribution testing</a:t>
+            </a:r>
+          </a:p>
+          <a:p>
+            <a:pPr lvl="1"/>
+            <a:r>
+              <a:rPr lang="en-US" dirty="0"/>
+              <a:t>4 datasets</a:t>
+            </a:r>
+          </a:p>
+          <a:p>
+            <a:pPr lvl="1"/>
+            <a:r>
+              <a:rPr lang="en-US" dirty="0"/>
+              <a:t>All logical algorithms</a:t>
+            </a:r>
+          </a:p>
+          <a:p>
+            <a:pPr lvl="2"/>
+            <a:r>
+              <a:rPr lang="en-US" dirty="0"/>
+              <a:t>List Deletion</a:t>
+            </a:r>
+          </a:p>
+          <a:p>
+            <a:pPr lvl="2"/>
+            <a:r>
+              <a:rPr lang="en-US" dirty="0"/>
+              <a:t>	ACA not logical</a:t>
+            </a:r>
+          </a:p>
+          <a:p>
+            <a:pPr lvl="2"/>
+            <a:r>
+              <a:rPr lang="en-US" dirty="0"/>
+              <a:t>Single Imputation</a:t>
+            </a:r>
+          </a:p>
+          <a:p>
+            <a:pPr lvl="2"/>
+            <a:r>
+              <a:rPr lang="en-US" dirty="0"/>
+              <a:t>	Missing indicator not logical</a:t>
+            </a:r>
+          </a:p>
+          <a:p>
+            <a:pPr lvl="2"/>
+            <a:r>
+              <a:rPr lang="en-US" dirty="0"/>
+              <a:t>Multiple Imputation</a:t>
+            </a:r>
+          </a:p>
+          <a:p>
+            <a:pPr lvl="2"/>
+            <a:r>
+              <a:rPr lang="en-US" dirty="0"/>
+              <a:t>	MICE : 1 dataset</a:t>
+            </a:r>
+          </a:p>
+          <a:p>
+            <a:pPr lvl="1"/>
+            <a:r>
+              <a:rPr lang="en-US" dirty="0"/>
+              <a:t>Feature types (statistical testing, H0: Identical distributions)</a:t>
+            </a:r>
+          </a:p>
+          <a:p>
+            <a:pPr lvl="2"/>
+            <a:r>
+              <a:rPr lang="en-US" dirty="0"/>
+              <a:t>Numerical (mean/variance)</a:t>
+            </a:r>
+          </a:p>
+          <a:p>
+            <a:pPr lvl="2"/>
+            <a:r>
+              <a:rPr lang="en-US" dirty="0"/>
+              <a:t>Ordinal (median/chi squared)</a:t>
+            </a:r>
+          </a:p>
+          <a:p>
+            <a:pPr lvl="2"/>
+            <a:r>
+              <a:rPr lang="en-US" dirty="0"/>
+              <a:t>Categorical (mode/chi squared)</a:t>
+            </a:r>
+          </a:p>
+          <a:p>
+            <a:pPr lvl="1"/>
+            <a:r>
+              <a:rPr lang="en-US" dirty="0"/>
+              <a:t>Numerical regression</a:t>
+            </a:r>
+          </a:p>
+          <a:p>
+            <a:pPr lvl="2"/>
+            <a:r>
+              <a:rPr lang="en-US" dirty="0"/>
+              <a:t>Distribution changes in p-values</a:t>
+            </a:r>
+          </a:p>
+          <a:p>
+            <a:pPr lvl="2"/>
+            <a:endParaRPr lang="en-US" dirty="0"/>
+          </a:p>
+          <a:p>
+            <a:pPr lvl="2"/>
+            <a:endParaRPr lang="en-US" dirty="0"/>
+          </a:p>
+          <a:p>
+            <a:endParaRPr lang="en-US" dirty="0"/>
+          </a:p>
+          <a:p>
+            <a:pPr lvl="2"/>
+            <a:endParaRPr lang="en-US" dirty="0"/>
+          </a:p>
+          <a:p>
+            <a:pPr lvl="1"/>
+            <a:endParaRPr lang="en-US" dirty="0"/>
+          </a:p>
+          <a:p>
+            <a:pPr lvl="2"/>
+            <a:endParaRPr lang="en-US" dirty="0"/>
+          </a:p>
+          <a:p>
+            <a:pPr lvl="2"/>
+            <a:endParaRPr lang="en-US" dirty="0"/>
+          </a:p>
+          <a:p>
+            <a:endParaRPr lang="en-NL" dirty="0"/>
+          </a:p>
+        </p:txBody>
+      </p:sp>
+    </p:spTree>
+    <p:extLst>
+      <p:ext uri="{BB962C8B-B14F-4D97-AF65-F5344CB8AC3E}">
+        <p14:creationId xmlns:p14="http://schemas.microsoft.com/office/powerpoint/2010/main" val="2081488387"/>
+      </p:ext>
+    </p:extLst>
+  </p:cSld>
+  <p:clrMapOvr>
+    <a:masterClrMapping/>
+  </p:clrMapOvr>
+  <p:timing>
+    <p:tnLst>
+      <p:par>
+        <p:cTn id="1" dur="indefinite" restart="never" nodeType="tmRoot">
+          <p:childTnLst>
+            <p:seq concurrent="1" nextAc="seek">
+              <p:cTn id="2" dur="indefinite" nodeType="mainSeq">
+                <p:childTnLst>
+                  <p:par>
+                    <p:cTn id="3" fill="hold">
+                      <p:stCondLst>
+                        <p:cond delay="indefinite"/>
+                      </p:stCondLst>
+                      <p:childTnLst>
+                        <p:par>
+                          <p:cTn id="4" fill="hold">
+                            <p:stCondLst>
+                              <p:cond delay="0"/>
+                            </p:stCondLst>
+                            <p:childTnLst>
+                              <p:par>
+                                <p:cTn id="5" presetID="1" presetClass="entr" presetSubtype="0" fill="hold" grpId="0" nodeType="clickEffect">
+                                  <p:stCondLst>
+                                    <p:cond delay="0"/>
+                                  </p:stCondLst>
+                                  <p:childTnLst>
+                                    <p:set>
+                                      <p:cBhvr>
+                                        <p:cTn id="6" dur="1" fill="hold">
+                                          <p:stCondLst>
+                                            <p:cond delay="0"/>
+                                          </p:stCondLst>
+                                        </p:cTn>
+                                        <p:tgtEl>
+                                          <p:spTgt spid="3">
+                                            <p:txEl>
+                                              <p:pRg st="0" end="0"/>
+                                            </p:txEl>
+                                          </p:spTgt>
+                                        </p:tgtEl>
+                                        <p:attrNameLst>
+                                          <p:attrName>style.visibility</p:attrName>
+                                        </p:attrNameLst>
+                                      </p:cBhvr>
+                                      <p:to>
+                                        <p:strVal val="visible"/>
+                                      </p:to>
+                                    </p:set>
+                                  </p:childTnLst>
+                                </p:cTn>
+                              </p:par>
+                              <p:par>
+                                <p:cTn id="7" presetID="1" presetClass="entr" presetSubtype="0" fill="hold" grpId="0" nodeType="withEffect">
+                                  <p:stCondLst>
+                                    <p:cond delay="0"/>
+                                  </p:stCondLst>
+                                  <p:childTnLst>
+                                    <p:set>
+                                      <p:cBhvr>
+                                        <p:cTn id="8" dur="1" fill="hold">
+                                          <p:stCondLst>
+                                            <p:cond delay="0"/>
+                                          </p:stCondLst>
+                                        </p:cTn>
+                                        <p:tgtEl>
+                                          <p:spTgt spid="3">
+                                            <p:txEl>
+                                              <p:pRg st="1" end="1"/>
+                                            </p:txEl>
+                                          </p:spTgt>
+                                        </p:tgtEl>
+                                        <p:attrNameLst>
+                                          <p:attrName>style.visibility</p:attrName>
+                                        </p:attrNameLst>
+                                      </p:cBhvr>
+                                      <p:to>
+                                        <p:strVal val="visible"/>
+                                      </p:to>
+                                    </p:set>
+                                  </p:childTnLst>
+                                </p:cTn>
+                              </p:par>
+                            </p:childTnLst>
+                          </p:cTn>
+                        </p:par>
+                      </p:childTnLst>
+                    </p:cTn>
+                  </p:par>
+                  <p:par>
+                    <p:cTn id="9" fill="hold">
+                      <p:stCondLst>
+                        <p:cond delay="indefinite"/>
+                      </p:stCondLst>
+                      <p:childTnLst>
+                        <p:par>
+                          <p:cTn id="10" fill="hold">
+                            <p:stCondLst>
+                              <p:cond delay="0"/>
+                            </p:stCondLst>
+                            <p:childTnLst>
+                              <p:par>
+                                <p:cTn id="11" presetID="1" presetClass="entr" presetSubtype="0" fill="hold" grpId="0" nodeType="clickEffect">
+                                  <p:stCondLst>
+                                    <p:cond delay="0"/>
+                                  </p:stCondLst>
+                                  <p:childTnLst>
+                                    <p:set>
+                                      <p:cBhvr>
+                                        <p:cTn id="12" dur="1" fill="hold">
+                                          <p:stCondLst>
+                                            <p:cond delay="0"/>
+                                          </p:stCondLst>
+                                        </p:cTn>
+                                        <p:tgtEl>
+                                          <p:spTgt spid="3">
+                                            <p:txEl>
+                                              <p:pRg st="2" end="2"/>
+                                            </p:txEl>
+                                          </p:spTgt>
+                                        </p:tgtEl>
+                                        <p:attrNameLst>
+                                          <p:attrName>style.visibility</p:attrName>
+                                        </p:attrNameLst>
+                                      </p:cBhvr>
+                                      <p:to>
+                                        <p:strVal val="visible"/>
+                                      </p:to>
+                                    </p:set>
+                                  </p:childTnLst>
+                                </p:cTn>
+                              </p:par>
+                              <p:par>
+                                <p:cTn id="13" presetID="1" presetClass="entr" presetSubtype="0" fill="hold" grpId="0" nodeType="withEffect">
+                                  <p:stCondLst>
+                                    <p:cond delay="0"/>
+                                  </p:stCondLst>
+                                  <p:childTnLst>
+                                    <p:set>
+                                      <p:cBhvr>
+                                        <p:cTn id="14" dur="1" fill="hold">
+                                          <p:stCondLst>
+                                            <p:cond delay="0"/>
+                                          </p:stCondLst>
+                                        </p:cTn>
+                                        <p:tgtEl>
+                                          <p:spTgt spid="3">
+                                            <p:txEl>
+                                              <p:pRg st="3" end="3"/>
+                                            </p:txEl>
+                                          </p:spTgt>
+                                        </p:tgtEl>
+                                        <p:attrNameLst>
+                                          <p:attrName>style.visibility</p:attrName>
+                                        </p:attrNameLst>
+                                      </p:cBhvr>
+                                      <p:to>
+                                        <p:strVal val="visible"/>
+                                      </p:to>
+                                    </p:set>
+                                  </p:childTnLst>
+                                </p:cTn>
+                              </p:par>
+                              <p:par>
+                                <p:cTn id="15" presetID="1" presetClass="entr" presetSubtype="0" fill="hold" grpId="0" nodeType="withEffect">
+                                  <p:stCondLst>
+                                    <p:cond delay="0"/>
+                                  </p:stCondLst>
+                                  <p:childTnLst>
+                                    <p:set>
+                                      <p:cBhvr>
+                                        <p:cTn id="16" dur="1" fill="hold">
+                                          <p:stCondLst>
+                                            <p:cond delay="0"/>
+                                          </p:stCondLst>
+                                        </p:cTn>
+                                        <p:tgtEl>
+                                          <p:spTgt spid="3">
+                                            <p:txEl>
+                                              <p:pRg st="4" end="4"/>
+                                            </p:txEl>
+                                          </p:spTgt>
+                                        </p:tgtEl>
+                                        <p:attrNameLst>
+                                          <p:attrName>style.visibility</p:attrName>
+                                        </p:attrNameLst>
+                                      </p:cBhvr>
+                                      <p:to>
+                                        <p:strVal val="visible"/>
+                                      </p:to>
+                                    </p:set>
+                                  </p:childTnLst>
+                                </p:cTn>
+                              </p:par>
+                              <p:par>
+                                <p:cTn id="17" presetID="1" presetClass="entr" presetSubtype="0" fill="hold" grpId="0" nodeType="withEffect">
+                                  <p:stCondLst>
+                                    <p:cond delay="0"/>
+                                  </p:stCondLst>
+                                  <p:childTnLst>
+                                    <p:set>
+                                      <p:cBhvr>
+                                        <p:cTn id="18" dur="1" fill="hold">
+                                          <p:stCondLst>
+                                            <p:cond delay="0"/>
+                                          </p:stCondLst>
+                                        </p:cTn>
+                                        <p:tgtEl>
+                                          <p:spTgt spid="3">
+                                            <p:txEl>
+                                              <p:pRg st="5" end="5"/>
+                                            </p:txEl>
+                                          </p:spTgt>
+                                        </p:tgtEl>
+                                        <p:attrNameLst>
+                                          <p:attrName>style.visibility</p:attrName>
+                                        </p:attrNameLst>
+                                      </p:cBhvr>
+                                      <p:to>
+                                        <p:strVal val="visible"/>
+                                      </p:to>
+                                    </p:set>
+                                  </p:childTnLst>
+                                </p:cTn>
+                              </p:par>
+                              <p:par>
+                                <p:cTn id="19" presetID="1" presetClass="entr" presetSubtype="0" fill="hold" grpId="0" nodeType="withEffect">
+                                  <p:stCondLst>
+                                    <p:cond delay="0"/>
+                                  </p:stCondLst>
+                                  <p:childTnLst>
+                                    <p:set>
+                                      <p:cBhvr>
+                                        <p:cTn id="20" dur="1" fill="hold">
+                                          <p:stCondLst>
+                                            <p:cond delay="0"/>
+                                          </p:stCondLst>
+                                        </p:cTn>
+                                        <p:tgtEl>
+                                          <p:spTgt spid="3">
+                                            <p:txEl>
+                                              <p:pRg st="6" end="6"/>
+                                            </p:txEl>
+                                          </p:spTgt>
+                                        </p:tgtEl>
+                                        <p:attrNameLst>
+                                          <p:attrName>style.visibility</p:attrName>
+                                        </p:attrNameLst>
+                                      </p:cBhvr>
+                                      <p:to>
+                                        <p:strVal val="visible"/>
+                                      </p:to>
+                                    </p:set>
+                                  </p:childTnLst>
+                                </p:cTn>
+                              </p:par>
+                              <p:par>
+                                <p:cTn id="21" presetID="1" presetClass="entr" presetSubtype="0" fill="hold" grpId="0" nodeType="withEffect">
+                                  <p:stCondLst>
+                                    <p:cond delay="0"/>
+                                  </p:stCondLst>
+                                  <p:childTnLst>
+                                    <p:set>
+                                      <p:cBhvr>
+                                        <p:cTn id="22" dur="1" fill="hold">
+                                          <p:stCondLst>
+                                            <p:cond delay="0"/>
+                                          </p:stCondLst>
+                                        </p:cTn>
+                                        <p:tgtEl>
+                                          <p:spTgt spid="3">
+                                            <p:txEl>
+                                              <p:pRg st="7" end="7"/>
+                                            </p:txEl>
+                                          </p:spTgt>
+                                        </p:tgtEl>
+                                        <p:attrNameLst>
+                                          <p:attrName>style.visibility</p:attrName>
+                                        </p:attrNameLst>
+                                      </p:cBhvr>
+                                      <p:to>
+                                        <p:strVal val="visible"/>
+                                      </p:to>
+                                    </p:set>
+                                  </p:childTnLst>
+                                </p:cTn>
+                              </p:par>
+                              <p:par>
+                                <p:cTn id="23" presetID="1" presetClass="entr" presetSubtype="0" fill="hold" grpId="0" nodeType="withEffect">
+                                  <p:stCondLst>
+                                    <p:cond delay="0"/>
+                                  </p:stCondLst>
+                                  <p:childTnLst>
+                                    <p:set>
+                                      <p:cBhvr>
+                                        <p:cTn id="24" dur="1" fill="hold">
+                                          <p:stCondLst>
+                                            <p:cond delay="0"/>
+                                          </p:stCondLst>
+                                        </p:cTn>
+                                        <p:tgtEl>
+                                          <p:spTgt spid="3">
+                                            <p:txEl>
+                                              <p:pRg st="8" end="8"/>
+                                            </p:txEl>
+                                          </p:spTgt>
+                                        </p:tgtEl>
+                                        <p:attrNameLst>
+                                          <p:attrName>style.visibility</p:attrName>
+                                        </p:attrNameLst>
+                                      </p:cBhvr>
+                                      <p:to>
+                                        <p:strVal val="visible"/>
+                                      </p:to>
+                                    </p:set>
+                                  </p:childTnLst>
+                                </p:cTn>
+                              </p:par>
+                            </p:childTnLst>
+                          </p:cTn>
+                        </p:par>
+                      </p:childTnLst>
+                    </p:cTn>
+                  </p:par>
+                  <p:par>
+                    <p:cTn id="25" fill="hold">
+                      <p:stCondLst>
+                        <p:cond delay="indefinite"/>
+                      </p:stCondLst>
+                      <p:childTnLst>
+                        <p:par>
+                          <p:cTn id="26" fill="hold">
+                            <p:stCondLst>
+                              <p:cond delay="0"/>
+                            </p:stCondLst>
+                            <p:childTnLst>
+                              <p:par>
+                                <p:cTn id="27" presetID="1" presetClass="entr" presetSubtype="0" fill="hold" grpId="0" nodeType="clickEffect">
+                                  <p:stCondLst>
+                                    <p:cond delay="0"/>
+                                  </p:stCondLst>
+                                  <p:childTnLst>
+                                    <p:set>
+                                      <p:cBhvr>
+                                        <p:cTn id="28" dur="1" fill="hold">
+                                          <p:stCondLst>
+                                            <p:cond delay="0"/>
+                                          </p:stCondLst>
+                                        </p:cTn>
+                                        <p:tgtEl>
+                                          <p:spTgt spid="3">
+                                            <p:txEl>
+                                              <p:pRg st="9" end="9"/>
+                                            </p:txEl>
+                                          </p:spTgt>
+                                        </p:tgtEl>
+                                        <p:attrNameLst>
+                                          <p:attrName>style.visibility</p:attrName>
+                                        </p:attrNameLst>
+                                      </p:cBhvr>
+                                      <p:to>
+                                        <p:strVal val="visible"/>
+                                      </p:to>
+                                    </p:set>
+                                  </p:childTnLst>
+                                </p:cTn>
+                              </p:par>
+                              <p:par>
+                                <p:cTn id="29" presetID="1" presetClass="entr" presetSubtype="0" fill="hold" grpId="0" nodeType="withEffect">
+                                  <p:stCondLst>
+                                    <p:cond delay="0"/>
+                                  </p:stCondLst>
+                                  <p:childTnLst>
+                                    <p:set>
+                                      <p:cBhvr>
+                                        <p:cTn id="30" dur="1" fill="hold">
+                                          <p:stCondLst>
+                                            <p:cond delay="0"/>
+                                          </p:stCondLst>
+                                        </p:cTn>
+                                        <p:tgtEl>
+                                          <p:spTgt spid="3">
+                                            <p:txEl>
+                                              <p:pRg st="10" end="10"/>
+                                            </p:txEl>
+                                          </p:spTgt>
+                                        </p:tgtEl>
+                                        <p:attrNameLst>
+                                          <p:attrName>style.visibility</p:attrName>
+                                        </p:attrNameLst>
+                                      </p:cBhvr>
+                                      <p:to>
+                                        <p:strVal val="visible"/>
+                                      </p:to>
+                                    </p:set>
+                                  </p:childTnLst>
+                                </p:cTn>
+                              </p:par>
+                              <p:par>
+                                <p:cTn id="31" presetID="1" presetClass="entr" presetSubtype="0" fill="hold" grpId="0" nodeType="withEffect">
+                                  <p:stCondLst>
+                                    <p:cond delay="0"/>
+                                  </p:stCondLst>
+                                  <p:childTnLst>
+                                    <p:set>
+                                      <p:cBhvr>
+                                        <p:cTn id="32" dur="1" fill="hold">
+                                          <p:stCondLst>
+                                            <p:cond delay="0"/>
+                                          </p:stCondLst>
+                                        </p:cTn>
+                                        <p:tgtEl>
+                                          <p:spTgt spid="3">
+                                            <p:txEl>
+                                              <p:pRg st="11" end="11"/>
+                                            </p:txEl>
+                                          </p:spTgt>
+                                        </p:tgtEl>
+                                        <p:attrNameLst>
+                                          <p:attrName>style.visibility</p:attrName>
+                                        </p:attrNameLst>
+                                      </p:cBhvr>
+                                      <p:to>
+                                        <p:strVal val="visible"/>
+                                      </p:to>
+                                    </p:set>
+                                  </p:childTnLst>
+                                </p:cTn>
+                              </p:par>
+                              <p:par>
+                                <p:cTn id="33" presetID="1" presetClass="entr" presetSubtype="0" fill="hold" grpId="0" nodeType="withEffect">
+                                  <p:stCondLst>
+                                    <p:cond delay="0"/>
+                                  </p:stCondLst>
+                                  <p:childTnLst>
+                                    <p:set>
+                                      <p:cBhvr>
+                                        <p:cTn id="34" dur="1" fill="hold">
+                                          <p:stCondLst>
+                                            <p:cond delay="0"/>
+                                          </p:stCondLst>
+                                        </p:cTn>
+                                        <p:tgtEl>
+                                          <p:spTgt spid="3">
+                                            <p:txEl>
+                                              <p:pRg st="12" end="12"/>
+                                            </p:txEl>
+                                          </p:spTgt>
+                                        </p:tgtEl>
+                                        <p:attrNameLst>
+                                          <p:attrName>style.visibility</p:attrName>
+                                        </p:attrNameLst>
+                                      </p:cBhvr>
+                                      <p:to>
+                                        <p:strVal val="visible"/>
+                                      </p:to>
+                                    </p:set>
+                                  </p:childTnLst>
+                                </p:cTn>
+                              </p:par>
+                            </p:childTnLst>
+                          </p:cTn>
+                        </p:par>
+                      </p:childTnLst>
+                    </p:cTn>
+                  </p:par>
+                  <p:par>
+                    <p:cTn id="35" fill="hold">
+                      <p:stCondLst>
+                        <p:cond delay="indefinite"/>
+                      </p:stCondLst>
+                      <p:childTnLst>
+                        <p:par>
+                          <p:cTn id="36" fill="hold">
+                            <p:stCondLst>
+                              <p:cond delay="0"/>
+                            </p:stCondLst>
+                            <p:childTnLst>
+                              <p:par>
+                                <p:cTn id="37" presetID="1" presetClass="entr" presetSubtype="0" fill="hold" grpId="0" nodeType="clickEffect">
+                                  <p:stCondLst>
+                                    <p:cond delay="0"/>
+                                  </p:stCondLst>
+                                  <p:childTnLst>
+                                    <p:set>
+                                      <p:cBhvr>
+                                        <p:cTn id="38" dur="1" fill="hold">
+                                          <p:stCondLst>
+                                            <p:cond delay="0"/>
+                                          </p:stCondLst>
+                                        </p:cTn>
+                                        <p:tgtEl>
+                                          <p:spTgt spid="3">
+                                            <p:txEl>
+                                              <p:pRg st="13" end="13"/>
+                                            </p:txEl>
+                                          </p:spTgt>
+                                        </p:tgtEl>
+                                        <p:attrNameLst>
+                                          <p:attrName>style.visibility</p:attrName>
+                                        </p:attrNameLst>
+                                      </p:cBhvr>
+                                      <p:to>
+                                        <p:strVal val="visible"/>
+                                      </p:to>
+                                    </p:set>
+                                  </p:childTnLst>
+                                </p:cTn>
+                              </p:par>
+                              <p:par>
+                                <p:cTn id="39" presetID="1" presetClass="entr" presetSubtype="0" fill="hold" grpId="0" nodeType="withEffect">
+                                  <p:stCondLst>
+                                    <p:cond delay="0"/>
+                                  </p:stCondLst>
+                                  <p:childTnLst>
+                                    <p:set>
+                                      <p:cBhvr>
+                                        <p:cTn id="40" dur="1" fill="hold">
+                                          <p:stCondLst>
+                                            <p:cond delay="0"/>
+                                          </p:stCondLst>
+                                        </p:cTn>
+                                        <p:tgtEl>
+                                          <p:spTgt spid="3">
+                                            <p:txEl>
+                                              <p:pRg st="14" end="14"/>
+                                            </p:txEl>
+                                          </p:spTgt>
+                                        </p:tgtEl>
+                                        <p:attrNameLst>
+                                          <p:attrName>style.visibility</p:attrName>
+                                        </p:attrNameLst>
+                                      </p:cBhvr>
+                                      <p:to>
+                                        <p:strVal val="visible"/>
+                                      </p:to>
+                                    </p:set>
+                                  </p:childTnLst>
+                                </p:cTn>
+                              </p:par>
+                            </p:childTnLst>
+                          </p:cTn>
+                        </p:par>
+                      </p:childTnLst>
+                    </p:cTn>
+                  </p:par>
+                </p:childTnLst>
+              </p:cTn>
+              <p:prevCondLst>
+                <p:cond evt="onPrev" delay="0">
+                  <p:tgtEl>
+                    <p:sldTgt/>
+                  </p:tgtEl>
+                </p:cond>
+              </p:prevCondLst>
+              <p:nextCondLst>
+                <p:cond evt="onNext" delay="0">
+                  <p:tgtEl>
+                    <p:sldTgt/>
+                  </p:tgtEl>
+                </p:cond>
+              </p:nextCondLst>
+            </p:seq>
+          </p:childTnLst>
+        </p:cTn>
+      </p:par>
+    </p:tnLst>
+    <p:bldLst>
+      <p:bldP spid="3" grpId="0" uiExpand="1" build="p"/>
+    </p:bldLst>
+  </p:timing>
+</p:sld>
+</file>
+
+<file path=ppt/slides/slide13.xml><?xml version="1.0" encoding="utf-8"?>
+<p:sld xmlns:a="http://schemas.openxmlformats.org/drawingml/2006/main" xmlns:r="http://schemas.openxmlformats.org/officeDocument/2006/relationships" xmlns:p="http://schemas.openxmlformats.org/presentationml/2006/main">
+  <p:cSld>
+    <p:spTree>
+      <p:nvGrpSpPr>
+        <p:cNvPr id="1" name=""/>
+        <p:cNvGrpSpPr/>
+        <p:nvPr/>
+      </p:nvGrpSpPr>
+      <p:grpSpPr>
+        <a:xfrm>
+          <a:off x="0" y="0"/>
+          <a:ext cx="0" cy="0"/>
+          <a:chOff x="0" y="0"/>
+          <a:chExt cx="0" cy="0"/>
+        </a:xfrm>
+      </p:grpSpPr>
+      <p:sp>
+        <p:nvSpPr>
+          <p:cNvPr id="4" name="Subtitle 3"/>
+          <p:cNvSpPr>
+            <a:spLocks noGrp="1"/>
+          </p:cNvSpPr>
+          <p:nvPr>
+            <p:ph type="subTitle" idx="1"/>
+          </p:nvPr>
+        </p:nvSpPr>
+        <p:spPr/>
+        <p:txBody>
+          <a:bodyPr>
+            <a:normAutofit fontScale="77500" lnSpcReduction="20000"/>
+          </a:bodyPr>
+          <a:lstStyle/>
+          <a:p>
+            <a:r>
+              <a:rPr lang="en-US" dirty="0"/>
+              <a:t>A Computational Biology Framework</a:t>
+            </a:r>
+          </a:p>
+        </p:txBody>
+      </p:sp>
+      <p:sp>
+        <p:nvSpPr>
+          <p:cNvPr id="5" name="TextBox 4"/>
+          <p:cNvSpPr txBox="1"/>
+          <p:nvPr/>
+        </p:nvSpPr>
+        <p:spPr>
+          <a:xfrm>
+            <a:off x="273413" y="738012"/>
+            <a:ext cx="2566737" cy="1077218"/>
+          </a:xfrm>
+          <a:prstGeom prst="rect">
+            <a:avLst/>
+          </a:prstGeom>
+          <a:noFill/>
+        </p:spPr>
+        <p:txBody>
+          <a:bodyPr wrap="square" rtlCol="0">
+            <a:spAutoFit/>
+          </a:bodyPr>
+          <a:lstStyle/>
+          <a:p>
+            <a:r>
+              <a:rPr lang="en-US" sz="3200" dirty="0"/>
+              <a:t>Missing</a:t>
+            </a:r>
+          </a:p>
+          <a:p>
+            <a:r>
+              <a:rPr lang="en-US" sz="3200" dirty="0"/>
+              <a:t>values</a:t>
+            </a:r>
+          </a:p>
+        </p:txBody>
+      </p:sp>
+      <p:sp>
+        <p:nvSpPr>
+          <p:cNvPr id="3" name="Content Placeholder 2">
+            <a:extLst>
+              <a:ext uri="{FF2B5EF4-FFF2-40B4-BE49-F238E27FC236}">
+                <a16:creationId xmlns:a16="http://schemas.microsoft.com/office/drawing/2014/main" id="{7985DB17-0F1C-417F-BCC5-8AAE1C4E5997}"/>
+              </a:ext>
+            </a:extLst>
+          </p:cNvPr>
+          <p:cNvSpPr>
+            <a:spLocks noGrp="1"/>
+          </p:cNvSpPr>
+          <p:nvPr>
+            <p:ph sz="half" idx="2"/>
+          </p:nvPr>
+        </p:nvSpPr>
+        <p:spPr/>
+        <p:txBody>
+          <a:bodyPr>
+            <a:normAutofit/>
+          </a:bodyPr>
+          <a:lstStyle/>
+          <a:p>
+            <a:r>
+              <a:rPr lang="en-US" dirty="0"/>
+              <a:t>Distribution testing results:</a:t>
+            </a:r>
+          </a:p>
+          <a:p>
+            <a:pPr lvl="1"/>
+            <a:r>
+              <a:rPr lang="en-US" dirty="0"/>
+              <a:t>Many features not completely missing at random</a:t>
+            </a:r>
+          </a:p>
+          <a:p>
+            <a:pPr lvl="1"/>
+            <a:r>
+              <a:rPr lang="en-US" dirty="0"/>
+              <a:t>Imputation sufficient for &lt; 15% missing</a:t>
+            </a:r>
+          </a:p>
+          <a:p>
+            <a:pPr lvl="1"/>
+            <a:r>
+              <a:rPr lang="en-US" dirty="0"/>
+              <a:t>List Deletion became better with more missing values</a:t>
+            </a:r>
+          </a:p>
+          <a:p>
+            <a:pPr lvl="1"/>
+            <a:endParaRPr lang="en-US" dirty="0"/>
+          </a:p>
+          <a:p>
+            <a:r>
+              <a:rPr lang="en-US" dirty="0"/>
+              <a:t>Only looking at features: &lt; 15% missing values</a:t>
+            </a:r>
+          </a:p>
+          <a:p>
+            <a:endParaRPr lang="en-US" dirty="0"/>
+          </a:p>
+          <a:p>
+            <a:pPr lvl="2"/>
+            <a:endParaRPr lang="en-US" dirty="0"/>
+          </a:p>
+          <a:p>
+            <a:pPr lvl="2"/>
+            <a:endParaRPr lang="en-US" dirty="0"/>
+          </a:p>
+          <a:p>
+            <a:endParaRPr lang="en-US" dirty="0"/>
+          </a:p>
+          <a:p>
+            <a:pPr lvl="2"/>
+            <a:endParaRPr lang="en-US" dirty="0"/>
+          </a:p>
+          <a:p>
+            <a:pPr lvl="1"/>
+            <a:endParaRPr lang="en-US" dirty="0"/>
+          </a:p>
+          <a:p>
+            <a:pPr lvl="2"/>
+            <a:endParaRPr lang="en-US" dirty="0"/>
+          </a:p>
+          <a:p>
+            <a:pPr lvl="2"/>
+            <a:endParaRPr lang="en-US" dirty="0"/>
+          </a:p>
+          <a:p>
+            <a:endParaRPr lang="en-NL" dirty="0"/>
+          </a:p>
+        </p:txBody>
+      </p:sp>
+    </p:spTree>
+    <p:extLst>
+      <p:ext uri="{BB962C8B-B14F-4D97-AF65-F5344CB8AC3E}">
+        <p14:creationId xmlns:p14="http://schemas.microsoft.com/office/powerpoint/2010/main" val="1769127602"/>
+      </p:ext>
+    </p:extLst>
+  </p:cSld>
+  <p:clrMapOvr>
+    <a:masterClrMapping/>
+  </p:clrMapOvr>
+  <p:timing>
+    <p:tnLst>
+      <p:par>
+        <p:cTn id="1" dur="indefinite" restart="never" nodeType="tmRoot">
+          <p:childTnLst>
+            <p:seq concurrent="1" nextAc="seek">
+              <p:cTn id="2" dur="indefinite" nodeType="mainSeq">
+                <p:childTnLst>
+                  <p:par>
+                    <p:cTn id="3" fill="hold">
+                      <p:stCondLst>
+                        <p:cond delay="indefinite"/>
+                      </p:stCondLst>
+                      <p:childTnLst>
+                        <p:par>
+                          <p:cTn id="4" fill="hold">
+                            <p:stCondLst>
+                              <p:cond delay="0"/>
+                            </p:stCondLst>
+                            <p:childTnLst>
+                              <p:par>
+                                <p:cTn id="5" presetID="1" presetClass="entr" presetSubtype="0" fill="hold" grpId="0" nodeType="clickEffect">
+                                  <p:stCondLst>
+                                    <p:cond delay="0"/>
+                                  </p:stCondLst>
+                                  <p:childTnLst>
+                                    <p:set>
+                                      <p:cBhvr>
+                                        <p:cTn id="6" dur="1" fill="hold">
+                                          <p:stCondLst>
+                                            <p:cond delay="0"/>
+                                          </p:stCondLst>
+                                        </p:cTn>
+                                        <p:tgtEl>
+                                          <p:spTgt spid="3">
+                                            <p:txEl>
+                                              <p:pRg st="0" end="0"/>
+                                            </p:txEl>
+                                          </p:spTgt>
+                                        </p:tgtEl>
+                                        <p:attrNameLst>
+                                          <p:attrName>style.visibility</p:attrName>
+                                        </p:attrNameLst>
+                                      </p:cBhvr>
+                                      <p:to>
+                                        <p:strVal val="visible"/>
+                                      </p:to>
+                                    </p:set>
+                                  </p:childTnLst>
+                                </p:cTn>
+                              </p:par>
+                              <p:par>
+                                <p:cTn id="7" presetID="1" presetClass="entr" presetSubtype="0" fill="hold" grpId="0" nodeType="withEffect">
+                                  <p:stCondLst>
+                                    <p:cond delay="0"/>
+                                  </p:stCondLst>
+                                  <p:childTnLst>
+                                    <p:set>
+                                      <p:cBhvr>
+                                        <p:cTn id="8" dur="1" fill="hold">
+                                          <p:stCondLst>
+                                            <p:cond delay="0"/>
+                                          </p:stCondLst>
+                                        </p:cTn>
+                                        <p:tgtEl>
+                                          <p:spTgt spid="3">
+                                            <p:txEl>
+                                              <p:pRg st="1" end="1"/>
+                                            </p:txEl>
+                                          </p:spTgt>
+                                        </p:tgtEl>
+                                        <p:attrNameLst>
+                                          <p:attrName>style.visibility</p:attrName>
+                                        </p:attrNameLst>
+                                      </p:cBhvr>
+                                      <p:to>
+                                        <p:strVal val="visible"/>
+                                      </p:to>
+                                    </p:set>
+                                  </p:childTnLst>
+                                </p:cTn>
+                              </p:par>
+                              <p:par>
+                                <p:cTn id="9" presetID="1" presetClass="entr" presetSubtype="0" fill="hold" grpId="0" nodeType="withEffect">
+                                  <p:stCondLst>
+                                    <p:cond delay="0"/>
+                                  </p:stCondLst>
+                                  <p:childTnLst>
+                                    <p:set>
+                                      <p:cBhvr>
+                                        <p:cTn id="10" dur="1" fill="hold">
+                                          <p:stCondLst>
+                                            <p:cond delay="0"/>
+                                          </p:stCondLst>
+                                        </p:cTn>
+                                        <p:tgtEl>
+                                          <p:spTgt spid="3">
+                                            <p:txEl>
+                                              <p:pRg st="2" end="2"/>
+                                            </p:txEl>
+                                          </p:spTgt>
+                                        </p:tgtEl>
+                                        <p:attrNameLst>
+                                          <p:attrName>style.visibility</p:attrName>
+                                        </p:attrNameLst>
+                                      </p:cBhvr>
+                                      <p:to>
+                                        <p:strVal val="visible"/>
+                                      </p:to>
+                                    </p:set>
+                                  </p:childTnLst>
+                                </p:cTn>
+                              </p:par>
+                              <p:par>
+                                <p:cTn id="11" presetID="1" presetClass="entr" presetSubtype="0" fill="hold" grpId="0" nodeType="withEffect">
+                                  <p:stCondLst>
+                                    <p:cond delay="0"/>
+                                  </p:stCondLst>
+                                  <p:childTnLst>
+                                    <p:set>
+                                      <p:cBhvr>
+                                        <p:cTn id="12" dur="1" fill="hold">
+                                          <p:stCondLst>
+                                            <p:cond delay="0"/>
+                                          </p:stCondLst>
+                                        </p:cTn>
+                                        <p:tgtEl>
+                                          <p:spTgt spid="3">
+                                            <p:txEl>
+                                              <p:pRg st="3" end="3"/>
+                                            </p:txEl>
+                                          </p:spTgt>
+                                        </p:tgtEl>
+                                        <p:attrNameLst>
+                                          <p:attrName>style.visibility</p:attrName>
+                                        </p:attrNameLst>
+                                      </p:cBhvr>
+                                      <p:to>
+                                        <p:strVal val="visible"/>
+                                      </p:to>
+                                    </p:set>
+                                  </p:childTnLst>
+                                </p:cTn>
+                              </p:par>
+                            </p:childTnLst>
+                          </p:cTn>
+                        </p:par>
+                      </p:childTnLst>
+                    </p:cTn>
+                  </p:par>
+                  <p:par>
+                    <p:cTn id="13" fill="hold">
+                      <p:stCondLst>
+                        <p:cond delay="indefinite"/>
+                      </p:stCondLst>
+                      <p:childTnLst>
+                        <p:par>
+                          <p:cTn id="14" fill="hold">
+                            <p:stCondLst>
+                              <p:cond delay="0"/>
+                            </p:stCondLst>
+                            <p:childTnLst>
+                              <p:par>
+                                <p:cTn id="15" presetID="1" presetClass="entr" presetSubtype="0" fill="hold" grpId="0" nodeType="clickEffect">
+                                  <p:stCondLst>
+                                    <p:cond delay="0"/>
+                                  </p:stCondLst>
+                                  <p:childTnLst>
+                                    <p:set>
+                                      <p:cBhvr>
+                                        <p:cTn id="16" dur="1" fill="hold">
+                                          <p:stCondLst>
+                                            <p:cond delay="0"/>
+                                          </p:stCondLst>
+                                        </p:cTn>
+                                        <p:tgtEl>
+                                          <p:spTgt spid="3">
+                                            <p:txEl>
+                                              <p:pRg st="5" end="5"/>
+                                            </p:txEl>
+                                          </p:spTgt>
+                                        </p:tgtEl>
+                                        <p:attrNameLst>
+                                          <p:attrName>style.visibility</p:attrName>
+                                        </p:attrNameLst>
+                                      </p:cBhvr>
+                                      <p:to>
+                                        <p:strVal val="visible"/>
+                                      </p:to>
+                                    </p:set>
+                                  </p:childTnLst>
+                                </p:cTn>
+                              </p:par>
+                            </p:childTnLst>
+                          </p:cTn>
+                        </p:par>
+                      </p:childTnLst>
+                    </p:cTn>
+                  </p:par>
+                </p:childTnLst>
+              </p:cTn>
+              <p:prevCondLst>
+                <p:cond evt="onPrev" delay="0">
+                  <p:tgtEl>
+                    <p:sldTgt/>
+                  </p:tgtEl>
+                </p:cond>
+              </p:prevCondLst>
+              <p:nextCondLst>
+                <p:cond evt="onNext" delay="0">
+                  <p:tgtEl>
+                    <p:sldTgt/>
+                  </p:tgtEl>
+                </p:cond>
+              </p:nextCondLst>
+            </p:seq>
+          </p:childTnLst>
+        </p:cTn>
+      </p:par>
+    </p:tnLst>
+    <p:bldLst>
+      <p:bldP spid="3" grpId="0" build="p"/>
+    </p:bldLst>
+  </p:timing>
+</p:sld>
+</file>
+
+<file path=ppt/slides/slide14.xml><?xml version="1.0" encoding="utf-8"?>
+<p:sld xmlns:a="http://schemas.openxmlformats.org/drawingml/2006/main" xmlns:r="http://schemas.openxmlformats.org/officeDocument/2006/relationships" xmlns:p="http://schemas.openxmlformats.org/presentationml/2006/main">
+  <p:cSld>
+    <p:spTree>
+      <p:nvGrpSpPr>
+        <p:cNvPr id="1" name=""/>
+        <p:cNvGrpSpPr/>
+        <p:nvPr/>
+      </p:nvGrpSpPr>
+      <p:grpSpPr>
+        <a:xfrm>
+          <a:off x="0" y="0"/>
+          <a:ext cx="0" cy="0"/>
+          <a:chOff x="0" y="0"/>
+          <a:chExt cx="0" cy="0"/>
+        </a:xfrm>
+      </p:grpSpPr>
+      <p:sp>
+        <p:nvSpPr>
+          <p:cNvPr id="4" name="Subtitle 3"/>
+          <p:cNvSpPr>
+            <a:spLocks noGrp="1"/>
+          </p:cNvSpPr>
+          <p:nvPr>
+            <p:ph type="subTitle" idx="1"/>
+          </p:nvPr>
+        </p:nvSpPr>
+        <p:spPr/>
+        <p:txBody>
+          <a:bodyPr>
+            <a:normAutofit fontScale="77500" lnSpcReduction="20000"/>
+          </a:bodyPr>
+          <a:lstStyle/>
+          <a:p>
+            <a:r>
+              <a:rPr lang="en-US" dirty="0"/>
+              <a:t>A Computational Biology Framework</a:t>
+            </a:r>
+          </a:p>
+        </p:txBody>
+      </p:sp>
+      <p:sp>
+        <p:nvSpPr>
+          <p:cNvPr id="5" name="TextBox 4"/>
+          <p:cNvSpPr txBox="1"/>
+          <p:nvPr/>
+        </p:nvSpPr>
+        <p:spPr>
+          <a:xfrm>
+            <a:off x="273413" y="738012"/>
+            <a:ext cx="2566737" cy="1077218"/>
+          </a:xfrm>
+          <a:prstGeom prst="rect">
+            <a:avLst/>
+          </a:prstGeom>
+          <a:noFill/>
+        </p:spPr>
+        <p:txBody>
+          <a:bodyPr wrap="square" rtlCol="0">
+            <a:spAutoFit/>
+          </a:bodyPr>
+          <a:lstStyle/>
+          <a:p>
+            <a:r>
+              <a:rPr lang="en-US" sz="3200" dirty="0"/>
+              <a:t>Missing</a:t>
+            </a:r>
+          </a:p>
+          <a:p>
+            <a:r>
+              <a:rPr lang="en-US" sz="3200" dirty="0"/>
+              <a:t>values</a:t>
+            </a:r>
+          </a:p>
+        </p:txBody>
+      </p:sp>
+      <p:sp>
+        <p:nvSpPr>
+          <p:cNvPr id="3" name="Content Placeholder 2">
+            <a:extLst>
+              <a:ext uri="{FF2B5EF4-FFF2-40B4-BE49-F238E27FC236}">
+                <a16:creationId xmlns:a16="http://schemas.microsoft.com/office/drawing/2014/main" id="{7985DB17-0F1C-417F-BCC5-8AAE1C4E5997}"/>
+              </a:ext>
+            </a:extLst>
+          </p:cNvPr>
+          <p:cNvSpPr>
+            <a:spLocks noGrp="1"/>
+          </p:cNvSpPr>
+          <p:nvPr>
+            <p:ph sz="half" idx="2"/>
+          </p:nvPr>
+        </p:nvSpPr>
+        <p:spPr/>
+        <p:txBody>
+          <a:bodyPr>
+            <a:normAutofit/>
+          </a:bodyPr>
+          <a:lstStyle/>
+          <a:p>
+            <a:r>
+              <a:rPr lang="en-US" dirty="0"/>
+              <a:t>Classification quality</a:t>
+            </a:r>
+          </a:p>
+          <a:p>
+            <a:pPr lvl="1"/>
+            <a:endParaRPr lang="en-US" dirty="0"/>
+          </a:p>
+          <a:p>
+            <a:pPr lvl="2"/>
+            <a:endParaRPr lang="en-US" dirty="0"/>
+          </a:p>
+          <a:p>
+            <a:pPr lvl="1"/>
+            <a:endParaRPr lang="en-US" dirty="0"/>
+          </a:p>
+          <a:p>
+            <a:pPr lvl="2"/>
+            <a:endParaRPr lang="en-US" dirty="0"/>
+          </a:p>
+          <a:p>
+            <a:pPr lvl="2"/>
+            <a:endParaRPr lang="en-US" dirty="0"/>
+          </a:p>
+          <a:p>
+            <a:endParaRPr lang="en-NL" dirty="0"/>
+          </a:p>
+        </p:txBody>
+      </p:sp>
+      <p:pic>
+        <p:nvPicPr>
+          <p:cNvPr id="6" name="Picture 5">
+            <a:extLst>
+              <a:ext uri="{FF2B5EF4-FFF2-40B4-BE49-F238E27FC236}">
+                <a16:creationId xmlns:a16="http://schemas.microsoft.com/office/drawing/2014/main" id="{2901D703-5787-432C-BCCA-A4AA91D82CB0}"/>
+              </a:ext>
+            </a:extLst>
+          </p:cNvPr>
+          <p:cNvPicPr>
+            <a:picLocks noChangeAspect="1"/>
+          </p:cNvPicPr>
+          <p:nvPr/>
+        </p:nvPicPr>
+        <p:blipFill>
+          <a:blip r:embed="rId2">
+            <a:extLst>
+              <a:ext uri="{28A0092B-C50C-407E-A947-70E740481C1C}">
+                <a14:useLocalDpi xmlns:a14="http://schemas.microsoft.com/office/drawing/2010/main" val="0"/>
+              </a:ext>
+            </a:extLst>
+          </a:blip>
+          <a:stretch>
+            <a:fillRect/>
+          </a:stretch>
+        </p:blipFill>
+        <p:spPr>
+          <a:xfrm>
+            <a:off x="1637969" y="36306"/>
+            <a:ext cx="8518497" cy="6785387"/>
+          </a:xfrm>
+          <a:prstGeom prst="rect">
+            <a:avLst/>
+          </a:prstGeom>
+        </p:spPr>
+      </p:pic>
+    </p:spTree>
+    <p:extLst>
+      <p:ext uri="{BB962C8B-B14F-4D97-AF65-F5344CB8AC3E}">
+        <p14:creationId xmlns:p14="http://schemas.microsoft.com/office/powerpoint/2010/main" val="744779006"/>
+      </p:ext>
+    </p:extLst>
+  </p:cSld>
+  <p:clrMapOvr>
+    <a:masterClrMapping/>
+  </p:clrMapOvr>
+</p:sld>
+</file>
+
+<file path=ppt/slides/slide15.xml><?xml version="1.0" encoding="utf-8"?>
+<p:sld xmlns:a="http://schemas.openxmlformats.org/drawingml/2006/main" xmlns:r="http://schemas.openxmlformats.org/officeDocument/2006/relationships" xmlns:p="http://schemas.openxmlformats.org/presentationml/2006/main">
+  <p:cSld>
+    <p:spTree>
+      <p:nvGrpSpPr>
+        <p:cNvPr id="1" name=""/>
+        <p:cNvGrpSpPr/>
+        <p:nvPr/>
+      </p:nvGrpSpPr>
+      <p:grpSpPr>
+        <a:xfrm>
+          <a:off x="0" y="0"/>
+          <a:ext cx="0" cy="0"/>
+          <a:chOff x="0" y="0"/>
+          <a:chExt cx="0" cy="0"/>
+        </a:xfrm>
+      </p:grpSpPr>
+      <p:sp>
+        <p:nvSpPr>
+          <p:cNvPr id="4" name="Subtitle 3"/>
+          <p:cNvSpPr>
+            <a:spLocks noGrp="1"/>
+          </p:cNvSpPr>
+          <p:nvPr>
+            <p:ph type="subTitle" idx="1"/>
+          </p:nvPr>
+        </p:nvSpPr>
+        <p:spPr/>
+        <p:txBody>
+          <a:bodyPr>
+            <a:normAutofit fontScale="77500" lnSpcReduction="20000"/>
+          </a:bodyPr>
+          <a:lstStyle/>
+          <a:p>
+            <a:r>
+              <a:rPr lang="en-US" dirty="0"/>
+              <a:t>A Computational Biology Framework</a:t>
+            </a:r>
+          </a:p>
+        </p:txBody>
+      </p:sp>
+      <p:sp>
+        <p:nvSpPr>
+          <p:cNvPr id="5" name="TextBox 4"/>
+          <p:cNvSpPr txBox="1"/>
+          <p:nvPr/>
+        </p:nvSpPr>
+        <p:spPr>
+          <a:xfrm>
+            <a:off x="273413" y="738012"/>
+            <a:ext cx="2566737" cy="1077218"/>
+          </a:xfrm>
+          <a:prstGeom prst="rect">
+            <a:avLst/>
+          </a:prstGeom>
+          <a:noFill/>
+        </p:spPr>
+        <p:txBody>
+          <a:bodyPr wrap="square" rtlCol="0">
+            <a:spAutoFit/>
+          </a:bodyPr>
+          <a:lstStyle/>
+          <a:p>
+            <a:r>
+              <a:rPr lang="en-US" sz="3200" dirty="0"/>
+              <a:t>Missing</a:t>
+            </a:r>
+          </a:p>
+          <a:p>
+            <a:r>
+              <a:rPr lang="en-US" sz="3200" dirty="0"/>
+              <a:t>values</a:t>
+            </a:r>
+          </a:p>
+        </p:txBody>
+      </p:sp>
+      <p:sp>
+        <p:nvSpPr>
+          <p:cNvPr id="3" name="Content Placeholder 2">
+            <a:extLst>
+              <a:ext uri="{FF2B5EF4-FFF2-40B4-BE49-F238E27FC236}">
+                <a16:creationId xmlns:a16="http://schemas.microsoft.com/office/drawing/2014/main" id="{7985DB17-0F1C-417F-BCC5-8AAE1C4E5997}"/>
+              </a:ext>
+            </a:extLst>
+          </p:cNvPr>
+          <p:cNvSpPr>
+            <a:spLocks noGrp="1"/>
+          </p:cNvSpPr>
+          <p:nvPr>
+            <p:ph sz="half" idx="2"/>
+          </p:nvPr>
+        </p:nvSpPr>
+        <p:spPr/>
+        <p:txBody>
+          <a:bodyPr>
+            <a:normAutofit/>
+          </a:bodyPr>
+          <a:lstStyle/>
+          <a:p>
+            <a:r>
+              <a:rPr lang="en-US" dirty="0"/>
+              <a:t>Classification quality</a:t>
+            </a:r>
+          </a:p>
+          <a:p>
+            <a:pPr lvl="1"/>
+            <a:r>
+              <a:rPr lang="en-US" dirty="0"/>
+              <a:t>3 classification datasets</a:t>
+            </a:r>
+          </a:p>
+          <a:p>
+            <a:pPr lvl="1"/>
+            <a:r>
+              <a:rPr lang="en-US" dirty="0"/>
+              <a:t>All methods</a:t>
+            </a:r>
+          </a:p>
+          <a:p>
+            <a:pPr lvl="2"/>
+            <a:r>
+              <a:rPr lang="en-US" dirty="0"/>
+              <a:t>List Deletion</a:t>
+            </a:r>
+          </a:p>
+          <a:p>
+            <a:pPr lvl="2"/>
+            <a:r>
+              <a:rPr lang="en-US" dirty="0"/>
+              <a:t>Single Imputation</a:t>
+            </a:r>
+          </a:p>
+          <a:p>
+            <a:pPr lvl="2"/>
+            <a:r>
+              <a:rPr lang="en-US" dirty="0"/>
+              <a:t>	Missing Indicator (mean and zeros)</a:t>
+            </a:r>
+          </a:p>
+          <a:p>
+            <a:pPr lvl="2"/>
+            <a:r>
+              <a:rPr lang="en-US" dirty="0"/>
+              <a:t>	</a:t>
+            </a:r>
+            <a:r>
+              <a:rPr lang="en-US" dirty="0" err="1"/>
+              <a:t>kNN</a:t>
+            </a:r>
+            <a:r>
+              <a:rPr lang="en-US" dirty="0"/>
+              <a:t> (k = 1 and k = 3)</a:t>
+            </a:r>
+          </a:p>
+          <a:p>
+            <a:pPr lvl="2"/>
+            <a:r>
+              <a:rPr lang="en-US" dirty="0"/>
+              <a:t>Multiple Imputation</a:t>
+            </a:r>
+          </a:p>
+          <a:p>
+            <a:pPr lvl="2"/>
+            <a:r>
+              <a:rPr lang="en-US" dirty="0"/>
+              <a:t>	MICE (s = 3 and s = 5, m = 3 and m = 5)</a:t>
+            </a:r>
+          </a:p>
+          <a:p>
+            <a:pPr lvl="1"/>
+            <a:r>
+              <a:rPr lang="en-US" dirty="0"/>
+              <a:t>Logistic regression</a:t>
+            </a:r>
+          </a:p>
+          <a:p>
+            <a:pPr lvl="1"/>
+            <a:r>
+              <a:rPr lang="en-US" dirty="0"/>
+              <a:t>Two times:</a:t>
+            </a:r>
+          </a:p>
+          <a:p>
+            <a:pPr lvl="2"/>
+            <a:r>
+              <a:rPr lang="en-US" dirty="0"/>
+              <a:t>All features</a:t>
+            </a:r>
+          </a:p>
+          <a:p>
+            <a:pPr lvl="2"/>
+            <a:r>
+              <a:rPr lang="en-US" dirty="0"/>
+              <a:t>Features with 15% missing removed</a:t>
+            </a:r>
+          </a:p>
+          <a:p>
+            <a:pPr lvl="1"/>
+            <a:endParaRPr lang="en-US" dirty="0"/>
+          </a:p>
+          <a:p>
+            <a:pPr lvl="2"/>
+            <a:endParaRPr lang="en-US" dirty="0"/>
+          </a:p>
+          <a:p>
+            <a:pPr lvl="1"/>
+            <a:endParaRPr lang="en-US" dirty="0"/>
+          </a:p>
+          <a:p>
+            <a:pPr lvl="2"/>
+            <a:endParaRPr lang="en-US" dirty="0"/>
+          </a:p>
+          <a:p>
+            <a:pPr lvl="2"/>
+            <a:endParaRPr lang="en-US" dirty="0"/>
+          </a:p>
+          <a:p>
+            <a:endParaRPr lang="en-NL" dirty="0"/>
+          </a:p>
+        </p:txBody>
+      </p:sp>
+      <p:pic>
+        <p:nvPicPr>
+          <p:cNvPr id="7" name="Picture 6">
+            <a:extLst>
+              <a:ext uri="{FF2B5EF4-FFF2-40B4-BE49-F238E27FC236}">
+                <a16:creationId xmlns:a16="http://schemas.microsoft.com/office/drawing/2014/main" id="{AAC337E2-57BF-4F83-A37E-21FBD25BF740}"/>
+              </a:ext>
+            </a:extLst>
+          </p:cNvPr>
+          <p:cNvPicPr>
+            <a:picLocks noChangeAspect="1"/>
+          </p:cNvPicPr>
+          <p:nvPr/>
+        </p:nvPicPr>
+        <p:blipFill>
+          <a:blip r:embed="rId2">
+            <a:extLst>
+              <a:ext uri="{28A0092B-C50C-407E-A947-70E740481C1C}">
+                <a14:useLocalDpi xmlns:a14="http://schemas.microsoft.com/office/drawing/2010/main" val="0"/>
+              </a:ext>
+            </a:extLst>
+          </a:blip>
+          <a:stretch>
+            <a:fillRect/>
+          </a:stretch>
+        </p:blipFill>
+        <p:spPr>
+          <a:xfrm>
+            <a:off x="1676060" y="0"/>
+            <a:ext cx="9439082" cy="6858000"/>
+          </a:xfrm>
+          <a:prstGeom prst="rect">
+            <a:avLst/>
+          </a:prstGeom>
+        </p:spPr>
+      </p:pic>
+    </p:spTree>
+    <p:extLst>
+      <p:ext uri="{BB962C8B-B14F-4D97-AF65-F5344CB8AC3E}">
+        <p14:creationId xmlns:p14="http://schemas.microsoft.com/office/powerpoint/2010/main" val="1916672304"/>
+      </p:ext>
+    </p:extLst>
+  </p:cSld>
+  <p:clrMapOvr>
+    <a:masterClrMapping/>
+  </p:clrMapOvr>
+</p:sld>
+</file>
+
+<file path=ppt/slides/slide16.xml><?xml version="1.0" encoding="utf-8"?>
+<p:sld xmlns:a="http://schemas.openxmlformats.org/drawingml/2006/main" xmlns:r="http://schemas.openxmlformats.org/officeDocument/2006/relationships" xmlns:p="http://schemas.openxmlformats.org/presentationml/2006/main">
+  <p:cSld>
+    <p:spTree>
+      <p:nvGrpSpPr>
+        <p:cNvPr id="1" name=""/>
+        <p:cNvGrpSpPr/>
+        <p:nvPr/>
+      </p:nvGrpSpPr>
+      <p:grpSpPr>
+        <a:xfrm>
+          <a:off x="0" y="0"/>
+          <a:ext cx="0" cy="0"/>
+          <a:chOff x="0" y="0"/>
+          <a:chExt cx="0" cy="0"/>
+        </a:xfrm>
+      </p:grpSpPr>
+      <p:sp>
+        <p:nvSpPr>
+          <p:cNvPr id="4" name="Subtitle 3"/>
+          <p:cNvSpPr>
+            <a:spLocks noGrp="1"/>
+          </p:cNvSpPr>
+          <p:nvPr>
+            <p:ph type="subTitle" idx="1"/>
+          </p:nvPr>
+        </p:nvSpPr>
+        <p:spPr/>
+        <p:txBody>
+          <a:bodyPr>
+            <a:normAutofit fontScale="77500" lnSpcReduction="20000"/>
+          </a:bodyPr>
+          <a:lstStyle/>
+          <a:p>
+            <a:r>
+              <a:rPr lang="en-US" dirty="0"/>
+              <a:t>A Computational Biology Framework</a:t>
+            </a:r>
+          </a:p>
+        </p:txBody>
+      </p:sp>
+      <p:sp>
+        <p:nvSpPr>
+          <p:cNvPr id="5" name="TextBox 4"/>
+          <p:cNvSpPr txBox="1"/>
+          <p:nvPr/>
+        </p:nvSpPr>
+        <p:spPr>
+          <a:xfrm>
+            <a:off x="273413" y="738012"/>
+            <a:ext cx="2566737" cy="1077218"/>
+          </a:xfrm>
+          <a:prstGeom prst="rect">
+            <a:avLst/>
+          </a:prstGeom>
+          <a:noFill/>
+        </p:spPr>
+        <p:txBody>
+          <a:bodyPr wrap="square" rtlCol="0">
+            <a:spAutoFit/>
+          </a:bodyPr>
+          <a:lstStyle/>
+          <a:p>
+            <a:r>
+              <a:rPr lang="en-US" sz="3200" dirty="0"/>
+              <a:t>Missing</a:t>
+            </a:r>
+          </a:p>
+          <a:p>
+            <a:r>
+              <a:rPr lang="en-US" sz="3200" dirty="0"/>
+              <a:t>values</a:t>
+            </a:r>
+          </a:p>
+        </p:txBody>
+      </p:sp>
+      <p:sp>
+        <p:nvSpPr>
+          <p:cNvPr id="3" name="Content Placeholder 2">
+            <a:extLst>
+              <a:ext uri="{FF2B5EF4-FFF2-40B4-BE49-F238E27FC236}">
+                <a16:creationId xmlns:a16="http://schemas.microsoft.com/office/drawing/2014/main" id="{7985DB17-0F1C-417F-BCC5-8AAE1C4E5997}"/>
+              </a:ext>
+            </a:extLst>
+          </p:cNvPr>
+          <p:cNvSpPr>
+            <a:spLocks noGrp="1"/>
+          </p:cNvSpPr>
+          <p:nvPr>
+            <p:ph sz="half" idx="2"/>
+          </p:nvPr>
+        </p:nvSpPr>
+        <p:spPr/>
+        <p:txBody>
+          <a:bodyPr>
+            <a:normAutofit/>
+          </a:bodyPr>
+          <a:lstStyle/>
+          <a:p>
+            <a:r>
+              <a:rPr lang="en-US" dirty="0"/>
+              <a:t>Classification quality</a:t>
+            </a:r>
+          </a:p>
+          <a:p>
+            <a:pPr lvl="1"/>
+            <a:r>
+              <a:rPr lang="en-US" dirty="0"/>
+              <a:t>3 classification datasets</a:t>
+            </a:r>
+          </a:p>
+          <a:p>
+            <a:pPr lvl="1"/>
+            <a:r>
+              <a:rPr lang="en-US" dirty="0"/>
+              <a:t>All methods</a:t>
+            </a:r>
+          </a:p>
+          <a:p>
+            <a:pPr lvl="2"/>
+            <a:r>
+              <a:rPr lang="en-US" dirty="0"/>
+              <a:t>List Deletion</a:t>
+            </a:r>
+          </a:p>
+          <a:p>
+            <a:pPr lvl="2"/>
+            <a:r>
+              <a:rPr lang="en-US" dirty="0"/>
+              <a:t>Single Imputation</a:t>
+            </a:r>
+          </a:p>
+          <a:p>
+            <a:pPr lvl="2"/>
+            <a:r>
+              <a:rPr lang="en-US" dirty="0"/>
+              <a:t>	Missing Indicator (mean and zeros)</a:t>
+            </a:r>
+          </a:p>
+          <a:p>
+            <a:pPr lvl="2"/>
+            <a:r>
+              <a:rPr lang="en-US" dirty="0"/>
+              <a:t>	</a:t>
+            </a:r>
+            <a:r>
+              <a:rPr lang="en-US" dirty="0" err="1"/>
+              <a:t>kNN</a:t>
+            </a:r>
+            <a:r>
+              <a:rPr lang="en-US" dirty="0"/>
+              <a:t> (k = 1 and k = 3)</a:t>
+            </a:r>
+          </a:p>
+          <a:p>
+            <a:pPr lvl="2"/>
+            <a:r>
+              <a:rPr lang="en-US" dirty="0"/>
+              <a:t>Multiple Imputation</a:t>
+            </a:r>
+          </a:p>
+          <a:p>
+            <a:pPr lvl="2"/>
+            <a:r>
+              <a:rPr lang="en-US" dirty="0"/>
+              <a:t>	MICE (s = 3 and s = 5, m = 3 and m = 5)</a:t>
+            </a:r>
+          </a:p>
+          <a:p>
+            <a:pPr lvl="1"/>
+            <a:r>
+              <a:rPr lang="en-US" dirty="0"/>
+              <a:t>Logistic regression</a:t>
+            </a:r>
+          </a:p>
+          <a:p>
+            <a:pPr lvl="1"/>
+            <a:r>
+              <a:rPr lang="en-US" dirty="0"/>
+              <a:t>Two times:</a:t>
+            </a:r>
+          </a:p>
+          <a:p>
+            <a:pPr lvl="2"/>
+            <a:r>
+              <a:rPr lang="en-US" dirty="0"/>
+              <a:t>All features</a:t>
+            </a:r>
+          </a:p>
+          <a:p>
+            <a:pPr lvl="2"/>
+            <a:r>
+              <a:rPr lang="en-US" dirty="0"/>
+              <a:t>Features with 15% missing removed</a:t>
+            </a:r>
+          </a:p>
+          <a:p>
+            <a:pPr lvl="1"/>
+            <a:endParaRPr lang="en-US" dirty="0"/>
+          </a:p>
+          <a:p>
+            <a:pPr lvl="2"/>
+            <a:endParaRPr lang="en-US" dirty="0"/>
+          </a:p>
+          <a:p>
+            <a:pPr lvl="1"/>
+            <a:endParaRPr lang="en-US" dirty="0"/>
+          </a:p>
+          <a:p>
+            <a:pPr lvl="2"/>
+            <a:endParaRPr lang="en-US" dirty="0"/>
+          </a:p>
+          <a:p>
+            <a:pPr lvl="2"/>
+            <a:endParaRPr lang="en-US" dirty="0"/>
+          </a:p>
+          <a:p>
+            <a:endParaRPr lang="en-NL" dirty="0"/>
+          </a:p>
+        </p:txBody>
+      </p:sp>
+    </p:spTree>
+    <p:extLst>
+      <p:ext uri="{BB962C8B-B14F-4D97-AF65-F5344CB8AC3E}">
+        <p14:creationId xmlns:p14="http://schemas.microsoft.com/office/powerpoint/2010/main" val="3801140453"/>
+      </p:ext>
+    </p:extLst>
+  </p:cSld>
+  <p:clrMapOvr>
+    <a:masterClrMapping/>
+  </p:clrMapOvr>
+  <p:timing>
+    <p:tnLst>
+      <p:par>
+        <p:cTn id="1" dur="indefinite" restart="never" nodeType="tmRoot">
+          <p:childTnLst>
+            <p:seq concurrent="1" nextAc="seek">
+              <p:cTn id="2" dur="indefinite" nodeType="mainSeq">
+                <p:childTnLst>
+                  <p:par>
+                    <p:cTn id="3" fill="hold">
+                      <p:stCondLst>
+                        <p:cond delay="indefinite"/>
+                      </p:stCondLst>
+                      <p:childTnLst>
+                        <p:par>
+                          <p:cTn id="4" fill="hold">
+                            <p:stCondLst>
+                              <p:cond delay="0"/>
+                            </p:stCondLst>
+                            <p:childTnLst>
+                              <p:par>
+                                <p:cTn id="5" presetID="1" presetClass="entr" presetSubtype="0" fill="hold" grpId="0" nodeType="clickEffect">
+                                  <p:stCondLst>
+                                    <p:cond delay="0"/>
+                                  </p:stCondLst>
+                                  <p:childTnLst>
+                                    <p:set>
+                                      <p:cBhvr>
+                                        <p:cTn id="6" dur="1" fill="hold">
+                                          <p:stCondLst>
+                                            <p:cond delay="0"/>
+                                          </p:stCondLst>
+                                        </p:cTn>
+                                        <p:tgtEl>
+                                          <p:spTgt spid="3">
+                                            <p:txEl>
+                                              <p:pRg st="0" end="0"/>
+                                            </p:txEl>
+                                          </p:spTgt>
+                                        </p:tgtEl>
+                                        <p:attrNameLst>
+                                          <p:attrName>style.visibility</p:attrName>
+                                        </p:attrNameLst>
+                                      </p:cBhvr>
+                                      <p:to>
+                                        <p:strVal val="visible"/>
+                                      </p:to>
+                                    </p:set>
+                                  </p:childTnLst>
+                                </p:cTn>
+                              </p:par>
+                              <p:par>
+                                <p:cTn id="7" presetID="1" presetClass="entr" presetSubtype="0" fill="hold" grpId="0" nodeType="withEffect">
+                                  <p:stCondLst>
+                                    <p:cond delay="0"/>
+                                  </p:stCondLst>
+                                  <p:childTnLst>
+                                    <p:set>
+                                      <p:cBhvr>
+                                        <p:cTn id="8" dur="1" fill="hold">
+                                          <p:stCondLst>
+                                            <p:cond delay="0"/>
+                                          </p:stCondLst>
+                                        </p:cTn>
+                                        <p:tgtEl>
+                                          <p:spTgt spid="3">
+                                            <p:txEl>
+                                              <p:pRg st="1" end="1"/>
+                                            </p:txEl>
+                                          </p:spTgt>
+                                        </p:tgtEl>
+                                        <p:attrNameLst>
+                                          <p:attrName>style.visibility</p:attrName>
+                                        </p:attrNameLst>
+                                      </p:cBhvr>
+                                      <p:to>
+                                        <p:strVal val="visible"/>
+                                      </p:to>
+                                    </p:set>
+                                  </p:childTnLst>
+                                </p:cTn>
+                              </p:par>
+                            </p:childTnLst>
+                          </p:cTn>
+                        </p:par>
+                      </p:childTnLst>
+                    </p:cTn>
+                  </p:par>
+                  <p:par>
+                    <p:cTn id="9" fill="hold">
+                      <p:stCondLst>
+                        <p:cond delay="indefinite"/>
+                      </p:stCondLst>
+                      <p:childTnLst>
+                        <p:par>
+                          <p:cTn id="10" fill="hold">
+                            <p:stCondLst>
+                              <p:cond delay="0"/>
+                            </p:stCondLst>
+                            <p:childTnLst>
+                              <p:par>
+                                <p:cTn id="11" presetID="1" presetClass="entr" presetSubtype="0" fill="hold" grpId="0" nodeType="clickEffect">
+                                  <p:stCondLst>
+                                    <p:cond delay="0"/>
+                                  </p:stCondLst>
+                                  <p:childTnLst>
+                                    <p:set>
+                                      <p:cBhvr>
+                                        <p:cTn id="12" dur="1" fill="hold">
+                                          <p:stCondLst>
+                                            <p:cond delay="0"/>
+                                          </p:stCondLst>
+                                        </p:cTn>
+                                        <p:tgtEl>
+                                          <p:spTgt spid="3">
+                                            <p:txEl>
+                                              <p:pRg st="2" end="2"/>
+                                            </p:txEl>
+                                          </p:spTgt>
+                                        </p:tgtEl>
+                                        <p:attrNameLst>
+                                          <p:attrName>style.visibility</p:attrName>
+                                        </p:attrNameLst>
+                                      </p:cBhvr>
+                                      <p:to>
+                                        <p:strVal val="visible"/>
+                                      </p:to>
+                                    </p:set>
+                                  </p:childTnLst>
+                                </p:cTn>
+                              </p:par>
+                              <p:par>
+                                <p:cTn id="13" presetID="1" presetClass="entr" presetSubtype="0" fill="hold" grpId="0" nodeType="withEffect">
+                                  <p:stCondLst>
+                                    <p:cond delay="0"/>
+                                  </p:stCondLst>
+                                  <p:childTnLst>
+                                    <p:set>
+                                      <p:cBhvr>
+                                        <p:cTn id="14" dur="1" fill="hold">
+                                          <p:stCondLst>
+                                            <p:cond delay="0"/>
+                                          </p:stCondLst>
+                                        </p:cTn>
+                                        <p:tgtEl>
+                                          <p:spTgt spid="3">
+                                            <p:txEl>
+                                              <p:pRg st="3" end="3"/>
+                                            </p:txEl>
+                                          </p:spTgt>
+                                        </p:tgtEl>
+                                        <p:attrNameLst>
+                                          <p:attrName>style.visibility</p:attrName>
+                                        </p:attrNameLst>
+                                      </p:cBhvr>
+                                      <p:to>
+                                        <p:strVal val="visible"/>
+                                      </p:to>
+                                    </p:set>
+                                  </p:childTnLst>
+                                </p:cTn>
+                              </p:par>
+                              <p:par>
+                                <p:cTn id="15" presetID="1" presetClass="entr" presetSubtype="0" fill="hold" grpId="0" nodeType="withEffect">
+                                  <p:stCondLst>
+                                    <p:cond delay="0"/>
+                                  </p:stCondLst>
+                                  <p:childTnLst>
+                                    <p:set>
+                                      <p:cBhvr>
+                                        <p:cTn id="16" dur="1" fill="hold">
+                                          <p:stCondLst>
+                                            <p:cond delay="0"/>
+                                          </p:stCondLst>
+                                        </p:cTn>
+                                        <p:tgtEl>
+                                          <p:spTgt spid="3">
+                                            <p:txEl>
+                                              <p:pRg st="4" end="4"/>
+                                            </p:txEl>
+                                          </p:spTgt>
+                                        </p:tgtEl>
+                                        <p:attrNameLst>
+                                          <p:attrName>style.visibility</p:attrName>
+                                        </p:attrNameLst>
+                                      </p:cBhvr>
+                                      <p:to>
+                                        <p:strVal val="visible"/>
+                                      </p:to>
+                                    </p:set>
+                                  </p:childTnLst>
+                                </p:cTn>
+                              </p:par>
+                              <p:par>
+                                <p:cTn id="17" presetID="1" presetClass="entr" presetSubtype="0" fill="hold" grpId="0" nodeType="withEffect">
+                                  <p:stCondLst>
+                                    <p:cond delay="0"/>
+                                  </p:stCondLst>
+                                  <p:childTnLst>
+                                    <p:set>
+                                      <p:cBhvr>
+                                        <p:cTn id="18" dur="1" fill="hold">
+                                          <p:stCondLst>
+                                            <p:cond delay="0"/>
+                                          </p:stCondLst>
+                                        </p:cTn>
+                                        <p:tgtEl>
+                                          <p:spTgt spid="3">
+                                            <p:txEl>
+                                              <p:pRg st="5" end="5"/>
+                                            </p:txEl>
+                                          </p:spTgt>
+                                        </p:tgtEl>
+                                        <p:attrNameLst>
+                                          <p:attrName>style.visibility</p:attrName>
+                                        </p:attrNameLst>
+                                      </p:cBhvr>
+                                      <p:to>
+                                        <p:strVal val="visible"/>
+                                      </p:to>
+                                    </p:set>
+                                  </p:childTnLst>
+                                </p:cTn>
+                              </p:par>
+                              <p:par>
+                                <p:cTn id="19" presetID="1" presetClass="entr" presetSubtype="0" fill="hold" grpId="0" nodeType="withEffect">
+                                  <p:stCondLst>
+                                    <p:cond delay="0"/>
+                                  </p:stCondLst>
+                                  <p:childTnLst>
+                                    <p:set>
+                                      <p:cBhvr>
+                                        <p:cTn id="20" dur="1" fill="hold">
+                                          <p:stCondLst>
+                                            <p:cond delay="0"/>
+                                          </p:stCondLst>
+                                        </p:cTn>
+                                        <p:tgtEl>
+                                          <p:spTgt spid="3">
+                                            <p:txEl>
+                                              <p:pRg st="6" end="6"/>
+                                            </p:txEl>
+                                          </p:spTgt>
+                                        </p:tgtEl>
+                                        <p:attrNameLst>
+                                          <p:attrName>style.visibility</p:attrName>
+                                        </p:attrNameLst>
+                                      </p:cBhvr>
+                                      <p:to>
+                                        <p:strVal val="visible"/>
+                                      </p:to>
+                                    </p:set>
+                                  </p:childTnLst>
+                                </p:cTn>
+                              </p:par>
+                              <p:par>
+                                <p:cTn id="21" presetID="1" presetClass="entr" presetSubtype="0" fill="hold" grpId="0" nodeType="withEffect">
+                                  <p:stCondLst>
+                                    <p:cond delay="0"/>
+                                  </p:stCondLst>
+                                  <p:childTnLst>
+                                    <p:set>
+                                      <p:cBhvr>
+                                        <p:cTn id="22" dur="1" fill="hold">
+                                          <p:stCondLst>
+                                            <p:cond delay="0"/>
+                                          </p:stCondLst>
+                                        </p:cTn>
+                                        <p:tgtEl>
+                                          <p:spTgt spid="3">
+                                            <p:txEl>
+                                              <p:pRg st="7" end="7"/>
+                                            </p:txEl>
+                                          </p:spTgt>
+                                        </p:tgtEl>
+                                        <p:attrNameLst>
+                                          <p:attrName>style.visibility</p:attrName>
+                                        </p:attrNameLst>
+                                      </p:cBhvr>
+                                      <p:to>
+                                        <p:strVal val="visible"/>
+                                      </p:to>
+                                    </p:set>
+                                  </p:childTnLst>
+                                </p:cTn>
+                              </p:par>
+                              <p:par>
+                                <p:cTn id="23" presetID="1" presetClass="entr" presetSubtype="0" fill="hold" grpId="0" nodeType="withEffect">
+                                  <p:stCondLst>
+                                    <p:cond delay="0"/>
+                                  </p:stCondLst>
+                                  <p:childTnLst>
+                                    <p:set>
+                                      <p:cBhvr>
+                                        <p:cTn id="24" dur="1" fill="hold">
+                                          <p:stCondLst>
+                                            <p:cond delay="0"/>
+                                          </p:stCondLst>
+                                        </p:cTn>
+                                        <p:tgtEl>
+                                          <p:spTgt spid="3">
+                                            <p:txEl>
+                                              <p:pRg st="8" end="8"/>
+                                            </p:txEl>
+                                          </p:spTgt>
+                                        </p:tgtEl>
+                                        <p:attrNameLst>
+                                          <p:attrName>style.visibility</p:attrName>
+                                        </p:attrNameLst>
+                                      </p:cBhvr>
+                                      <p:to>
+                                        <p:strVal val="visible"/>
+                                      </p:to>
+                                    </p:set>
+                                  </p:childTnLst>
+                                </p:cTn>
+                              </p:par>
+                            </p:childTnLst>
+                          </p:cTn>
+                        </p:par>
+                      </p:childTnLst>
+                    </p:cTn>
+                  </p:par>
+                  <p:par>
+                    <p:cTn id="25" fill="hold">
+                      <p:stCondLst>
+                        <p:cond delay="indefinite"/>
+                      </p:stCondLst>
+                      <p:childTnLst>
+                        <p:par>
+                          <p:cTn id="26" fill="hold">
+                            <p:stCondLst>
+                              <p:cond delay="0"/>
+                            </p:stCondLst>
+                            <p:childTnLst>
+                              <p:par>
+                                <p:cTn id="27" presetID="1" presetClass="entr" presetSubtype="0" fill="hold" grpId="0" nodeType="clickEffect">
+                                  <p:stCondLst>
+                                    <p:cond delay="0"/>
+                                  </p:stCondLst>
+                                  <p:childTnLst>
+                                    <p:set>
+                                      <p:cBhvr>
+                                        <p:cTn id="28" dur="1" fill="hold">
+                                          <p:stCondLst>
+                                            <p:cond delay="0"/>
+                                          </p:stCondLst>
+                                        </p:cTn>
+                                        <p:tgtEl>
+                                          <p:spTgt spid="3">
+                                            <p:txEl>
+                                              <p:pRg st="9" end="9"/>
+                                            </p:txEl>
+                                          </p:spTgt>
+                                        </p:tgtEl>
+                                        <p:attrNameLst>
+                                          <p:attrName>style.visibility</p:attrName>
+                                        </p:attrNameLst>
+                                      </p:cBhvr>
+                                      <p:to>
+                                        <p:strVal val="visible"/>
+                                      </p:to>
+                                    </p:set>
+                                  </p:childTnLst>
+                                </p:cTn>
+                              </p:par>
+                            </p:childTnLst>
+                          </p:cTn>
+                        </p:par>
+                      </p:childTnLst>
+                    </p:cTn>
+                  </p:par>
+                  <p:par>
+                    <p:cTn id="29" fill="hold">
+                      <p:stCondLst>
+                        <p:cond delay="indefinite"/>
+                      </p:stCondLst>
+                      <p:childTnLst>
+                        <p:par>
+                          <p:cTn id="30" fill="hold">
+                            <p:stCondLst>
+                              <p:cond delay="0"/>
+                            </p:stCondLst>
+                            <p:childTnLst>
+                              <p:par>
+                                <p:cTn id="31" presetID="1" presetClass="entr" presetSubtype="0" fill="hold" grpId="0" nodeType="clickEffect">
+                                  <p:stCondLst>
+                                    <p:cond delay="0"/>
+                                  </p:stCondLst>
+                                  <p:childTnLst>
+                                    <p:set>
+                                      <p:cBhvr>
+                                        <p:cTn id="32" dur="1" fill="hold">
+                                          <p:stCondLst>
+                                            <p:cond delay="0"/>
+                                          </p:stCondLst>
+                                        </p:cTn>
+                                        <p:tgtEl>
+                                          <p:spTgt spid="3">
+                                            <p:txEl>
+                                              <p:pRg st="10" end="10"/>
+                                            </p:txEl>
+                                          </p:spTgt>
+                                        </p:tgtEl>
+                                        <p:attrNameLst>
+                                          <p:attrName>style.visibility</p:attrName>
+                                        </p:attrNameLst>
+                                      </p:cBhvr>
+                                      <p:to>
+                                        <p:strVal val="visible"/>
+                                      </p:to>
+                                    </p:set>
+                                  </p:childTnLst>
+                                </p:cTn>
+                              </p:par>
+                              <p:par>
+                                <p:cTn id="33" presetID="1" presetClass="entr" presetSubtype="0" fill="hold" grpId="0" nodeType="withEffect">
+                                  <p:stCondLst>
+                                    <p:cond delay="0"/>
+                                  </p:stCondLst>
+                                  <p:childTnLst>
+                                    <p:set>
+                                      <p:cBhvr>
+                                        <p:cTn id="34" dur="1" fill="hold">
+                                          <p:stCondLst>
+                                            <p:cond delay="0"/>
+                                          </p:stCondLst>
+                                        </p:cTn>
+                                        <p:tgtEl>
+                                          <p:spTgt spid="3">
+                                            <p:txEl>
+                                              <p:pRg st="11" end="11"/>
+                                            </p:txEl>
+                                          </p:spTgt>
+                                        </p:tgtEl>
+                                        <p:attrNameLst>
+                                          <p:attrName>style.visibility</p:attrName>
+                                        </p:attrNameLst>
+                                      </p:cBhvr>
+                                      <p:to>
+                                        <p:strVal val="visible"/>
+                                      </p:to>
+                                    </p:set>
+                                  </p:childTnLst>
+                                </p:cTn>
+                              </p:par>
+                              <p:par>
+                                <p:cTn id="35" presetID="1" presetClass="entr" presetSubtype="0" fill="hold" grpId="0" nodeType="withEffect">
+                                  <p:stCondLst>
+                                    <p:cond delay="0"/>
+                                  </p:stCondLst>
+                                  <p:childTnLst>
+                                    <p:set>
+                                      <p:cBhvr>
+                                        <p:cTn id="36" dur="1" fill="hold">
+                                          <p:stCondLst>
+                                            <p:cond delay="0"/>
+                                          </p:stCondLst>
+                                        </p:cTn>
+                                        <p:tgtEl>
+                                          <p:spTgt spid="3">
+                                            <p:txEl>
+                                              <p:pRg st="12" end="12"/>
+                                            </p:txEl>
+                                          </p:spTgt>
+                                        </p:tgtEl>
+                                        <p:attrNameLst>
+                                          <p:attrName>style.visibility</p:attrName>
+                                        </p:attrNameLst>
+                                      </p:cBhvr>
+                                      <p:to>
+                                        <p:strVal val="visible"/>
+                                      </p:to>
+                                    </p:set>
+                                  </p:childTnLst>
+                                </p:cTn>
+                              </p:par>
+                            </p:childTnLst>
+                          </p:cTn>
+                        </p:par>
+                      </p:childTnLst>
+                    </p:cTn>
+                  </p:par>
+                </p:childTnLst>
+              </p:cTn>
+              <p:prevCondLst>
+                <p:cond evt="onPrev" delay="0">
+                  <p:tgtEl>
+                    <p:sldTgt/>
+                  </p:tgtEl>
+                </p:cond>
+              </p:prevCondLst>
+              <p:nextCondLst>
+                <p:cond evt="onNext" delay="0">
+                  <p:tgtEl>
+                    <p:sldTgt/>
+                  </p:tgtEl>
+                </p:cond>
+              </p:nextCondLst>
+            </p:seq>
+          </p:childTnLst>
+        </p:cTn>
+      </p:par>
+    </p:tnLst>
+    <p:bldLst>
+      <p:bldP spid="3" grpId="0" uiExpand="1" build="p"/>
+    </p:bldLst>
+  </p:timing>
+</p:sld>
+</file>
+
+<file path=ppt/slides/slide17.xml><?xml version="1.0" encoding="utf-8"?>
+<p:sld xmlns:a="http://schemas.openxmlformats.org/drawingml/2006/main" xmlns:r="http://schemas.openxmlformats.org/officeDocument/2006/relationships" xmlns:p="http://schemas.openxmlformats.org/presentationml/2006/main">
+  <p:cSld>
+    <p:spTree>
+      <p:nvGrpSpPr>
+        <p:cNvPr id="1" name=""/>
+        <p:cNvGrpSpPr/>
+        <p:nvPr/>
+      </p:nvGrpSpPr>
+      <p:grpSpPr>
+        <a:xfrm>
+          <a:off x="0" y="0"/>
+          <a:ext cx="0" cy="0"/>
+          <a:chOff x="0" y="0"/>
+          <a:chExt cx="0" cy="0"/>
+        </a:xfrm>
+      </p:grpSpPr>
+      <p:sp>
+        <p:nvSpPr>
+          <p:cNvPr id="4" name="Subtitle 3"/>
+          <p:cNvSpPr>
+            <a:spLocks noGrp="1"/>
+          </p:cNvSpPr>
+          <p:nvPr>
+            <p:ph type="subTitle" idx="1"/>
+          </p:nvPr>
+        </p:nvSpPr>
+        <p:spPr/>
+        <p:txBody>
+          <a:bodyPr>
+            <a:normAutofit fontScale="77500" lnSpcReduction="20000"/>
+          </a:bodyPr>
+          <a:lstStyle/>
+          <a:p>
+            <a:r>
+              <a:rPr lang="en-US" dirty="0"/>
+              <a:t>A Computational Biology Framework</a:t>
+            </a:r>
+          </a:p>
+        </p:txBody>
+      </p:sp>
+      <p:sp>
+        <p:nvSpPr>
+          <p:cNvPr id="5" name="TextBox 4"/>
+          <p:cNvSpPr txBox="1"/>
+          <p:nvPr/>
+        </p:nvSpPr>
+        <p:spPr>
+          <a:xfrm>
+            <a:off x="273413" y="738012"/>
+            <a:ext cx="2566737" cy="1077218"/>
+          </a:xfrm>
+          <a:prstGeom prst="rect">
+            <a:avLst/>
+          </a:prstGeom>
+          <a:noFill/>
+        </p:spPr>
+        <p:txBody>
+          <a:bodyPr wrap="square" rtlCol="0">
+            <a:spAutoFit/>
+          </a:bodyPr>
+          <a:lstStyle/>
+          <a:p>
+            <a:r>
+              <a:rPr lang="en-US" sz="3200" dirty="0"/>
+              <a:t>Missing</a:t>
+            </a:r>
+          </a:p>
+          <a:p>
+            <a:r>
+              <a:rPr lang="en-US" sz="3200" dirty="0"/>
+              <a:t>values</a:t>
+            </a:r>
+          </a:p>
+        </p:txBody>
+      </p:sp>
+      <p:sp>
+        <p:nvSpPr>
+          <p:cNvPr id="3" name="Content Placeholder 2">
+            <a:extLst>
+              <a:ext uri="{FF2B5EF4-FFF2-40B4-BE49-F238E27FC236}">
+                <a16:creationId xmlns:a16="http://schemas.microsoft.com/office/drawing/2014/main" id="{7985DB17-0F1C-417F-BCC5-8AAE1C4E5997}"/>
+              </a:ext>
+            </a:extLst>
+          </p:cNvPr>
+          <p:cNvSpPr>
+            <a:spLocks noGrp="1"/>
+          </p:cNvSpPr>
+          <p:nvPr>
+            <p:ph sz="half" idx="2"/>
+          </p:nvPr>
+        </p:nvSpPr>
+        <p:spPr/>
+        <p:txBody>
+          <a:bodyPr>
+            <a:normAutofit/>
+          </a:bodyPr>
+          <a:lstStyle/>
+          <a:p>
+            <a:r>
+              <a:rPr lang="en-US" dirty="0"/>
+              <a:t>Classification quality</a:t>
+            </a:r>
+          </a:p>
+          <a:p>
+            <a:pPr lvl="1"/>
+            <a:endParaRPr lang="en-US" dirty="0"/>
+          </a:p>
+          <a:p>
+            <a:pPr lvl="2"/>
+            <a:endParaRPr lang="en-US" dirty="0"/>
+          </a:p>
+          <a:p>
+            <a:pPr lvl="2"/>
+            <a:endParaRPr lang="en-US" dirty="0"/>
+          </a:p>
+          <a:p>
+            <a:endParaRPr lang="en-NL" dirty="0"/>
+          </a:p>
+        </p:txBody>
+      </p:sp>
+      <p:pic>
+        <p:nvPicPr>
+          <p:cNvPr id="6" name="Picture 5">
+            <a:extLst>
+              <a:ext uri="{FF2B5EF4-FFF2-40B4-BE49-F238E27FC236}">
+                <a16:creationId xmlns:a16="http://schemas.microsoft.com/office/drawing/2014/main" id="{CE38F02C-B269-4A2E-8AF6-39701092C499}"/>
+              </a:ext>
+            </a:extLst>
+          </p:cNvPr>
+          <p:cNvPicPr>
+            <a:picLocks noChangeAspect="1"/>
+          </p:cNvPicPr>
+          <p:nvPr/>
+        </p:nvPicPr>
+        <p:blipFill>
+          <a:blip r:embed="rId2">
+            <a:extLst>
+              <a:ext uri="{28A0092B-C50C-407E-A947-70E740481C1C}">
+                <a14:useLocalDpi xmlns:a14="http://schemas.microsoft.com/office/drawing/2010/main" val="0"/>
+              </a:ext>
+            </a:extLst>
+          </a:blip>
+          <a:stretch>
+            <a:fillRect/>
+          </a:stretch>
+        </p:blipFill>
+        <p:spPr>
+          <a:xfrm>
+            <a:off x="0" y="1184413"/>
+            <a:ext cx="12192000" cy="5753100"/>
+          </a:xfrm>
+          <a:prstGeom prst="rect">
+            <a:avLst/>
+          </a:prstGeom>
+        </p:spPr>
+      </p:pic>
+    </p:spTree>
+    <p:extLst>
+      <p:ext uri="{BB962C8B-B14F-4D97-AF65-F5344CB8AC3E}">
+        <p14:creationId xmlns:p14="http://schemas.microsoft.com/office/powerpoint/2010/main" val="2402359871"/>
+      </p:ext>
+    </p:extLst>
+  </p:cSld>
+  <p:clrMapOvr>
+    <a:masterClrMapping/>
+  </p:clrMapOvr>
+</p:sld>
+</file>
+
+<file path=ppt/slides/slide18.xml><?xml version="1.0" encoding="utf-8"?>
+<p:sld xmlns:a="http://schemas.openxmlformats.org/drawingml/2006/main" xmlns:r="http://schemas.openxmlformats.org/officeDocument/2006/relationships" xmlns:p="http://schemas.openxmlformats.org/presentationml/2006/main">
+  <p:cSld>
+    <p:spTree>
+      <p:nvGrpSpPr>
+        <p:cNvPr id="1" name=""/>
+        <p:cNvGrpSpPr/>
+        <p:nvPr/>
+      </p:nvGrpSpPr>
+      <p:grpSpPr>
+        <a:xfrm>
+          <a:off x="0" y="0"/>
+          <a:ext cx="0" cy="0"/>
+          <a:chOff x="0" y="0"/>
+          <a:chExt cx="0" cy="0"/>
+        </a:xfrm>
+      </p:grpSpPr>
+      <p:sp>
+        <p:nvSpPr>
+          <p:cNvPr id="4" name="Subtitle 3"/>
+          <p:cNvSpPr>
+            <a:spLocks noGrp="1"/>
+          </p:cNvSpPr>
+          <p:nvPr>
+            <p:ph type="subTitle" idx="1"/>
+          </p:nvPr>
+        </p:nvSpPr>
+        <p:spPr/>
+        <p:txBody>
+          <a:bodyPr>
+            <a:normAutofit fontScale="77500" lnSpcReduction="20000"/>
+          </a:bodyPr>
+          <a:lstStyle/>
+          <a:p>
+            <a:r>
+              <a:rPr lang="en-US" dirty="0"/>
+              <a:t>A Computational Biology Framework</a:t>
+            </a:r>
+          </a:p>
+        </p:txBody>
+      </p:sp>
+      <p:sp>
+        <p:nvSpPr>
+          <p:cNvPr id="5" name="TextBox 4"/>
+          <p:cNvSpPr txBox="1"/>
+          <p:nvPr/>
+        </p:nvSpPr>
+        <p:spPr>
+          <a:xfrm>
+            <a:off x="273413" y="738012"/>
+            <a:ext cx="2566737" cy="1077218"/>
+          </a:xfrm>
+          <a:prstGeom prst="rect">
+            <a:avLst/>
+          </a:prstGeom>
+          <a:noFill/>
+        </p:spPr>
+        <p:txBody>
+          <a:bodyPr wrap="square" rtlCol="0">
+            <a:spAutoFit/>
+          </a:bodyPr>
+          <a:lstStyle/>
+          <a:p>
+            <a:r>
+              <a:rPr lang="en-US" sz="3200" dirty="0"/>
+              <a:t>Missing</a:t>
+            </a:r>
+          </a:p>
+          <a:p>
+            <a:r>
+              <a:rPr lang="en-US" sz="3200" dirty="0"/>
+              <a:t>values</a:t>
+            </a:r>
+          </a:p>
+        </p:txBody>
+      </p:sp>
+      <p:sp>
+        <p:nvSpPr>
+          <p:cNvPr id="3" name="Content Placeholder 2">
+            <a:extLst>
+              <a:ext uri="{FF2B5EF4-FFF2-40B4-BE49-F238E27FC236}">
+                <a16:creationId xmlns:a16="http://schemas.microsoft.com/office/drawing/2014/main" id="{7985DB17-0F1C-417F-BCC5-8AAE1C4E5997}"/>
+              </a:ext>
+            </a:extLst>
+          </p:cNvPr>
+          <p:cNvSpPr>
+            <a:spLocks noGrp="1"/>
+          </p:cNvSpPr>
+          <p:nvPr>
+            <p:ph sz="half" idx="2"/>
+          </p:nvPr>
+        </p:nvSpPr>
+        <p:spPr/>
+        <p:txBody>
+          <a:bodyPr>
+            <a:normAutofit/>
+          </a:bodyPr>
+          <a:lstStyle/>
+          <a:p>
+            <a:r>
+              <a:rPr lang="en-US" dirty="0"/>
+              <a:t>Classification quality (&gt; 15% missing removed)</a:t>
+            </a:r>
+          </a:p>
+          <a:p>
+            <a:pPr lvl="1"/>
+            <a:endParaRPr lang="en-US" dirty="0"/>
+          </a:p>
+          <a:p>
+            <a:pPr lvl="2"/>
+            <a:endParaRPr lang="en-US" dirty="0"/>
+          </a:p>
+          <a:p>
+            <a:pPr lvl="2"/>
+            <a:endParaRPr lang="en-US" dirty="0"/>
+          </a:p>
+          <a:p>
+            <a:endParaRPr lang="en-NL" dirty="0"/>
+          </a:p>
+        </p:txBody>
+      </p:sp>
+      <p:pic>
+        <p:nvPicPr>
+          <p:cNvPr id="7" name="Picture 6">
+            <a:extLst>
+              <a:ext uri="{FF2B5EF4-FFF2-40B4-BE49-F238E27FC236}">
+                <a16:creationId xmlns:a16="http://schemas.microsoft.com/office/drawing/2014/main" id="{BB35DD30-9E9B-4E99-929E-5CA2E81F0F4B}"/>
+              </a:ext>
+            </a:extLst>
+          </p:cNvPr>
+          <p:cNvPicPr>
+            <a:picLocks noChangeAspect="1"/>
+          </p:cNvPicPr>
+          <p:nvPr/>
+        </p:nvPicPr>
+        <p:blipFill>
+          <a:blip r:embed="rId2">
+            <a:extLst>
+              <a:ext uri="{28A0092B-C50C-407E-A947-70E740481C1C}">
+                <a14:useLocalDpi xmlns:a14="http://schemas.microsoft.com/office/drawing/2010/main" val="0"/>
+              </a:ext>
+            </a:extLst>
+          </a:blip>
+          <a:stretch>
+            <a:fillRect/>
+          </a:stretch>
+        </p:blipFill>
+        <p:spPr>
+          <a:xfrm>
+            <a:off x="-71562" y="1257909"/>
+            <a:ext cx="12192000" cy="5753100"/>
+          </a:xfrm>
+          <a:prstGeom prst="rect">
+            <a:avLst/>
+          </a:prstGeom>
+        </p:spPr>
+      </p:pic>
+    </p:spTree>
+    <p:extLst>
+      <p:ext uri="{BB962C8B-B14F-4D97-AF65-F5344CB8AC3E}">
+        <p14:creationId xmlns:p14="http://schemas.microsoft.com/office/powerpoint/2010/main" val="2287586347"/>
+      </p:ext>
+    </p:extLst>
+  </p:cSld>
+  <p:clrMapOvr>
+    <a:masterClrMapping/>
+  </p:clrMapOvr>
+</p:sld>
+</file>
+
+<file path=ppt/slides/slide19.xml><?xml version="1.0" encoding="utf-8"?>
+<p:sld xmlns:a="http://schemas.openxmlformats.org/drawingml/2006/main" xmlns:r="http://schemas.openxmlformats.org/officeDocument/2006/relationships" xmlns:p="http://schemas.openxmlformats.org/presentationml/2006/main">
+  <p:cSld>
+    <p:spTree>
+      <p:nvGrpSpPr>
+        <p:cNvPr id="1" name=""/>
+        <p:cNvGrpSpPr/>
+        <p:nvPr/>
+      </p:nvGrpSpPr>
+      <p:grpSpPr>
+        <a:xfrm>
+          <a:off x="0" y="0"/>
+          <a:ext cx="0" cy="0"/>
+          <a:chOff x="0" y="0"/>
+          <a:chExt cx="0" cy="0"/>
+        </a:xfrm>
+      </p:grpSpPr>
+      <p:sp>
+        <p:nvSpPr>
+          <p:cNvPr id="4" name="Title 3">
+            <a:extLst>
+              <a:ext uri="{FF2B5EF4-FFF2-40B4-BE49-F238E27FC236}">
+                <a16:creationId xmlns:a16="http://schemas.microsoft.com/office/drawing/2014/main" id="{A530731B-FBE2-49DE-BB94-A600EBCE5E14}"/>
+              </a:ext>
+            </a:extLst>
+          </p:cNvPr>
+          <p:cNvSpPr>
+            <a:spLocks noGrp="1"/>
+          </p:cNvSpPr>
+          <p:nvPr>
+            <p:ph type="ctrTitle"/>
+          </p:nvPr>
+        </p:nvSpPr>
+        <p:spPr/>
+        <p:txBody>
+          <a:bodyPr/>
+          <a:lstStyle/>
+          <a:p>
+            <a:r>
+              <a:rPr lang="en-US" dirty="0"/>
+              <a:t>Framework proposal</a:t>
+            </a:r>
+            <a:endParaRPr lang="en-NL" dirty="0"/>
+          </a:p>
+        </p:txBody>
+      </p:sp>
+      <p:sp>
+        <p:nvSpPr>
+          <p:cNvPr id="5" name="Subtitle 4">
+            <a:extLst>
+              <a:ext uri="{FF2B5EF4-FFF2-40B4-BE49-F238E27FC236}">
+                <a16:creationId xmlns:a16="http://schemas.microsoft.com/office/drawing/2014/main" id="{3A1C9E2F-EE2E-48B9-A766-7FE1DD6E2DC7}"/>
+              </a:ext>
+            </a:extLst>
+          </p:cNvPr>
+          <p:cNvSpPr>
+            <a:spLocks noGrp="1"/>
+          </p:cNvSpPr>
+          <p:nvPr>
+            <p:ph type="subTitle" idx="1"/>
+          </p:nvPr>
+        </p:nvSpPr>
+        <p:spPr/>
+        <p:txBody>
+          <a:bodyPr/>
+          <a:lstStyle/>
+          <a:p>
+            <a:r>
+              <a:rPr lang="en-US" dirty="0"/>
+              <a:t>Manual + GUI</a:t>
+            </a:r>
+            <a:endParaRPr lang="en-NL" dirty="0"/>
+          </a:p>
+        </p:txBody>
+      </p:sp>
+    </p:spTree>
+    <p:extLst>
+      <p:ext uri="{BB962C8B-B14F-4D97-AF65-F5344CB8AC3E}">
+        <p14:creationId xmlns:p14="http://schemas.microsoft.com/office/powerpoint/2010/main" val="1111207485"/>
       </p:ext>
     </p:extLst>
   </p:cSld>
@@ -2733,13 +6774,20 @@
           <a:p>
             <a:r>
               <a:rPr lang="en-US" dirty="0"/>
-              <a:t>Quality enhancement</a:t>
+              <a:t>Missing Values</a:t>
             </a:r>
           </a:p>
           <a:p>
             <a:pPr lvl="1"/>
             <a:r>
               <a:rPr lang="en-US" dirty="0"/>
+              <a:t>Theory</a:t>
+            </a:r>
+          </a:p>
+          <a:p>
+            <a:pPr lvl="1"/>
+            <a:r>
+              <a:rPr lang="en-US" dirty="0"/>
               <a:t>Feature distributions</a:t>
             </a:r>
           </a:p>
@@ -2760,7 +6808,7 @@
             <a:pPr lvl="1"/>
             <a:r>
               <a:rPr lang="en-US" dirty="0"/>
-              <a:t>Update</a:t>
+              <a:t>Textual design</a:t>
             </a:r>
           </a:p>
           <a:p>
@@ -2799,6 +6847,1840 @@
   <p:clrMapOvr>
     <a:masterClrMapping/>
   </p:clrMapOvr>
+  <p:timing>
+    <p:tnLst>
+      <p:par>
+        <p:cTn id="1" dur="indefinite" restart="never" nodeType="tmRoot">
+          <p:childTnLst>
+            <p:seq concurrent="1" nextAc="seek">
+              <p:cTn id="2" dur="indefinite" nodeType="mainSeq">
+                <p:childTnLst>
+                  <p:par>
+                    <p:cTn id="3" fill="hold">
+                      <p:stCondLst>
+                        <p:cond delay="indefinite"/>
+                      </p:stCondLst>
+                      <p:childTnLst>
+                        <p:par>
+                          <p:cTn id="4" fill="hold">
+                            <p:stCondLst>
+                              <p:cond delay="0"/>
+                            </p:stCondLst>
+                            <p:childTnLst>
+                              <p:par>
+                                <p:cTn id="5" presetID="1" presetClass="entr" presetSubtype="0" fill="hold" grpId="0" nodeType="clickEffect">
+                                  <p:stCondLst>
+                                    <p:cond delay="0"/>
+                                  </p:stCondLst>
+                                  <p:childTnLst>
+                                    <p:set>
+                                      <p:cBhvr>
+                                        <p:cTn id="6" dur="1" fill="hold">
+                                          <p:stCondLst>
+                                            <p:cond delay="0"/>
+                                          </p:stCondLst>
+                                        </p:cTn>
+                                        <p:tgtEl>
+                                          <p:spTgt spid="3">
+                                            <p:txEl>
+                                              <p:pRg st="0" end="0"/>
+                                            </p:txEl>
+                                          </p:spTgt>
+                                        </p:tgtEl>
+                                        <p:attrNameLst>
+                                          <p:attrName>style.visibility</p:attrName>
+                                        </p:attrNameLst>
+                                      </p:cBhvr>
+                                      <p:to>
+                                        <p:strVal val="visible"/>
+                                      </p:to>
+                                    </p:set>
+                                  </p:childTnLst>
+                                </p:cTn>
+                              </p:par>
+                              <p:par>
+                                <p:cTn id="7" presetID="1" presetClass="entr" presetSubtype="0" fill="hold" grpId="0" nodeType="withEffect">
+                                  <p:stCondLst>
+                                    <p:cond delay="0"/>
+                                  </p:stCondLst>
+                                  <p:childTnLst>
+                                    <p:set>
+                                      <p:cBhvr>
+                                        <p:cTn id="8" dur="1" fill="hold">
+                                          <p:stCondLst>
+                                            <p:cond delay="0"/>
+                                          </p:stCondLst>
+                                        </p:cTn>
+                                        <p:tgtEl>
+                                          <p:spTgt spid="3">
+                                            <p:txEl>
+                                              <p:pRg st="1" end="1"/>
+                                            </p:txEl>
+                                          </p:spTgt>
+                                        </p:tgtEl>
+                                        <p:attrNameLst>
+                                          <p:attrName>style.visibility</p:attrName>
+                                        </p:attrNameLst>
+                                      </p:cBhvr>
+                                      <p:to>
+                                        <p:strVal val="visible"/>
+                                      </p:to>
+                                    </p:set>
+                                  </p:childTnLst>
+                                </p:cTn>
+                              </p:par>
+                              <p:par>
+                                <p:cTn id="9" presetID="1" presetClass="entr" presetSubtype="0" fill="hold" grpId="0" nodeType="withEffect">
+                                  <p:stCondLst>
+                                    <p:cond delay="0"/>
+                                  </p:stCondLst>
+                                  <p:childTnLst>
+                                    <p:set>
+                                      <p:cBhvr>
+                                        <p:cTn id="10" dur="1" fill="hold">
+                                          <p:stCondLst>
+                                            <p:cond delay="0"/>
+                                          </p:stCondLst>
+                                        </p:cTn>
+                                        <p:tgtEl>
+                                          <p:spTgt spid="3">
+                                            <p:txEl>
+                                              <p:pRg st="2" end="2"/>
+                                            </p:txEl>
+                                          </p:spTgt>
+                                        </p:tgtEl>
+                                        <p:attrNameLst>
+                                          <p:attrName>style.visibility</p:attrName>
+                                        </p:attrNameLst>
+                                      </p:cBhvr>
+                                      <p:to>
+                                        <p:strVal val="visible"/>
+                                      </p:to>
+                                    </p:set>
+                                  </p:childTnLst>
+                                </p:cTn>
+                              </p:par>
+                              <p:par>
+                                <p:cTn id="11" presetID="1" presetClass="entr" presetSubtype="0" fill="hold" grpId="0" nodeType="withEffect">
+                                  <p:stCondLst>
+                                    <p:cond delay="0"/>
+                                  </p:stCondLst>
+                                  <p:childTnLst>
+                                    <p:set>
+                                      <p:cBhvr>
+                                        <p:cTn id="12" dur="1" fill="hold">
+                                          <p:stCondLst>
+                                            <p:cond delay="0"/>
+                                          </p:stCondLst>
+                                        </p:cTn>
+                                        <p:tgtEl>
+                                          <p:spTgt spid="3">
+                                            <p:txEl>
+                                              <p:pRg st="3" end="3"/>
+                                            </p:txEl>
+                                          </p:spTgt>
+                                        </p:tgtEl>
+                                        <p:attrNameLst>
+                                          <p:attrName>style.visibility</p:attrName>
+                                        </p:attrNameLst>
+                                      </p:cBhvr>
+                                      <p:to>
+                                        <p:strVal val="visible"/>
+                                      </p:to>
+                                    </p:set>
+                                  </p:childTnLst>
+                                </p:cTn>
+                              </p:par>
+                              <p:par>
+                                <p:cTn id="13" presetID="1" presetClass="entr" presetSubtype="0" fill="hold" grpId="0" nodeType="withEffect">
+                                  <p:stCondLst>
+                                    <p:cond delay="0"/>
+                                  </p:stCondLst>
+                                  <p:childTnLst>
+                                    <p:set>
+                                      <p:cBhvr>
+                                        <p:cTn id="14" dur="1" fill="hold">
+                                          <p:stCondLst>
+                                            <p:cond delay="0"/>
+                                          </p:stCondLst>
+                                        </p:cTn>
+                                        <p:tgtEl>
+                                          <p:spTgt spid="3">
+                                            <p:txEl>
+                                              <p:pRg st="4" end="4"/>
+                                            </p:txEl>
+                                          </p:spTgt>
+                                        </p:tgtEl>
+                                        <p:attrNameLst>
+                                          <p:attrName>style.visibility</p:attrName>
+                                        </p:attrNameLst>
+                                      </p:cBhvr>
+                                      <p:to>
+                                        <p:strVal val="visible"/>
+                                      </p:to>
+                                    </p:set>
+                                  </p:childTnLst>
+                                </p:cTn>
+                              </p:par>
+                              <p:par>
+                                <p:cTn id="15" presetID="1" presetClass="entr" presetSubtype="0" fill="hold" grpId="0" nodeType="withEffect">
+                                  <p:stCondLst>
+                                    <p:cond delay="0"/>
+                                  </p:stCondLst>
+                                  <p:childTnLst>
+                                    <p:set>
+                                      <p:cBhvr>
+                                        <p:cTn id="16" dur="1" fill="hold">
+                                          <p:stCondLst>
+                                            <p:cond delay="0"/>
+                                          </p:stCondLst>
+                                        </p:cTn>
+                                        <p:tgtEl>
+                                          <p:spTgt spid="3">
+                                            <p:txEl>
+                                              <p:pRg st="5" end="5"/>
+                                            </p:txEl>
+                                          </p:spTgt>
+                                        </p:tgtEl>
+                                        <p:attrNameLst>
+                                          <p:attrName>style.visibility</p:attrName>
+                                        </p:attrNameLst>
+                                      </p:cBhvr>
+                                      <p:to>
+                                        <p:strVal val="visible"/>
+                                      </p:to>
+                                    </p:set>
+                                  </p:childTnLst>
+                                </p:cTn>
+                              </p:par>
+                            </p:childTnLst>
+                          </p:cTn>
+                        </p:par>
+                      </p:childTnLst>
+                    </p:cTn>
+                  </p:par>
+                  <p:par>
+                    <p:cTn id="17" fill="hold">
+                      <p:stCondLst>
+                        <p:cond delay="indefinite"/>
+                      </p:stCondLst>
+                      <p:childTnLst>
+                        <p:par>
+                          <p:cTn id="18" fill="hold">
+                            <p:stCondLst>
+                              <p:cond delay="0"/>
+                            </p:stCondLst>
+                            <p:childTnLst>
+                              <p:par>
+                                <p:cTn id="19" presetID="1" presetClass="entr" presetSubtype="0" fill="hold" grpId="0" nodeType="clickEffect">
+                                  <p:stCondLst>
+                                    <p:cond delay="0"/>
+                                  </p:stCondLst>
+                                  <p:childTnLst>
+                                    <p:set>
+                                      <p:cBhvr>
+                                        <p:cTn id="20" dur="1" fill="hold">
+                                          <p:stCondLst>
+                                            <p:cond delay="0"/>
+                                          </p:stCondLst>
+                                        </p:cTn>
+                                        <p:tgtEl>
+                                          <p:spTgt spid="3">
+                                            <p:txEl>
+                                              <p:pRg st="6" end="6"/>
+                                            </p:txEl>
+                                          </p:spTgt>
+                                        </p:tgtEl>
+                                        <p:attrNameLst>
+                                          <p:attrName>style.visibility</p:attrName>
+                                        </p:attrNameLst>
+                                      </p:cBhvr>
+                                      <p:to>
+                                        <p:strVal val="visible"/>
+                                      </p:to>
+                                    </p:set>
+                                  </p:childTnLst>
+                                </p:cTn>
+                              </p:par>
+                              <p:par>
+                                <p:cTn id="21" presetID="1" presetClass="entr" presetSubtype="0" fill="hold" grpId="0" nodeType="withEffect">
+                                  <p:stCondLst>
+                                    <p:cond delay="0"/>
+                                  </p:stCondLst>
+                                  <p:childTnLst>
+                                    <p:set>
+                                      <p:cBhvr>
+                                        <p:cTn id="22" dur="1" fill="hold">
+                                          <p:stCondLst>
+                                            <p:cond delay="0"/>
+                                          </p:stCondLst>
+                                        </p:cTn>
+                                        <p:tgtEl>
+                                          <p:spTgt spid="3">
+                                            <p:txEl>
+                                              <p:pRg st="7" end="7"/>
+                                            </p:txEl>
+                                          </p:spTgt>
+                                        </p:tgtEl>
+                                        <p:attrNameLst>
+                                          <p:attrName>style.visibility</p:attrName>
+                                        </p:attrNameLst>
+                                      </p:cBhvr>
+                                      <p:to>
+                                        <p:strVal val="visible"/>
+                                      </p:to>
+                                    </p:set>
+                                  </p:childTnLst>
+                                </p:cTn>
+                              </p:par>
+                              <p:par>
+                                <p:cTn id="23" presetID="1" presetClass="entr" presetSubtype="0" fill="hold" grpId="0" nodeType="withEffect">
+                                  <p:stCondLst>
+                                    <p:cond delay="0"/>
+                                  </p:stCondLst>
+                                  <p:childTnLst>
+                                    <p:set>
+                                      <p:cBhvr>
+                                        <p:cTn id="24" dur="1" fill="hold">
+                                          <p:stCondLst>
+                                            <p:cond delay="0"/>
+                                          </p:stCondLst>
+                                        </p:cTn>
+                                        <p:tgtEl>
+                                          <p:spTgt spid="3">
+                                            <p:txEl>
+                                              <p:pRg st="8" end="8"/>
+                                            </p:txEl>
+                                          </p:spTgt>
+                                        </p:tgtEl>
+                                        <p:attrNameLst>
+                                          <p:attrName>style.visibility</p:attrName>
+                                        </p:attrNameLst>
+                                      </p:cBhvr>
+                                      <p:to>
+                                        <p:strVal val="visible"/>
+                                      </p:to>
+                                    </p:set>
+                                  </p:childTnLst>
+                                </p:cTn>
+                              </p:par>
+                              <p:par>
+                                <p:cTn id="25" presetID="1" presetClass="entr" presetSubtype="0" fill="hold" grpId="0" nodeType="withEffect">
+                                  <p:stCondLst>
+                                    <p:cond delay="0"/>
+                                  </p:stCondLst>
+                                  <p:childTnLst>
+                                    <p:set>
+                                      <p:cBhvr>
+                                        <p:cTn id="26" dur="1" fill="hold">
+                                          <p:stCondLst>
+                                            <p:cond delay="0"/>
+                                          </p:stCondLst>
+                                        </p:cTn>
+                                        <p:tgtEl>
+                                          <p:spTgt spid="3">
+                                            <p:txEl>
+                                              <p:pRg st="9" end="9"/>
+                                            </p:txEl>
+                                          </p:spTgt>
+                                        </p:tgtEl>
+                                        <p:attrNameLst>
+                                          <p:attrName>style.visibility</p:attrName>
+                                        </p:attrNameLst>
+                                      </p:cBhvr>
+                                      <p:to>
+                                        <p:strVal val="visible"/>
+                                      </p:to>
+                                    </p:set>
+                                  </p:childTnLst>
+                                </p:cTn>
+                              </p:par>
+                            </p:childTnLst>
+                          </p:cTn>
+                        </p:par>
+                      </p:childTnLst>
+                    </p:cTn>
+                  </p:par>
+                  <p:par>
+                    <p:cTn id="27" fill="hold">
+                      <p:stCondLst>
+                        <p:cond delay="indefinite"/>
+                      </p:stCondLst>
+                      <p:childTnLst>
+                        <p:par>
+                          <p:cTn id="28" fill="hold">
+                            <p:stCondLst>
+                              <p:cond delay="0"/>
+                            </p:stCondLst>
+                            <p:childTnLst>
+                              <p:par>
+                                <p:cTn id="29" presetID="1" presetClass="entr" presetSubtype="0" fill="hold" grpId="0" nodeType="clickEffect">
+                                  <p:stCondLst>
+                                    <p:cond delay="0"/>
+                                  </p:stCondLst>
+                                  <p:childTnLst>
+                                    <p:set>
+                                      <p:cBhvr>
+                                        <p:cTn id="30" dur="1" fill="hold">
+                                          <p:stCondLst>
+                                            <p:cond delay="0"/>
+                                          </p:stCondLst>
+                                        </p:cTn>
+                                        <p:tgtEl>
+                                          <p:spTgt spid="3">
+                                            <p:txEl>
+                                              <p:pRg st="10" end="10"/>
+                                            </p:txEl>
+                                          </p:spTgt>
+                                        </p:tgtEl>
+                                        <p:attrNameLst>
+                                          <p:attrName>style.visibility</p:attrName>
+                                        </p:attrNameLst>
+                                      </p:cBhvr>
+                                      <p:to>
+                                        <p:strVal val="visible"/>
+                                      </p:to>
+                                    </p:set>
+                                  </p:childTnLst>
+                                </p:cTn>
+                              </p:par>
+                              <p:par>
+                                <p:cTn id="31" presetID="1" presetClass="entr" presetSubtype="0" fill="hold" grpId="0" nodeType="withEffect">
+                                  <p:stCondLst>
+                                    <p:cond delay="0"/>
+                                  </p:stCondLst>
+                                  <p:childTnLst>
+                                    <p:set>
+                                      <p:cBhvr>
+                                        <p:cTn id="32" dur="1" fill="hold">
+                                          <p:stCondLst>
+                                            <p:cond delay="0"/>
+                                          </p:stCondLst>
+                                        </p:cTn>
+                                        <p:tgtEl>
+                                          <p:spTgt spid="3">
+                                            <p:txEl>
+                                              <p:pRg st="11" end="11"/>
+                                            </p:txEl>
+                                          </p:spTgt>
+                                        </p:tgtEl>
+                                        <p:attrNameLst>
+                                          <p:attrName>style.visibility</p:attrName>
+                                        </p:attrNameLst>
+                                      </p:cBhvr>
+                                      <p:to>
+                                        <p:strVal val="visible"/>
+                                      </p:to>
+                                    </p:set>
+                                  </p:childTnLst>
+                                </p:cTn>
+                              </p:par>
+                            </p:childTnLst>
+                          </p:cTn>
+                        </p:par>
+                      </p:childTnLst>
+                    </p:cTn>
+                  </p:par>
+                  <p:par>
+                    <p:cTn id="33" fill="hold">
+                      <p:stCondLst>
+                        <p:cond delay="indefinite"/>
+                      </p:stCondLst>
+                      <p:childTnLst>
+                        <p:par>
+                          <p:cTn id="34" fill="hold">
+                            <p:stCondLst>
+                              <p:cond delay="0"/>
+                            </p:stCondLst>
+                            <p:childTnLst>
+                              <p:par>
+                                <p:cTn id="35" presetID="1" presetClass="entr" presetSubtype="0" fill="hold" grpId="0" nodeType="clickEffect">
+                                  <p:stCondLst>
+                                    <p:cond delay="0"/>
+                                  </p:stCondLst>
+                                  <p:childTnLst>
+                                    <p:set>
+                                      <p:cBhvr>
+                                        <p:cTn id="36" dur="1" fill="hold">
+                                          <p:stCondLst>
+                                            <p:cond delay="0"/>
+                                          </p:stCondLst>
+                                        </p:cTn>
+                                        <p:tgtEl>
+                                          <p:spTgt spid="3">
+                                            <p:txEl>
+                                              <p:pRg st="12" end="12"/>
+                                            </p:txEl>
+                                          </p:spTgt>
+                                        </p:tgtEl>
+                                        <p:attrNameLst>
+                                          <p:attrName>style.visibility</p:attrName>
+                                        </p:attrNameLst>
+                                      </p:cBhvr>
+                                      <p:to>
+                                        <p:strVal val="visible"/>
+                                      </p:to>
+                                    </p:set>
+                                  </p:childTnLst>
+                                </p:cTn>
+                              </p:par>
+                              <p:par>
+                                <p:cTn id="37" presetID="1" presetClass="entr" presetSubtype="0" fill="hold" grpId="0" nodeType="withEffect">
+                                  <p:stCondLst>
+                                    <p:cond delay="0"/>
+                                  </p:stCondLst>
+                                  <p:childTnLst>
+                                    <p:set>
+                                      <p:cBhvr>
+                                        <p:cTn id="38" dur="1" fill="hold">
+                                          <p:stCondLst>
+                                            <p:cond delay="0"/>
+                                          </p:stCondLst>
+                                        </p:cTn>
+                                        <p:tgtEl>
+                                          <p:spTgt spid="3">
+                                            <p:txEl>
+                                              <p:pRg st="13" end="13"/>
+                                            </p:txEl>
+                                          </p:spTgt>
+                                        </p:tgtEl>
+                                        <p:attrNameLst>
+                                          <p:attrName>style.visibility</p:attrName>
+                                        </p:attrNameLst>
+                                      </p:cBhvr>
+                                      <p:to>
+                                        <p:strVal val="visible"/>
+                                      </p:to>
+                                    </p:set>
+                                  </p:childTnLst>
+                                </p:cTn>
+                              </p:par>
+                            </p:childTnLst>
+                          </p:cTn>
+                        </p:par>
+                      </p:childTnLst>
+                    </p:cTn>
+                  </p:par>
+                </p:childTnLst>
+              </p:cTn>
+              <p:prevCondLst>
+                <p:cond evt="onPrev" delay="0">
+                  <p:tgtEl>
+                    <p:sldTgt/>
+                  </p:tgtEl>
+                </p:cond>
+              </p:prevCondLst>
+              <p:nextCondLst>
+                <p:cond evt="onNext" delay="0">
+                  <p:tgtEl>
+                    <p:sldTgt/>
+                  </p:tgtEl>
+                </p:cond>
+              </p:nextCondLst>
+            </p:seq>
+          </p:childTnLst>
+        </p:cTn>
+      </p:par>
+    </p:tnLst>
+    <p:bldLst>
+      <p:bldP spid="3" grpId="0" build="p"/>
+    </p:bldLst>
+  </p:timing>
+</p:sld>
+</file>
+
+<file path=ppt/slides/slide20.xml><?xml version="1.0" encoding="utf-8"?>
+<p:sld xmlns:a="http://schemas.openxmlformats.org/drawingml/2006/main" xmlns:r="http://schemas.openxmlformats.org/officeDocument/2006/relationships" xmlns:p="http://schemas.openxmlformats.org/presentationml/2006/main">
+  <p:cSld>
+    <p:spTree>
+      <p:nvGrpSpPr>
+        <p:cNvPr id="1" name=""/>
+        <p:cNvGrpSpPr/>
+        <p:nvPr/>
+      </p:nvGrpSpPr>
+      <p:grpSpPr>
+        <a:xfrm>
+          <a:off x="0" y="0"/>
+          <a:ext cx="0" cy="0"/>
+          <a:chOff x="0" y="0"/>
+          <a:chExt cx="0" cy="0"/>
+        </a:xfrm>
+      </p:grpSpPr>
+      <p:sp>
+        <p:nvSpPr>
+          <p:cNvPr id="2" name="Content Placeholder 1"/>
+          <p:cNvSpPr>
+            <a:spLocks noGrp="1"/>
+          </p:cNvSpPr>
+          <p:nvPr>
+            <p:ph sz="half" idx="2"/>
+          </p:nvPr>
+        </p:nvSpPr>
+        <p:spPr/>
+        <p:txBody>
+          <a:bodyPr>
+            <a:normAutofit/>
+          </a:bodyPr>
+          <a:lstStyle/>
+          <a:p>
+            <a:r>
+              <a:rPr lang="en-US" dirty="0"/>
+              <a:t>Final framework proposal</a:t>
+            </a:r>
+          </a:p>
+          <a:p>
+            <a:pPr lvl="1"/>
+            <a:r>
+              <a:rPr lang="en-US" dirty="0"/>
+              <a:t>User Manual</a:t>
+            </a:r>
+          </a:p>
+          <a:p>
+            <a:pPr lvl="1"/>
+            <a:r>
+              <a:rPr lang="en-US" dirty="0"/>
+              <a:t>GUI</a:t>
+            </a:r>
+          </a:p>
+          <a:p>
+            <a:r>
+              <a:rPr lang="en-US" dirty="0"/>
+              <a:t>Implementation current work</a:t>
+            </a:r>
+          </a:p>
+          <a:p>
+            <a:pPr lvl="1"/>
+            <a:r>
+              <a:rPr lang="en-US" dirty="0"/>
+              <a:t>Feature selection</a:t>
+            </a:r>
+          </a:p>
+          <a:p>
+            <a:pPr lvl="1"/>
+            <a:r>
+              <a:rPr lang="en-US" dirty="0"/>
+              <a:t>Missing value handling</a:t>
+            </a:r>
+          </a:p>
+          <a:p>
+            <a:pPr lvl="1"/>
+            <a:r>
+              <a:rPr lang="en-US" dirty="0"/>
+              <a:t>Outlier detection</a:t>
+            </a:r>
+          </a:p>
+          <a:p>
+            <a:pPr lvl="1"/>
+            <a:r>
+              <a:rPr lang="en-US" dirty="0"/>
+              <a:t>Global exploration</a:t>
+            </a:r>
+          </a:p>
+          <a:p>
+            <a:pPr lvl="1"/>
+            <a:r>
+              <a:rPr lang="en-US" dirty="0"/>
+              <a:t>Meta-learning with TPOT</a:t>
+            </a:r>
+          </a:p>
+          <a:p>
+            <a:r>
+              <a:rPr lang="en-US" dirty="0"/>
+              <a:t>Helps project starters</a:t>
+            </a:r>
+          </a:p>
+          <a:p>
+            <a:pPr lvl="1"/>
+            <a:r>
+              <a:rPr lang="en-US" dirty="0"/>
+              <a:t>Initial understanding dataset</a:t>
+            </a:r>
+          </a:p>
+          <a:p>
+            <a:pPr lvl="1"/>
+            <a:r>
+              <a:rPr lang="en-US" dirty="0"/>
+              <a:t>Preprocess explanation and execution</a:t>
+            </a:r>
+          </a:p>
+          <a:p>
+            <a:pPr lvl="1"/>
+            <a:r>
+              <a:rPr lang="en-US" dirty="0"/>
+              <a:t>Some initial results</a:t>
+            </a:r>
+          </a:p>
+          <a:p>
+            <a:endParaRPr lang="en-US" b="1" dirty="0"/>
+          </a:p>
+          <a:p>
+            <a:pPr lvl="1"/>
+            <a:endParaRPr lang="en-US" dirty="0"/>
+          </a:p>
+          <a:p>
+            <a:endParaRPr lang="en-US" dirty="0"/>
+          </a:p>
+        </p:txBody>
+      </p:sp>
+      <p:sp>
+        <p:nvSpPr>
+          <p:cNvPr id="4" name="Subtitle 3"/>
+          <p:cNvSpPr>
+            <a:spLocks noGrp="1"/>
+          </p:cNvSpPr>
+          <p:nvPr>
+            <p:ph type="subTitle" idx="1"/>
+          </p:nvPr>
+        </p:nvSpPr>
+        <p:spPr/>
+        <p:txBody>
+          <a:bodyPr>
+            <a:normAutofit fontScale="77500" lnSpcReduction="20000"/>
+          </a:bodyPr>
+          <a:lstStyle/>
+          <a:p>
+            <a:r>
+              <a:rPr lang="en-US" dirty="0"/>
+              <a:t>A Computational Biology Framework</a:t>
+            </a:r>
+          </a:p>
+        </p:txBody>
+      </p:sp>
+      <p:sp>
+        <p:nvSpPr>
+          <p:cNvPr id="5" name="TextBox 4"/>
+          <p:cNvSpPr txBox="1"/>
+          <p:nvPr/>
+        </p:nvSpPr>
+        <p:spPr>
+          <a:xfrm>
+            <a:off x="128164" y="669934"/>
+            <a:ext cx="2593636" cy="1077218"/>
+          </a:xfrm>
+          <a:prstGeom prst="rect">
+            <a:avLst/>
+          </a:prstGeom>
+          <a:noFill/>
+        </p:spPr>
+        <p:txBody>
+          <a:bodyPr wrap="square" rtlCol="0">
+            <a:spAutoFit/>
+          </a:bodyPr>
+          <a:lstStyle/>
+          <a:p>
+            <a:r>
+              <a:rPr lang="en-US" sz="3200" dirty="0"/>
+              <a:t>Framework</a:t>
+            </a:r>
+          </a:p>
+          <a:p>
+            <a:r>
+              <a:rPr lang="en-US" sz="3200" dirty="0"/>
+              <a:t>proposal</a:t>
+            </a:r>
+          </a:p>
+        </p:txBody>
+      </p:sp>
+    </p:spTree>
+    <p:extLst>
+      <p:ext uri="{BB962C8B-B14F-4D97-AF65-F5344CB8AC3E}">
+        <p14:creationId xmlns:p14="http://schemas.microsoft.com/office/powerpoint/2010/main" val="2187412524"/>
+      </p:ext>
+    </p:extLst>
+  </p:cSld>
+  <p:clrMapOvr>
+    <a:masterClrMapping/>
+  </p:clrMapOvr>
+  <p:timing>
+    <p:tnLst>
+      <p:par>
+        <p:cTn id="1" dur="indefinite" restart="never" nodeType="tmRoot">
+          <p:childTnLst>
+            <p:seq concurrent="1" nextAc="seek">
+              <p:cTn id="2" dur="indefinite" nodeType="mainSeq">
+                <p:childTnLst>
+                  <p:par>
+                    <p:cTn id="3" fill="hold">
+                      <p:stCondLst>
+                        <p:cond delay="indefinite"/>
+                      </p:stCondLst>
+                      <p:childTnLst>
+                        <p:par>
+                          <p:cTn id="4" fill="hold">
+                            <p:stCondLst>
+                              <p:cond delay="0"/>
+                            </p:stCondLst>
+                            <p:childTnLst>
+                              <p:par>
+                                <p:cTn id="5" presetID="1" presetClass="entr" presetSubtype="0" fill="hold" grpId="0" nodeType="clickEffect">
+                                  <p:stCondLst>
+                                    <p:cond delay="0"/>
+                                  </p:stCondLst>
+                                  <p:childTnLst>
+                                    <p:set>
+                                      <p:cBhvr>
+                                        <p:cTn id="6" dur="1" fill="hold">
+                                          <p:stCondLst>
+                                            <p:cond delay="0"/>
+                                          </p:stCondLst>
+                                        </p:cTn>
+                                        <p:tgtEl>
+                                          <p:spTgt spid="2">
+                                            <p:txEl>
+                                              <p:pRg st="0" end="0"/>
+                                            </p:txEl>
+                                          </p:spTgt>
+                                        </p:tgtEl>
+                                        <p:attrNameLst>
+                                          <p:attrName>style.visibility</p:attrName>
+                                        </p:attrNameLst>
+                                      </p:cBhvr>
+                                      <p:to>
+                                        <p:strVal val="visible"/>
+                                      </p:to>
+                                    </p:set>
+                                  </p:childTnLst>
+                                </p:cTn>
+                              </p:par>
+                              <p:par>
+                                <p:cTn id="7" presetID="1" presetClass="entr" presetSubtype="0" fill="hold" grpId="0" nodeType="withEffect">
+                                  <p:stCondLst>
+                                    <p:cond delay="0"/>
+                                  </p:stCondLst>
+                                  <p:childTnLst>
+                                    <p:set>
+                                      <p:cBhvr>
+                                        <p:cTn id="8" dur="1" fill="hold">
+                                          <p:stCondLst>
+                                            <p:cond delay="0"/>
+                                          </p:stCondLst>
+                                        </p:cTn>
+                                        <p:tgtEl>
+                                          <p:spTgt spid="2">
+                                            <p:txEl>
+                                              <p:pRg st="1" end="1"/>
+                                            </p:txEl>
+                                          </p:spTgt>
+                                        </p:tgtEl>
+                                        <p:attrNameLst>
+                                          <p:attrName>style.visibility</p:attrName>
+                                        </p:attrNameLst>
+                                      </p:cBhvr>
+                                      <p:to>
+                                        <p:strVal val="visible"/>
+                                      </p:to>
+                                    </p:set>
+                                  </p:childTnLst>
+                                </p:cTn>
+                              </p:par>
+                              <p:par>
+                                <p:cTn id="9" presetID="1" presetClass="entr" presetSubtype="0" fill="hold" grpId="0" nodeType="withEffect">
+                                  <p:stCondLst>
+                                    <p:cond delay="0"/>
+                                  </p:stCondLst>
+                                  <p:childTnLst>
+                                    <p:set>
+                                      <p:cBhvr>
+                                        <p:cTn id="10" dur="1" fill="hold">
+                                          <p:stCondLst>
+                                            <p:cond delay="0"/>
+                                          </p:stCondLst>
+                                        </p:cTn>
+                                        <p:tgtEl>
+                                          <p:spTgt spid="2">
+                                            <p:txEl>
+                                              <p:pRg st="2" end="2"/>
+                                            </p:txEl>
+                                          </p:spTgt>
+                                        </p:tgtEl>
+                                        <p:attrNameLst>
+                                          <p:attrName>style.visibility</p:attrName>
+                                        </p:attrNameLst>
+                                      </p:cBhvr>
+                                      <p:to>
+                                        <p:strVal val="visible"/>
+                                      </p:to>
+                                    </p:set>
+                                  </p:childTnLst>
+                                </p:cTn>
+                              </p:par>
+                            </p:childTnLst>
+                          </p:cTn>
+                        </p:par>
+                      </p:childTnLst>
+                    </p:cTn>
+                  </p:par>
+                  <p:par>
+                    <p:cTn id="11" fill="hold">
+                      <p:stCondLst>
+                        <p:cond delay="indefinite"/>
+                      </p:stCondLst>
+                      <p:childTnLst>
+                        <p:par>
+                          <p:cTn id="12" fill="hold">
+                            <p:stCondLst>
+                              <p:cond delay="0"/>
+                            </p:stCondLst>
+                            <p:childTnLst>
+                              <p:par>
+                                <p:cTn id="13" presetID="1" presetClass="entr" presetSubtype="0" fill="hold" grpId="0" nodeType="clickEffect">
+                                  <p:stCondLst>
+                                    <p:cond delay="0"/>
+                                  </p:stCondLst>
+                                  <p:childTnLst>
+                                    <p:set>
+                                      <p:cBhvr>
+                                        <p:cTn id="14" dur="1" fill="hold">
+                                          <p:stCondLst>
+                                            <p:cond delay="0"/>
+                                          </p:stCondLst>
+                                        </p:cTn>
+                                        <p:tgtEl>
+                                          <p:spTgt spid="2">
+                                            <p:txEl>
+                                              <p:pRg st="3" end="3"/>
+                                            </p:txEl>
+                                          </p:spTgt>
+                                        </p:tgtEl>
+                                        <p:attrNameLst>
+                                          <p:attrName>style.visibility</p:attrName>
+                                        </p:attrNameLst>
+                                      </p:cBhvr>
+                                      <p:to>
+                                        <p:strVal val="visible"/>
+                                      </p:to>
+                                    </p:set>
+                                  </p:childTnLst>
+                                </p:cTn>
+                              </p:par>
+                              <p:par>
+                                <p:cTn id="15" presetID="1" presetClass="entr" presetSubtype="0" fill="hold" grpId="0" nodeType="withEffect">
+                                  <p:stCondLst>
+                                    <p:cond delay="0"/>
+                                  </p:stCondLst>
+                                  <p:childTnLst>
+                                    <p:set>
+                                      <p:cBhvr>
+                                        <p:cTn id="16" dur="1" fill="hold">
+                                          <p:stCondLst>
+                                            <p:cond delay="0"/>
+                                          </p:stCondLst>
+                                        </p:cTn>
+                                        <p:tgtEl>
+                                          <p:spTgt spid="2">
+                                            <p:txEl>
+                                              <p:pRg st="4" end="4"/>
+                                            </p:txEl>
+                                          </p:spTgt>
+                                        </p:tgtEl>
+                                        <p:attrNameLst>
+                                          <p:attrName>style.visibility</p:attrName>
+                                        </p:attrNameLst>
+                                      </p:cBhvr>
+                                      <p:to>
+                                        <p:strVal val="visible"/>
+                                      </p:to>
+                                    </p:set>
+                                  </p:childTnLst>
+                                </p:cTn>
+                              </p:par>
+                              <p:par>
+                                <p:cTn id="17" presetID="1" presetClass="entr" presetSubtype="0" fill="hold" grpId="0" nodeType="withEffect">
+                                  <p:stCondLst>
+                                    <p:cond delay="0"/>
+                                  </p:stCondLst>
+                                  <p:childTnLst>
+                                    <p:set>
+                                      <p:cBhvr>
+                                        <p:cTn id="18" dur="1" fill="hold">
+                                          <p:stCondLst>
+                                            <p:cond delay="0"/>
+                                          </p:stCondLst>
+                                        </p:cTn>
+                                        <p:tgtEl>
+                                          <p:spTgt spid="2">
+                                            <p:txEl>
+                                              <p:pRg st="5" end="5"/>
+                                            </p:txEl>
+                                          </p:spTgt>
+                                        </p:tgtEl>
+                                        <p:attrNameLst>
+                                          <p:attrName>style.visibility</p:attrName>
+                                        </p:attrNameLst>
+                                      </p:cBhvr>
+                                      <p:to>
+                                        <p:strVal val="visible"/>
+                                      </p:to>
+                                    </p:set>
+                                  </p:childTnLst>
+                                </p:cTn>
+                              </p:par>
+                              <p:par>
+                                <p:cTn id="19" presetID="1" presetClass="entr" presetSubtype="0" fill="hold" grpId="0" nodeType="withEffect">
+                                  <p:stCondLst>
+                                    <p:cond delay="0"/>
+                                  </p:stCondLst>
+                                  <p:childTnLst>
+                                    <p:set>
+                                      <p:cBhvr>
+                                        <p:cTn id="20" dur="1" fill="hold">
+                                          <p:stCondLst>
+                                            <p:cond delay="0"/>
+                                          </p:stCondLst>
+                                        </p:cTn>
+                                        <p:tgtEl>
+                                          <p:spTgt spid="2">
+                                            <p:txEl>
+                                              <p:pRg st="6" end="6"/>
+                                            </p:txEl>
+                                          </p:spTgt>
+                                        </p:tgtEl>
+                                        <p:attrNameLst>
+                                          <p:attrName>style.visibility</p:attrName>
+                                        </p:attrNameLst>
+                                      </p:cBhvr>
+                                      <p:to>
+                                        <p:strVal val="visible"/>
+                                      </p:to>
+                                    </p:set>
+                                  </p:childTnLst>
+                                </p:cTn>
+                              </p:par>
+                              <p:par>
+                                <p:cTn id="21" presetID="1" presetClass="entr" presetSubtype="0" fill="hold" grpId="0" nodeType="withEffect">
+                                  <p:stCondLst>
+                                    <p:cond delay="0"/>
+                                  </p:stCondLst>
+                                  <p:childTnLst>
+                                    <p:set>
+                                      <p:cBhvr>
+                                        <p:cTn id="22" dur="1" fill="hold">
+                                          <p:stCondLst>
+                                            <p:cond delay="0"/>
+                                          </p:stCondLst>
+                                        </p:cTn>
+                                        <p:tgtEl>
+                                          <p:spTgt spid="2">
+                                            <p:txEl>
+                                              <p:pRg st="7" end="7"/>
+                                            </p:txEl>
+                                          </p:spTgt>
+                                        </p:tgtEl>
+                                        <p:attrNameLst>
+                                          <p:attrName>style.visibility</p:attrName>
+                                        </p:attrNameLst>
+                                      </p:cBhvr>
+                                      <p:to>
+                                        <p:strVal val="visible"/>
+                                      </p:to>
+                                    </p:set>
+                                  </p:childTnLst>
+                                </p:cTn>
+                              </p:par>
+                              <p:par>
+                                <p:cTn id="23" presetID="1" presetClass="entr" presetSubtype="0" fill="hold" grpId="0" nodeType="withEffect">
+                                  <p:stCondLst>
+                                    <p:cond delay="0"/>
+                                  </p:stCondLst>
+                                  <p:childTnLst>
+                                    <p:set>
+                                      <p:cBhvr>
+                                        <p:cTn id="24" dur="1" fill="hold">
+                                          <p:stCondLst>
+                                            <p:cond delay="0"/>
+                                          </p:stCondLst>
+                                        </p:cTn>
+                                        <p:tgtEl>
+                                          <p:spTgt spid="2">
+                                            <p:txEl>
+                                              <p:pRg st="8" end="8"/>
+                                            </p:txEl>
+                                          </p:spTgt>
+                                        </p:tgtEl>
+                                        <p:attrNameLst>
+                                          <p:attrName>style.visibility</p:attrName>
+                                        </p:attrNameLst>
+                                      </p:cBhvr>
+                                      <p:to>
+                                        <p:strVal val="visible"/>
+                                      </p:to>
+                                    </p:set>
+                                  </p:childTnLst>
+                                </p:cTn>
+                              </p:par>
+                            </p:childTnLst>
+                          </p:cTn>
+                        </p:par>
+                      </p:childTnLst>
+                    </p:cTn>
+                  </p:par>
+                  <p:par>
+                    <p:cTn id="25" fill="hold">
+                      <p:stCondLst>
+                        <p:cond delay="indefinite"/>
+                      </p:stCondLst>
+                      <p:childTnLst>
+                        <p:par>
+                          <p:cTn id="26" fill="hold">
+                            <p:stCondLst>
+                              <p:cond delay="0"/>
+                            </p:stCondLst>
+                            <p:childTnLst>
+                              <p:par>
+                                <p:cTn id="27" presetID="1" presetClass="entr" presetSubtype="0" fill="hold" grpId="0" nodeType="clickEffect">
+                                  <p:stCondLst>
+                                    <p:cond delay="0"/>
+                                  </p:stCondLst>
+                                  <p:childTnLst>
+                                    <p:set>
+                                      <p:cBhvr>
+                                        <p:cTn id="28" dur="1" fill="hold">
+                                          <p:stCondLst>
+                                            <p:cond delay="0"/>
+                                          </p:stCondLst>
+                                        </p:cTn>
+                                        <p:tgtEl>
+                                          <p:spTgt spid="2">
+                                            <p:txEl>
+                                              <p:pRg st="9" end="9"/>
+                                            </p:txEl>
+                                          </p:spTgt>
+                                        </p:tgtEl>
+                                        <p:attrNameLst>
+                                          <p:attrName>style.visibility</p:attrName>
+                                        </p:attrNameLst>
+                                      </p:cBhvr>
+                                      <p:to>
+                                        <p:strVal val="visible"/>
+                                      </p:to>
+                                    </p:set>
+                                  </p:childTnLst>
+                                </p:cTn>
+                              </p:par>
+                              <p:par>
+                                <p:cTn id="29" presetID="1" presetClass="entr" presetSubtype="0" fill="hold" grpId="0" nodeType="withEffect">
+                                  <p:stCondLst>
+                                    <p:cond delay="0"/>
+                                  </p:stCondLst>
+                                  <p:childTnLst>
+                                    <p:set>
+                                      <p:cBhvr>
+                                        <p:cTn id="30" dur="1" fill="hold">
+                                          <p:stCondLst>
+                                            <p:cond delay="0"/>
+                                          </p:stCondLst>
+                                        </p:cTn>
+                                        <p:tgtEl>
+                                          <p:spTgt spid="2">
+                                            <p:txEl>
+                                              <p:pRg st="10" end="10"/>
+                                            </p:txEl>
+                                          </p:spTgt>
+                                        </p:tgtEl>
+                                        <p:attrNameLst>
+                                          <p:attrName>style.visibility</p:attrName>
+                                        </p:attrNameLst>
+                                      </p:cBhvr>
+                                      <p:to>
+                                        <p:strVal val="visible"/>
+                                      </p:to>
+                                    </p:set>
+                                  </p:childTnLst>
+                                </p:cTn>
+                              </p:par>
+                              <p:par>
+                                <p:cTn id="31" presetID="1" presetClass="entr" presetSubtype="0" fill="hold" grpId="0" nodeType="withEffect">
+                                  <p:stCondLst>
+                                    <p:cond delay="0"/>
+                                  </p:stCondLst>
+                                  <p:childTnLst>
+                                    <p:set>
+                                      <p:cBhvr>
+                                        <p:cTn id="32" dur="1" fill="hold">
+                                          <p:stCondLst>
+                                            <p:cond delay="0"/>
+                                          </p:stCondLst>
+                                        </p:cTn>
+                                        <p:tgtEl>
+                                          <p:spTgt spid="2">
+                                            <p:txEl>
+                                              <p:pRg st="11" end="11"/>
+                                            </p:txEl>
+                                          </p:spTgt>
+                                        </p:tgtEl>
+                                        <p:attrNameLst>
+                                          <p:attrName>style.visibility</p:attrName>
+                                        </p:attrNameLst>
+                                      </p:cBhvr>
+                                      <p:to>
+                                        <p:strVal val="visible"/>
+                                      </p:to>
+                                    </p:set>
+                                  </p:childTnLst>
+                                </p:cTn>
+                              </p:par>
+                              <p:par>
+                                <p:cTn id="33" presetID="1" presetClass="entr" presetSubtype="0" fill="hold" grpId="0" nodeType="withEffect">
+                                  <p:stCondLst>
+                                    <p:cond delay="0"/>
+                                  </p:stCondLst>
+                                  <p:childTnLst>
+                                    <p:set>
+                                      <p:cBhvr>
+                                        <p:cTn id="34" dur="1" fill="hold">
+                                          <p:stCondLst>
+                                            <p:cond delay="0"/>
+                                          </p:stCondLst>
+                                        </p:cTn>
+                                        <p:tgtEl>
+                                          <p:spTgt spid="2">
+                                            <p:txEl>
+                                              <p:pRg st="12" end="12"/>
+                                            </p:txEl>
+                                          </p:spTgt>
+                                        </p:tgtEl>
+                                        <p:attrNameLst>
+                                          <p:attrName>style.visibility</p:attrName>
+                                        </p:attrNameLst>
+                                      </p:cBhvr>
+                                      <p:to>
+                                        <p:strVal val="visible"/>
+                                      </p:to>
+                                    </p:set>
+                                  </p:childTnLst>
+                                </p:cTn>
+                              </p:par>
+                            </p:childTnLst>
+                          </p:cTn>
+                        </p:par>
+                      </p:childTnLst>
+                    </p:cTn>
+                  </p:par>
+                </p:childTnLst>
+              </p:cTn>
+              <p:prevCondLst>
+                <p:cond evt="onPrev" delay="0">
+                  <p:tgtEl>
+                    <p:sldTgt/>
+                  </p:tgtEl>
+                </p:cond>
+              </p:prevCondLst>
+              <p:nextCondLst>
+                <p:cond evt="onNext" delay="0">
+                  <p:tgtEl>
+                    <p:sldTgt/>
+                  </p:tgtEl>
+                </p:cond>
+              </p:nextCondLst>
+            </p:seq>
+          </p:childTnLst>
+        </p:cTn>
+      </p:par>
+    </p:tnLst>
+    <p:bldLst>
+      <p:bldP spid="2" grpId="0" uiExpand="1" build="p"/>
+    </p:bldLst>
+  </p:timing>
+</p:sld>
+</file>
+
+<file path=ppt/slides/slide21.xml><?xml version="1.0" encoding="utf-8"?>
+<p:sld xmlns:a="http://schemas.openxmlformats.org/drawingml/2006/main" xmlns:r="http://schemas.openxmlformats.org/officeDocument/2006/relationships" xmlns:p="http://schemas.openxmlformats.org/presentationml/2006/main">
+  <p:cSld>
+    <p:spTree>
+      <p:nvGrpSpPr>
+        <p:cNvPr id="1" name=""/>
+        <p:cNvGrpSpPr/>
+        <p:nvPr/>
+      </p:nvGrpSpPr>
+      <p:grpSpPr>
+        <a:xfrm>
+          <a:off x="0" y="0"/>
+          <a:ext cx="0" cy="0"/>
+          <a:chOff x="0" y="0"/>
+          <a:chExt cx="0" cy="0"/>
+        </a:xfrm>
+      </p:grpSpPr>
+      <p:sp>
+        <p:nvSpPr>
+          <p:cNvPr id="4" name="Title 3">
+            <a:extLst>
+              <a:ext uri="{FF2B5EF4-FFF2-40B4-BE49-F238E27FC236}">
+                <a16:creationId xmlns:a16="http://schemas.microsoft.com/office/drawing/2014/main" id="{A530731B-FBE2-49DE-BB94-A600EBCE5E14}"/>
+              </a:ext>
+            </a:extLst>
+          </p:cNvPr>
+          <p:cNvSpPr>
+            <a:spLocks noGrp="1"/>
+          </p:cNvSpPr>
+          <p:nvPr>
+            <p:ph type="ctrTitle"/>
+          </p:nvPr>
+        </p:nvSpPr>
+        <p:spPr/>
+        <p:txBody>
+          <a:bodyPr/>
+          <a:lstStyle/>
+          <a:p>
+            <a:r>
+              <a:rPr lang="en-US" dirty="0"/>
+              <a:t>General comments</a:t>
+            </a:r>
+            <a:endParaRPr lang="en-NL" dirty="0"/>
+          </a:p>
+        </p:txBody>
+      </p:sp>
+      <p:sp>
+        <p:nvSpPr>
+          <p:cNvPr id="5" name="Subtitle 4">
+            <a:extLst>
+              <a:ext uri="{FF2B5EF4-FFF2-40B4-BE49-F238E27FC236}">
+                <a16:creationId xmlns:a16="http://schemas.microsoft.com/office/drawing/2014/main" id="{3A1C9E2F-EE2E-48B9-A766-7FE1DD6E2DC7}"/>
+              </a:ext>
+            </a:extLst>
+          </p:cNvPr>
+          <p:cNvSpPr>
+            <a:spLocks noGrp="1"/>
+          </p:cNvSpPr>
+          <p:nvPr>
+            <p:ph type="subTitle" idx="1"/>
+          </p:nvPr>
+        </p:nvSpPr>
+        <p:spPr/>
+        <p:txBody>
+          <a:bodyPr/>
+          <a:lstStyle/>
+          <a:p>
+            <a:r>
+              <a:rPr lang="en-US" dirty="0"/>
+              <a:t>Future + final presentation</a:t>
+            </a:r>
+            <a:endParaRPr lang="en-NL" dirty="0"/>
+          </a:p>
+        </p:txBody>
+      </p:sp>
+    </p:spTree>
+    <p:extLst>
+      <p:ext uri="{BB962C8B-B14F-4D97-AF65-F5344CB8AC3E}">
+        <p14:creationId xmlns:p14="http://schemas.microsoft.com/office/powerpoint/2010/main" val="1704035014"/>
+      </p:ext>
+    </p:extLst>
+  </p:cSld>
+  <p:clrMapOvr>
+    <a:masterClrMapping/>
+  </p:clrMapOvr>
+</p:sld>
+</file>
+
+<file path=ppt/slides/slide22.xml><?xml version="1.0" encoding="utf-8"?>
+<p:sld xmlns:a="http://schemas.openxmlformats.org/drawingml/2006/main" xmlns:r="http://schemas.openxmlformats.org/officeDocument/2006/relationships" xmlns:p="http://schemas.openxmlformats.org/presentationml/2006/main">
+  <p:cSld>
+    <p:spTree>
+      <p:nvGrpSpPr>
+        <p:cNvPr id="1" name=""/>
+        <p:cNvGrpSpPr/>
+        <p:nvPr/>
+      </p:nvGrpSpPr>
+      <p:grpSpPr>
+        <a:xfrm>
+          <a:off x="0" y="0"/>
+          <a:ext cx="0" cy="0"/>
+          <a:chOff x="0" y="0"/>
+          <a:chExt cx="0" cy="0"/>
+        </a:xfrm>
+      </p:grpSpPr>
+      <p:sp>
+        <p:nvSpPr>
+          <p:cNvPr id="2" name="Content Placeholder 1"/>
+          <p:cNvSpPr>
+            <a:spLocks noGrp="1"/>
+          </p:cNvSpPr>
+          <p:nvPr>
+            <p:ph sz="half" idx="2"/>
+          </p:nvPr>
+        </p:nvSpPr>
+        <p:spPr/>
+        <p:txBody>
+          <a:bodyPr>
+            <a:normAutofit/>
+          </a:bodyPr>
+          <a:lstStyle/>
+          <a:p>
+            <a:pPr marL="0" indent="0">
+              <a:buNone/>
+            </a:pPr>
+            <a:r>
+              <a:rPr lang="en-US" b="1" dirty="0"/>
+              <a:t>Planning</a:t>
+            </a:r>
+          </a:p>
+          <a:p>
+            <a:r>
+              <a:rPr lang="en-US" dirty="0"/>
+              <a:t>Finish reports + results TPOT and missing values</a:t>
+            </a:r>
+          </a:p>
+          <a:p>
+            <a:r>
+              <a:rPr lang="en-US" dirty="0"/>
+              <a:t>Quick study outlier handling</a:t>
+            </a:r>
+          </a:p>
+          <a:p>
+            <a:r>
+              <a:rPr lang="en-US" dirty="0"/>
+              <a:t>Meta-parameter exploration</a:t>
+            </a:r>
+          </a:p>
+          <a:p>
+            <a:r>
+              <a:rPr lang="en-US" dirty="0"/>
+              <a:t>Create Manual + GUI for Framework</a:t>
+            </a:r>
+          </a:p>
+          <a:p>
+            <a:endParaRPr lang="en-US" dirty="0"/>
+          </a:p>
+          <a:p>
+            <a:pPr marL="0" indent="0">
+              <a:buNone/>
+            </a:pPr>
+            <a:r>
+              <a:rPr lang="en-US" b="1" dirty="0"/>
+              <a:t>Presentation</a:t>
+            </a:r>
+          </a:p>
+          <a:p>
+            <a:r>
+              <a:rPr lang="en-US" dirty="0"/>
+              <a:t>Week of 22 October (10 weeks from now)</a:t>
+            </a:r>
+          </a:p>
+          <a:p>
+            <a:r>
+              <a:rPr lang="en-US" dirty="0"/>
+              <a:t>Approval from biomedical engineering</a:t>
+            </a:r>
+          </a:p>
+          <a:p>
+            <a:r>
+              <a:rPr lang="en-US" dirty="0"/>
+              <a:t>Letter for Computer Science (this week)</a:t>
+            </a:r>
+          </a:p>
+          <a:p>
+            <a:endParaRPr lang="en-US" dirty="0"/>
+          </a:p>
+        </p:txBody>
+      </p:sp>
+      <p:sp>
+        <p:nvSpPr>
+          <p:cNvPr id="4" name="Subtitle 3"/>
+          <p:cNvSpPr>
+            <a:spLocks noGrp="1"/>
+          </p:cNvSpPr>
+          <p:nvPr>
+            <p:ph type="subTitle" idx="1"/>
+          </p:nvPr>
+        </p:nvSpPr>
+        <p:spPr/>
+        <p:txBody>
+          <a:bodyPr>
+            <a:normAutofit fontScale="77500" lnSpcReduction="20000"/>
+          </a:bodyPr>
+          <a:lstStyle/>
+          <a:p>
+            <a:r>
+              <a:rPr lang="en-US" dirty="0"/>
+              <a:t>A Computational Biology Framework</a:t>
+            </a:r>
+          </a:p>
+        </p:txBody>
+      </p:sp>
+      <p:sp>
+        <p:nvSpPr>
+          <p:cNvPr id="5" name="TextBox 4"/>
+          <p:cNvSpPr txBox="1"/>
+          <p:nvPr/>
+        </p:nvSpPr>
+        <p:spPr>
+          <a:xfrm>
+            <a:off x="191539" y="606324"/>
+            <a:ext cx="2593636" cy="1077218"/>
+          </a:xfrm>
+          <a:prstGeom prst="rect">
+            <a:avLst/>
+          </a:prstGeom>
+          <a:noFill/>
+        </p:spPr>
+        <p:txBody>
+          <a:bodyPr wrap="square" rtlCol="0">
+            <a:spAutoFit/>
+          </a:bodyPr>
+          <a:lstStyle/>
+          <a:p>
+            <a:r>
+              <a:rPr lang="en-US" sz="3200" dirty="0"/>
+              <a:t>General information</a:t>
+            </a:r>
+          </a:p>
+        </p:txBody>
+      </p:sp>
+    </p:spTree>
+    <p:extLst>
+      <p:ext uri="{BB962C8B-B14F-4D97-AF65-F5344CB8AC3E}">
+        <p14:creationId xmlns:p14="http://schemas.microsoft.com/office/powerpoint/2010/main" val="629521413"/>
+      </p:ext>
+    </p:extLst>
+  </p:cSld>
+  <p:clrMapOvr>
+    <a:masterClrMapping/>
+  </p:clrMapOvr>
+  <p:timing>
+    <p:tnLst>
+      <p:par>
+        <p:cTn id="1" dur="indefinite" restart="never" nodeType="tmRoot">
+          <p:childTnLst>
+            <p:seq concurrent="1" nextAc="seek">
+              <p:cTn id="2" dur="indefinite" nodeType="mainSeq">
+                <p:childTnLst>
+                  <p:par>
+                    <p:cTn id="3" fill="hold">
+                      <p:stCondLst>
+                        <p:cond delay="indefinite"/>
+                      </p:stCondLst>
+                      <p:childTnLst>
+                        <p:par>
+                          <p:cTn id="4" fill="hold">
+                            <p:stCondLst>
+                              <p:cond delay="0"/>
+                            </p:stCondLst>
+                            <p:childTnLst>
+                              <p:par>
+                                <p:cTn id="5" presetID="1" presetClass="entr" presetSubtype="0" fill="hold" nodeType="clickEffect">
+                                  <p:stCondLst>
+                                    <p:cond delay="0"/>
+                                  </p:stCondLst>
+                                  <p:childTnLst>
+                                    <p:set>
+                                      <p:cBhvr>
+                                        <p:cTn id="6" dur="1" fill="hold">
+                                          <p:stCondLst>
+                                            <p:cond delay="0"/>
+                                          </p:stCondLst>
+                                        </p:cTn>
+                                        <p:tgtEl>
+                                          <p:spTgt spid="2">
+                                            <p:txEl>
+                                              <p:pRg st="0" end="0"/>
+                                            </p:txEl>
+                                          </p:spTgt>
+                                        </p:tgtEl>
+                                        <p:attrNameLst>
+                                          <p:attrName>style.visibility</p:attrName>
+                                        </p:attrNameLst>
+                                      </p:cBhvr>
+                                      <p:to>
+                                        <p:strVal val="visible"/>
+                                      </p:to>
+                                    </p:set>
+                                  </p:childTnLst>
+                                </p:cTn>
+                              </p:par>
+                              <p:par>
+                                <p:cTn id="7" presetID="1" presetClass="entr" presetSubtype="0" fill="hold" nodeType="withEffect">
+                                  <p:stCondLst>
+                                    <p:cond delay="0"/>
+                                  </p:stCondLst>
+                                  <p:childTnLst>
+                                    <p:set>
+                                      <p:cBhvr>
+                                        <p:cTn id="8" dur="1" fill="hold">
+                                          <p:stCondLst>
+                                            <p:cond delay="0"/>
+                                          </p:stCondLst>
+                                        </p:cTn>
+                                        <p:tgtEl>
+                                          <p:spTgt spid="2">
+                                            <p:txEl>
+                                              <p:pRg st="1" end="1"/>
+                                            </p:txEl>
+                                          </p:spTgt>
+                                        </p:tgtEl>
+                                        <p:attrNameLst>
+                                          <p:attrName>style.visibility</p:attrName>
+                                        </p:attrNameLst>
+                                      </p:cBhvr>
+                                      <p:to>
+                                        <p:strVal val="visible"/>
+                                      </p:to>
+                                    </p:set>
+                                  </p:childTnLst>
+                                </p:cTn>
+                              </p:par>
+                              <p:par>
+                                <p:cTn id="9" presetID="1" presetClass="entr" presetSubtype="0" fill="hold" nodeType="withEffect">
+                                  <p:stCondLst>
+                                    <p:cond delay="0"/>
+                                  </p:stCondLst>
+                                  <p:childTnLst>
+                                    <p:set>
+                                      <p:cBhvr>
+                                        <p:cTn id="10" dur="1" fill="hold">
+                                          <p:stCondLst>
+                                            <p:cond delay="0"/>
+                                          </p:stCondLst>
+                                        </p:cTn>
+                                        <p:tgtEl>
+                                          <p:spTgt spid="2">
+                                            <p:txEl>
+                                              <p:pRg st="2" end="2"/>
+                                            </p:txEl>
+                                          </p:spTgt>
+                                        </p:tgtEl>
+                                        <p:attrNameLst>
+                                          <p:attrName>style.visibility</p:attrName>
+                                        </p:attrNameLst>
+                                      </p:cBhvr>
+                                      <p:to>
+                                        <p:strVal val="visible"/>
+                                      </p:to>
+                                    </p:set>
+                                  </p:childTnLst>
+                                </p:cTn>
+                              </p:par>
+                              <p:par>
+                                <p:cTn id="11" presetID="1" presetClass="entr" presetSubtype="0" fill="hold" nodeType="withEffect">
+                                  <p:stCondLst>
+                                    <p:cond delay="0"/>
+                                  </p:stCondLst>
+                                  <p:childTnLst>
+                                    <p:set>
+                                      <p:cBhvr>
+                                        <p:cTn id="12" dur="1" fill="hold">
+                                          <p:stCondLst>
+                                            <p:cond delay="0"/>
+                                          </p:stCondLst>
+                                        </p:cTn>
+                                        <p:tgtEl>
+                                          <p:spTgt spid="2">
+                                            <p:txEl>
+                                              <p:pRg st="3" end="3"/>
+                                            </p:txEl>
+                                          </p:spTgt>
+                                        </p:tgtEl>
+                                        <p:attrNameLst>
+                                          <p:attrName>style.visibility</p:attrName>
+                                        </p:attrNameLst>
+                                      </p:cBhvr>
+                                      <p:to>
+                                        <p:strVal val="visible"/>
+                                      </p:to>
+                                    </p:set>
+                                  </p:childTnLst>
+                                </p:cTn>
+                              </p:par>
+                              <p:par>
+                                <p:cTn id="13" presetID="1" presetClass="entr" presetSubtype="0" fill="hold" nodeType="withEffect">
+                                  <p:stCondLst>
+                                    <p:cond delay="0"/>
+                                  </p:stCondLst>
+                                  <p:childTnLst>
+                                    <p:set>
+                                      <p:cBhvr>
+                                        <p:cTn id="14" dur="1" fill="hold">
+                                          <p:stCondLst>
+                                            <p:cond delay="0"/>
+                                          </p:stCondLst>
+                                        </p:cTn>
+                                        <p:tgtEl>
+                                          <p:spTgt spid="2">
+                                            <p:txEl>
+                                              <p:pRg st="4" end="4"/>
+                                            </p:txEl>
+                                          </p:spTgt>
+                                        </p:tgtEl>
+                                        <p:attrNameLst>
+                                          <p:attrName>style.visibility</p:attrName>
+                                        </p:attrNameLst>
+                                      </p:cBhvr>
+                                      <p:to>
+                                        <p:strVal val="visible"/>
+                                      </p:to>
+                                    </p:set>
+                                  </p:childTnLst>
+                                </p:cTn>
+                              </p:par>
+                            </p:childTnLst>
+                          </p:cTn>
+                        </p:par>
+                      </p:childTnLst>
+                    </p:cTn>
+                  </p:par>
+                  <p:par>
+                    <p:cTn id="15" fill="hold">
+                      <p:stCondLst>
+                        <p:cond delay="indefinite"/>
+                      </p:stCondLst>
+                      <p:childTnLst>
+                        <p:par>
+                          <p:cTn id="16" fill="hold">
+                            <p:stCondLst>
+                              <p:cond delay="0"/>
+                            </p:stCondLst>
+                            <p:childTnLst>
+                              <p:par>
+                                <p:cTn id="17" presetID="1" presetClass="entr" presetSubtype="0" fill="hold" nodeType="clickEffect">
+                                  <p:stCondLst>
+                                    <p:cond delay="0"/>
+                                  </p:stCondLst>
+                                  <p:childTnLst>
+                                    <p:set>
+                                      <p:cBhvr>
+                                        <p:cTn id="18" dur="1" fill="hold">
+                                          <p:stCondLst>
+                                            <p:cond delay="0"/>
+                                          </p:stCondLst>
+                                        </p:cTn>
+                                        <p:tgtEl>
+                                          <p:spTgt spid="2">
+                                            <p:txEl>
+                                              <p:pRg st="6" end="6"/>
+                                            </p:txEl>
+                                          </p:spTgt>
+                                        </p:tgtEl>
+                                        <p:attrNameLst>
+                                          <p:attrName>style.visibility</p:attrName>
+                                        </p:attrNameLst>
+                                      </p:cBhvr>
+                                      <p:to>
+                                        <p:strVal val="visible"/>
+                                      </p:to>
+                                    </p:set>
+                                  </p:childTnLst>
+                                </p:cTn>
+                              </p:par>
+                              <p:par>
+                                <p:cTn id="19" presetID="1" presetClass="entr" presetSubtype="0" fill="hold" nodeType="withEffect">
+                                  <p:stCondLst>
+                                    <p:cond delay="0"/>
+                                  </p:stCondLst>
+                                  <p:childTnLst>
+                                    <p:set>
+                                      <p:cBhvr>
+                                        <p:cTn id="20" dur="1" fill="hold">
+                                          <p:stCondLst>
+                                            <p:cond delay="0"/>
+                                          </p:stCondLst>
+                                        </p:cTn>
+                                        <p:tgtEl>
+                                          <p:spTgt spid="2">
+                                            <p:txEl>
+                                              <p:pRg st="7" end="7"/>
+                                            </p:txEl>
+                                          </p:spTgt>
+                                        </p:tgtEl>
+                                        <p:attrNameLst>
+                                          <p:attrName>style.visibility</p:attrName>
+                                        </p:attrNameLst>
+                                      </p:cBhvr>
+                                      <p:to>
+                                        <p:strVal val="visible"/>
+                                      </p:to>
+                                    </p:set>
+                                  </p:childTnLst>
+                                </p:cTn>
+                              </p:par>
+                              <p:par>
+                                <p:cTn id="21" presetID="1" presetClass="entr" presetSubtype="0" fill="hold" nodeType="withEffect">
+                                  <p:stCondLst>
+                                    <p:cond delay="0"/>
+                                  </p:stCondLst>
+                                  <p:childTnLst>
+                                    <p:set>
+                                      <p:cBhvr>
+                                        <p:cTn id="22" dur="1" fill="hold">
+                                          <p:stCondLst>
+                                            <p:cond delay="0"/>
+                                          </p:stCondLst>
+                                        </p:cTn>
+                                        <p:tgtEl>
+                                          <p:spTgt spid="2">
+                                            <p:txEl>
+                                              <p:pRg st="8" end="8"/>
+                                            </p:txEl>
+                                          </p:spTgt>
+                                        </p:tgtEl>
+                                        <p:attrNameLst>
+                                          <p:attrName>style.visibility</p:attrName>
+                                        </p:attrNameLst>
+                                      </p:cBhvr>
+                                      <p:to>
+                                        <p:strVal val="visible"/>
+                                      </p:to>
+                                    </p:set>
+                                  </p:childTnLst>
+                                </p:cTn>
+                              </p:par>
+                              <p:par>
+                                <p:cTn id="23" presetID="1" presetClass="entr" presetSubtype="0" fill="hold" nodeType="withEffect">
+                                  <p:stCondLst>
+                                    <p:cond delay="0"/>
+                                  </p:stCondLst>
+                                  <p:childTnLst>
+                                    <p:set>
+                                      <p:cBhvr>
+                                        <p:cTn id="24" dur="1" fill="hold">
+                                          <p:stCondLst>
+                                            <p:cond delay="0"/>
+                                          </p:stCondLst>
+                                        </p:cTn>
+                                        <p:tgtEl>
+                                          <p:spTgt spid="2">
+                                            <p:txEl>
+                                              <p:pRg st="9" end="9"/>
+                                            </p:txEl>
+                                          </p:spTgt>
+                                        </p:tgtEl>
+                                        <p:attrNameLst>
+                                          <p:attrName>style.visibility</p:attrName>
+                                        </p:attrNameLst>
+                                      </p:cBhvr>
+                                      <p:to>
+                                        <p:strVal val="visible"/>
+                                      </p:to>
+                                    </p:set>
+                                  </p:childTnLst>
+                                </p:cTn>
+                              </p:par>
+                            </p:childTnLst>
+                          </p:cTn>
+                        </p:par>
+                      </p:childTnLst>
+                    </p:cTn>
+                  </p:par>
+                </p:childTnLst>
+              </p:cTn>
+              <p:prevCondLst>
+                <p:cond evt="onPrev" delay="0">
+                  <p:tgtEl>
+                    <p:sldTgt/>
+                  </p:tgtEl>
+                </p:cond>
+              </p:prevCondLst>
+              <p:nextCondLst>
+                <p:cond evt="onNext" delay="0">
+                  <p:tgtEl>
+                    <p:sldTgt/>
+                  </p:tgtEl>
+                </p:cond>
+              </p:nextCondLst>
+            </p:seq>
+          </p:childTnLst>
+        </p:cTn>
+      </p:par>
+    </p:tnLst>
+  </p:timing>
 </p:sld>
 </file>
 
@@ -3176,7 +9058,7 @@
         <p:spPr>
           <a:xfrm>
             <a:off x="273413" y="738012"/>
-            <a:ext cx="2566737" cy="584775"/>
+            <a:ext cx="2566737" cy="1077218"/>
           </a:xfrm>
           <a:prstGeom prst="rect">
             <a:avLst/>
@@ -3191,7 +9073,13 @@
           <a:p>
             <a:r>
               <a:rPr lang="en-US" sz="3200" dirty="0"/>
-              <a:t>TPOT</a:t>
+              <a:t>Feature</a:t>
+            </a:r>
+          </a:p>
+          <a:p>
+            <a:r>
+              <a:rPr lang="en-US" sz="3200" dirty="0"/>
+              <a:t>selection</a:t>
             </a:r>
           </a:p>
         </p:txBody>
@@ -3219,42 +9107,63 @@
           <a:p>
             <a:r>
               <a:rPr lang="en-US" dirty="0"/>
-              <a:t>Added feature selection possibility</a:t>
+              <a:t>Conclusions</a:t>
             </a:r>
           </a:p>
           <a:p>
             <a:pPr lvl="1"/>
             <a:r>
               <a:rPr lang="en-US" dirty="0"/>
-              <a:t>Always starting with feature selection</a:t>
+              <a:t>Max of 200 features</a:t>
             </a:r>
           </a:p>
           <a:p>
             <a:pPr lvl="1"/>
             <a:r>
               <a:rPr lang="en-US" dirty="0"/>
-              <a:t>New accuracy function:</a:t>
+              <a:t>Wrapper methods vs. Filter/Embedded methods</a:t>
             </a:r>
           </a:p>
           <a:p>
             <a:pPr lvl="2"/>
             <a:r>
               <a:rPr lang="en-US" dirty="0"/>
-              <a:t>	Accuracy = Accuracy(Pipeline) – Features * Threshold</a:t>
+              <a:t>Better trade-of features and quality</a:t>
+            </a:r>
+          </a:p>
+          <a:p>
+            <a:pPr lvl="2"/>
+            <a:r>
+              <a:rPr lang="en-US" dirty="0"/>
+              <a:t>More computationally intensive</a:t>
             </a:r>
           </a:p>
           <a:p>
             <a:pPr lvl="1"/>
             <a:r>
               <a:rPr lang="en-US" dirty="0"/>
-              <a:t>Tested algorithms present:</a:t>
+              <a:t>Wrapper methods vs. Filter/Embedded methods</a:t>
             </a:r>
           </a:p>
           <a:p>
             <a:pPr lvl="2"/>
             <a:r>
               <a:rPr lang="en-US" dirty="0"/>
-              <a:t>Filter and Embedded methods</a:t>
+              <a:t>Better trade-of features and quality</a:t>
+            </a:r>
+          </a:p>
+          <a:p>
+            <a:pPr lvl="2"/>
+            <a:r>
+              <a:rPr lang="en-US" dirty="0"/>
+              <a:t>More computationally intensive</a:t>
+            </a:r>
+          </a:p>
+          <a:p>
+            <a:pPr lvl="2"/>
+            <a:r>
+              <a:rPr lang="en-US" dirty="0"/>
+              <a:t>Sensitive to meta-parameter alpha</a:t>
             </a:r>
           </a:p>
           <a:p>
@@ -3262,25 +9171,8 @@
             <a:endParaRPr lang="en-US" dirty="0"/>
           </a:p>
           <a:p>
-            <a:pPr lvl="1"/>
-            <a:r>
-              <a:rPr lang="en-US" dirty="0"/>
-              <a:t>High feature selection possibility:</a:t>
-            </a:r>
-          </a:p>
-          <a:p>
             <a:pPr lvl="2"/>
-            <a:r>
-              <a:rPr lang="en-US" dirty="0"/>
-              <a:t>Preservation &lt; 200 features</a:t>
-            </a:r>
-          </a:p>
-          <a:p>
-            <a:pPr lvl="2"/>
-            <a:r>
-              <a:rPr lang="en-US" dirty="0"/>
-              <a:t>Wrapper methods included</a:t>
-            </a:r>
+            <a:endParaRPr lang="en-US" dirty="0"/>
           </a:p>
           <a:p>
             <a:pPr lvl="2"/>
@@ -3302,13 +9194,397 @@
     </p:spTree>
     <p:extLst>
       <p:ext uri="{BB962C8B-B14F-4D97-AF65-F5344CB8AC3E}">
-        <p14:creationId xmlns:p14="http://schemas.microsoft.com/office/powerpoint/2010/main" val="3288321647"/>
+        <p14:creationId xmlns:p14="http://schemas.microsoft.com/office/powerpoint/2010/main" val="1499923759"/>
       </p:ext>
     </p:extLst>
   </p:cSld>
   <p:clrMapOvr>
     <a:masterClrMapping/>
   </p:clrMapOvr>
+  <p:timing>
+    <p:tnLst>
+      <p:par>
+        <p:cTn id="1" dur="indefinite" restart="never" nodeType="tmRoot">
+          <p:childTnLst>
+            <p:seq concurrent="1" nextAc="seek">
+              <p:cTn id="2" dur="indefinite" nodeType="mainSeq">
+                <p:childTnLst>
+                  <p:par>
+                    <p:cTn id="3" fill="hold">
+                      <p:stCondLst>
+                        <p:cond delay="indefinite"/>
+                      </p:stCondLst>
+                      <p:childTnLst>
+                        <p:par>
+                          <p:cTn id="4" fill="hold">
+                            <p:stCondLst>
+                              <p:cond delay="0"/>
+                            </p:stCondLst>
+                            <p:childTnLst>
+                              <p:par>
+                                <p:cTn id="5" presetID="1" presetClass="entr" presetSubtype="0" fill="hold" grpId="0" nodeType="clickEffect">
+                                  <p:stCondLst>
+                                    <p:cond delay="0"/>
+                                  </p:stCondLst>
+                                  <p:childTnLst>
+                                    <p:set>
+                                      <p:cBhvr>
+                                        <p:cTn id="6" dur="1" fill="hold">
+                                          <p:stCondLst>
+                                            <p:cond delay="0"/>
+                                          </p:stCondLst>
+                                        </p:cTn>
+                                        <p:tgtEl>
+                                          <p:spTgt spid="3">
+                                            <p:txEl>
+                                              <p:pRg st="0" end="0"/>
+                                            </p:txEl>
+                                          </p:spTgt>
+                                        </p:tgtEl>
+                                        <p:attrNameLst>
+                                          <p:attrName>style.visibility</p:attrName>
+                                        </p:attrNameLst>
+                                      </p:cBhvr>
+                                      <p:to>
+                                        <p:strVal val="visible"/>
+                                      </p:to>
+                                    </p:set>
+                                  </p:childTnLst>
+                                </p:cTn>
+                              </p:par>
+                            </p:childTnLst>
+                          </p:cTn>
+                        </p:par>
+                      </p:childTnLst>
+                    </p:cTn>
+                  </p:par>
+                  <p:par>
+                    <p:cTn id="7" fill="hold">
+                      <p:stCondLst>
+                        <p:cond delay="indefinite"/>
+                      </p:stCondLst>
+                      <p:childTnLst>
+                        <p:par>
+                          <p:cTn id="8" fill="hold">
+                            <p:stCondLst>
+                              <p:cond delay="0"/>
+                            </p:stCondLst>
+                            <p:childTnLst>
+                              <p:par>
+                                <p:cTn id="9" presetID="1" presetClass="entr" presetSubtype="0" fill="hold" grpId="0" nodeType="clickEffect">
+                                  <p:stCondLst>
+                                    <p:cond delay="0"/>
+                                  </p:stCondLst>
+                                  <p:childTnLst>
+                                    <p:set>
+                                      <p:cBhvr>
+                                        <p:cTn id="10" dur="1" fill="hold">
+                                          <p:stCondLst>
+                                            <p:cond delay="0"/>
+                                          </p:stCondLst>
+                                        </p:cTn>
+                                        <p:tgtEl>
+                                          <p:spTgt spid="3">
+                                            <p:txEl>
+                                              <p:pRg st="1" end="1"/>
+                                            </p:txEl>
+                                          </p:spTgt>
+                                        </p:tgtEl>
+                                        <p:attrNameLst>
+                                          <p:attrName>style.visibility</p:attrName>
+                                        </p:attrNameLst>
+                                      </p:cBhvr>
+                                      <p:to>
+                                        <p:strVal val="visible"/>
+                                      </p:to>
+                                    </p:set>
+                                  </p:childTnLst>
+                                </p:cTn>
+                              </p:par>
+                            </p:childTnLst>
+                          </p:cTn>
+                        </p:par>
+                      </p:childTnLst>
+                    </p:cTn>
+                  </p:par>
+                  <p:par>
+                    <p:cTn id="11" fill="hold">
+                      <p:stCondLst>
+                        <p:cond delay="indefinite"/>
+                      </p:stCondLst>
+                      <p:childTnLst>
+                        <p:par>
+                          <p:cTn id="12" fill="hold">
+                            <p:stCondLst>
+                              <p:cond delay="0"/>
+                            </p:stCondLst>
+                            <p:childTnLst>
+                              <p:par>
+                                <p:cTn id="13" presetID="1" presetClass="entr" presetSubtype="0" fill="hold" grpId="0" nodeType="clickEffect">
+                                  <p:stCondLst>
+                                    <p:cond delay="0"/>
+                                  </p:stCondLst>
+                                  <p:childTnLst>
+                                    <p:set>
+                                      <p:cBhvr>
+                                        <p:cTn id="14" dur="1" fill="hold">
+                                          <p:stCondLst>
+                                            <p:cond delay="0"/>
+                                          </p:stCondLst>
+                                        </p:cTn>
+                                        <p:tgtEl>
+                                          <p:spTgt spid="3">
+                                            <p:txEl>
+                                              <p:pRg st="2" end="2"/>
+                                            </p:txEl>
+                                          </p:spTgt>
+                                        </p:tgtEl>
+                                        <p:attrNameLst>
+                                          <p:attrName>style.visibility</p:attrName>
+                                        </p:attrNameLst>
+                                      </p:cBhvr>
+                                      <p:to>
+                                        <p:strVal val="visible"/>
+                                      </p:to>
+                                    </p:set>
+                                  </p:childTnLst>
+                                </p:cTn>
+                              </p:par>
+                              <p:par>
+                                <p:cTn id="15" presetID="1" presetClass="entr" presetSubtype="0" fill="hold" grpId="0" nodeType="withEffect">
+                                  <p:stCondLst>
+                                    <p:cond delay="0"/>
+                                  </p:stCondLst>
+                                  <p:childTnLst>
+                                    <p:set>
+                                      <p:cBhvr>
+                                        <p:cTn id="16" dur="1" fill="hold">
+                                          <p:stCondLst>
+                                            <p:cond delay="0"/>
+                                          </p:stCondLst>
+                                        </p:cTn>
+                                        <p:tgtEl>
+                                          <p:spTgt spid="3">
+                                            <p:txEl>
+                                              <p:pRg st="3" end="3"/>
+                                            </p:txEl>
+                                          </p:spTgt>
+                                        </p:tgtEl>
+                                        <p:attrNameLst>
+                                          <p:attrName>style.visibility</p:attrName>
+                                        </p:attrNameLst>
+                                      </p:cBhvr>
+                                      <p:to>
+                                        <p:strVal val="visible"/>
+                                      </p:to>
+                                    </p:set>
+                                  </p:childTnLst>
+                                </p:cTn>
+                              </p:par>
+                              <p:par>
+                                <p:cTn id="17" presetID="1" presetClass="entr" presetSubtype="0" fill="hold" grpId="0" nodeType="withEffect">
+                                  <p:stCondLst>
+                                    <p:cond delay="0"/>
+                                  </p:stCondLst>
+                                  <p:childTnLst>
+                                    <p:set>
+                                      <p:cBhvr>
+                                        <p:cTn id="18" dur="1" fill="hold">
+                                          <p:stCondLst>
+                                            <p:cond delay="0"/>
+                                          </p:stCondLst>
+                                        </p:cTn>
+                                        <p:tgtEl>
+                                          <p:spTgt spid="3">
+                                            <p:txEl>
+                                              <p:pRg st="4" end="4"/>
+                                            </p:txEl>
+                                          </p:spTgt>
+                                        </p:tgtEl>
+                                        <p:attrNameLst>
+                                          <p:attrName>style.visibility</p:attrName>
+                                        </p:attrNameLst>
+                                      </p:cBhvr>
+                                      <p:to>
+                                        <p:strVal val="visible"/>
+                                      </p:to>
+                                    </p:set>
+                                  </p:childTnLst>
+                                </p:cTn>
+                              </p:par>
+                            </p:childTnLst>
+                          </p:cTn>
+                        </p:par>
+                      </p:childTnLst>
+                    </p:cTn>
+                  </p:par>
+                  <p:par>
+                    <p:cTn id="19" fill="hold">
+                      <p:stCondLst>
+                        <p:cond delay="indefinite"/>
+                      </p:stCondLst>
+                      <p:childTnLst>
+                        <p:par>
+                          <p:cTn id="20" fill="hold">
+                            <p:stCondLst>
+                              <p:cond delay="0"/>
+                            </p:stCondLst>
+                            <p:childTnLst>
+                              <p:par>
+                                <p:cTn id="21" presetID="1" presetClass="entr" presetSubtype="0" fill="hold" grpId="0" nodeType="clickEffect">
+                                  <p:stCondLst>
+                                    <p:cond delay="0"/>
+                                  </p:stCondLst>
+                                  <p:childTnLst>
+                                    <p:set>
+                                      <p:cBhvr>
+                                        <p:cTn id="22" dur="1" fill="hold">
+                                          <p:stCondLst>
+                                            <p:cond delay="0"/>
+                                          </p:stCondLst>
+                                        </p:cTn>
+                                        <p:tgtEl>
+                                          <p:spTgt spid="3">
+                                            <p:txEl>
+                                              <p:pRg st="5" end="5"/>
+                                            </p:txEl>
+                                          </p:spTgt>
+                                        </p:tgtEl>
+                                        <p:attrNameLst>
+                                          <p:attrName>style.visibility</p:attrName>
+                                        </p:attrNameLst>
+                                      </p:cBhvr>
+                                      <p:to>
+                                        <p:strVal val="visible"/>
+                                      </p:to>
+                                    </p:set>
+                                  </p:childTnLst>
+                                </p:cTn>
+                              </p:par>
+                              <p:par>
+                                <p:cTn id="23" presetID="1" presetClass="entr" presetSubtype="0" fill="hold" grpId="0" nodeType="withEffect">
+                                  <p:stCondLst>
+                                    <p:cond delay="0"/>
+                                  </p:stCondLst>
+                                  <p:childTnLst>
+                                    <p:set>
+                                      <p:cBhvr>
+                                        <p:cTn id="24" dur="1" fill="hold">
+                                          <p:stCondLst>
+                                            <p:cond delay="0"/>
+                                          </p:stCondLst>
+                                        </p:cTn>
+                                        <p:tgtEl>
+                                          <p:spTgt spid="3">
+                                            <p:txEl>
+                                              <p:pRg st="6" end="6"/>
+                                            </p:txEl>
+                                          </p:spTgt>
+                                        </p:tgtEl>
+                                        <p:attrNameLst>
+                                          <p:attrName>style.visibility</p:attrName>
+                                        </p:attrNameLst>
+                                      </p:cBhvr>
+                                      <p:to>
+                                        <p:strVal val="visible"/>
+                                      </p:to>
+                                    </p:set>
+                                  </p:childTnLst>
+                                </p:cTn>
+                              </p:par>
+                              <p:par>
+                                <p:cTn id="25" presetID="1" presetClass="entr" presetSubtype="0" fill="hold" grpId="0" nodeType="withEffect">
+                                  <p:stCondLst>
+                                    <p:cond delay="0"/>
+                                  </p:stCondLst>
+                                  <p:childTnLst>
+                                    <p:set>
+                                      <p:cBhvr>
+                                        <p:cTn id="26" dur="1" fill="hold">
+                                          <p:stCondLst>
+                                            <p:cond delay="0"/>
+                                          </p:stCondLst>
+                                        </p:cTn>
+                                        <p:tgtEl>
+                                          <p:spTgt spid="3">
+                                            <p:txEl>
+                                              <p:pRg st="7" end="7"/>
+                                            </p:txEl>
+                                          </p:spTgt>
+                                        </p:tgtEl>
+                                        <p:attrNameLst>
+                                          <p:attrName>style.visibility</p:attrName>
+                                        </p:attrNameLst>
+                                      </p:cBhvr>
+                                      <p:to>
+                                        <p:strVal val="visible"/>
+                                      </p:to>
+                                    </p:set>
+                                  </p:childTnLst>
+                                </p:cTn>
+                              </p:par>
+                              <p:par>
+                                <p:cTn id="27" presetID="1" presetClass="entr" presetSubtype="0" fill="hold" grpId="0" nodeType="withEffect">
+                                  <p:stCondLst>
+                                    <p:cond delay="0"/>
+                                  </p:stCondLst>
+                                  <p:childTnLst>
+                                    <p:set>
+                                      <p:cBhvr>
+                                        <p:cTn id="28" dur="1" fill="hold">
+                                          <p:stCondLst>
+                                            <p:cond delay="0"/>
+                                          </p:stCondLst>
+                                        </p:cTn>
+                                        <p:tgtEl>
+                                          <p:spTgt spid="3">
+                                            <p:txEl>
+                                              <p:pRg st="8" end="8"/>
+                                            </p:txEl>
+                                          </p:spTgt>
+                                        </p:tgtEl>
+                                        <p:attrNameLst>
+                                          <p:attrName>style.visibility</p:attrName>
+                                        </p:attrNameLst>
+                                      </p:cBhvr>
+                                      <p:to>
+                                        <p:strVal val="visible"/>
+                                      </p:to>
+                                    </p:set>
+                                  </p:childTnLst>
+                                </p:cTn>
+                              </p:par>
+                            </p:childTnLst>
+                          </p:cTn>
+                        </p:par>
+                      </p:childTnLst>
+                    </p:cTn>
+                  </p:par>
+                </p:childTnLst>
+              </p:cTn>
+              <p:prevCondLst>
+                <p:cond evt="onPrev" delay="0">
+                  <p:tgtEl>
+                    <p:sldTgt/>
+                  </p:tgtEl>
+                </p:cond>
+              </p:prevCondLst>
+              <p:nextCondLst>
+                <p:cond evt="onNext" delay="0">
+                  <p:tgtEl>
+                    <p:sldTgt/>
+                  </p:tgtEl>
+                </p:cond>
+              </p:nextCondLst>
+            </p:seq>
+          </p:childTnLst>
+        </p:cTn>
+      </p:par>
+    </p:tnLst>
+    <p:bldLst>
+      <p:bldP spid="3" grpId="0" uiExpand="1" build="p"/>
+    </p:bldLst>
+  </p:timing>
 </p:sld>
 </file>
 
@@ -3377,7 +9653,13 @@
           <a:p>
             <a:r>
               <a:rPr lang="en-US" sz="3200" dirty="0"/>
-              <a:t>Missing values</a:t>
+              <a:t>Feature</a:t>
+            </a:r>
+          </a:p>
+          <a:p>
+            <a:r>
+              <a:rPr lang="en-US" sz="3200" dirty="0"/>
+              <a:t>selection</a:t>
             </a:r>
           </a:p>
         </p:txBody>
@@ -3405,52 +9687,81 @@
           <a:p>
             <a:r>
               <a:rPr lang="en-US" dirty="0"/>
-              <a:t>Quality Enhancement</a:t>
+              <a:t>TPOT</a:t>
+            </a:r>
+          </a:p>
+          <a:p>
+            <a:r>
+              <a:rPr lang="en-US" dirty="0"/>
+              <a:t>New accuracy function:</a:t>
+            </a:r>
+          </a:p>
+          <a:p>
+            <a:pPr lvl="2"/>
+            <a:endParaRPr lang="en-US" dirty="0"/>
+          </a:p>
+          <a:p>
+            <a:pPr lvl="2"/>
+            <a:r>
+              <a:rPr lang="en-US" dirty="0" err="1"/>
+              <a:t>FS_Accuracy</a:t>
+            </a:r>
+            <a:r>
+              <a:rPr lang="en-US" dirty="0"/>
+              <a:t> = Accuracy(Pipeline) – Features * Threshold</a:t>
             </a:r>
           </a:p>
           <a:p>
             <a:pPr lvl="1"/>
-            <a:r>
-              <a:rPr lang="en-US" dirty="0"/>
-              <a:t>Missing values</a:t>
+            <a:endParaRPr lang="en-US" dirty="0"/>
+          </a:p>
+          <a:p>
+            <a:r>
+              <a:rPr lang="en-US" dirty="0"/>
+              <a:t>Filter + Embedded methods already present</a:t>
+            </a:r>
+          </a:p>
+          <a:p>
+            <a:pPr lvl="2"/>
+            <a:endParaRPr lang="en-US" dirty="0"/>
+          </a:p>
+          <a:p>
+            <a:r>
+              <a:rPr lang="en-US" dirty="0"/>
+              <a:t>Two new possibilities:</a:t>
             </a:r>
           </a:p>
           <a:p>
             <a:pPr lvl="1"/>
             <a:r>
               <a:rPr lang="en-US" dirty="0"/>
-              <a:t>Outlier detection</a:t>
-            </a:r>
-          </a:p>
-          <a:p>
+              <a:t>Always start with feature selection</a:t>
+            </a:r>
+          </a:p>
+          <a:p>
+            <a:pPr lvl="1"/>
+            <a:r>
+              <a:rPr lang="en-US" dirty="0"/>
+              <a:t>High feature selection set:</a:t>
+            </a:r>
+          </a:p>
+          <a:p>
+            <a:pPr lvl="2"/>
+            <a:r>
+              <a:rPr lang="en-US" dirty="0"/>
+              <a:t>Preservation &lt; 200 features</a:t>
+            </a:r>
+          </a:p>
+          <a:p>
+            <a:pPr lvl="2"/>
+            <a:r>
+              <a:rPr lang="en-US" dirty="0"/>
+              <a:t>Wrapper methods included</a:t>
+            </a:r>
+          </a:p>
+          <a:p>
+            <a:pPr lvl="2"/>
             <a:endParaRPr lang="en-US" dirty="0"/>
-          </a:p>
-          <a:p>
-            <a:r>
-              <a:rPr lang="en-US" dirty="0"/>
-              <a:t>Missing values</a:t>
-            </a:r>
-          </a:p>
-          <a:p>
-            <a:pPr lvl="1"/>
-            <a:r>
-              <a:rPr lang="en-US" dirty="0"/>
-              <a:t>Missing Completely At Random (MCAR)</a:t>
-            </a:r>
-          </a:p>
-          <a:p>
-            <a:pPr lvl="1"/>
-            <a:r>
-              <a:rPr lang="en-US" dirty="0"/>
-              <a:t>Missing At Random (MAR)</a:t>
-            </a:r>
-          </a:p>
-          <a:p>
-            <a:pPr lvl="1"/>
-            <a:r>
-              <a:rPr lang="en-US" dirty="0"/>
-              <a:t>Missing Not At Random (MNAR)</a:t>
-            </a:r>
           </a:p>
           <a:p>
             <a:pPr lvl="2"/>
@@ -3468,13 +9779,415 @@
     </p:spTree>
     <p:extLst>
       <p:ext uri="{BB962C8B-B14F-4D97-AF65-F5344CB8AC3E}">
-        <p14:creationId xmlns:p14="http://schemas.microsoft.com/office/powerpoint/2010/main" val="2683809460"/>
+        <p14:creationId xmlns:p14="http://schemas.microsoft.com/office/powerpoint/2010/main" val="3288321647"/>
       </p:ext>
     </p:extLst>
   </p:cSld>
   <p:clrMapOvr>
     <a:masterClrMapping/>
   </p:clrMapOvr>
+  <p:timing>
+    <p:tnLst>
+      <p:par>
+        <p:cTn id="1" dur="indefinite" restart="never" nodeType="tmRoot">
+          <p:childTnLst>
+            <p:seq concurrent="1" nextAc="seek">
+              <p:cTn id="2" dur="indefinite" nodeType="mainSeq">
+                <p:childTnLst>
+                  <p:par>
+                    <p:cTn id="3" fill="hold">
+                      <p:stCondLst>
+                        <p:cond delay="indefinite"/>
+                      </p:stCondLst>
+                      <p:childTnLst>
+                        <p:par>
+                          <p:cTn id="4" fill="hold">
+                            <p:stCondLst>
+                              <p:cond delay="0"/>
+                            </p:stCondLst>
+                            <p:childTnLst>
+                              <p:par>
+                                <p:cTn id="5" presetID="1" presetClass="entr" presetSubtype="0" fill="hold" grpId="0" nodeType="clickEffect">
+                                  <p:stCondLst>
+                                    <p:cond delay="0"/>
+                                  </p:stCondLst>
+                                  <p:childTnLst>
+                                    <p:set>
+                                      <p:cBhvr>
+                                        <p:cTn id="6" dur="1" fill="hold">
+                                          <p:stCondLst>
+                                            <p:cond delay="0"/>
+                                          </p:stCondLst>
+                                        </p:cTn>
+                                        <p:tgtEl>
+                                          <p:spTgt spid="3">
+                                            <p:txEl>
+                                              <p:pRg st="0" end="0"/>
+                                            </p:txEl>
+                                          </p:spTgt>
+                                        </p:tgtEl>
+                                        <p:attrNameLst>
+                                          <p:attrName>style.visibility</p:attrName>
+                                        </p:attrNameLst>
+                                      </p:cBhvr>
+                                      <p:to>
+                                        <p:strVal val="visible"/>
+                                      </p:to>
+                                    </p:set>
+                                  </p:childTnLst>
+                                </p:cTn>
+                              </p:par>
+                            </p:childTnLst>
+                          </p:cTn>
+                        </p:par>
+                      </p:childTnLst>
+                    </p:cTn>
+                  </p:par>
+                  <p:par>
+                    <p:cTn id="7" fill="hold">
+                      <p:stCondLst>
+                        <p:cond delay="indefinite"/>
+                      </p:stCondLst>
+                      <p:childTnLst>
+                        <p:par>
+                          <p:cTn id="8" fill="hold">
+                            <p:stCondLst>
+                              <p:cond delay="0"/>
+                            </p:stCondLst>
+                            <p:childTnLst>
+                              <p:par>
+                                <p:cTn id="9" presetID="1" presetClass="entr" presetSubtype="0" fill="hold" grpId="0" nodeType="clickEffect">
+                                  <p:stCondLst>
+                                    <p:cond delay="0"/>
+                                  </p:stCondLst>
+                                  <p:childTnLst>
+                                    <p:set>
+                                      <p:cBhvr>
+                                        <p:cTn id="10" dur="1" fill="hold">
+                                          <p:stCondLst>
+                                            <p:cond delay="0"/>
+                                          </p:stCondLst>
+                                        </p:cTn>
+                                        <p:tgtEl>
+                                          <p:spTgt spid="3">
+                                            <p:txEl>
+                                              <p:pRg st="1" end="1"/>
+                                            </p:txEl>
+                                          </p:spTgt>
+                                        </p:tgtEl>
+                                        <p:attrNameLst>
+                                          <p:attrName>style.visibility</p:attrName>
+                                        </p:attrNameLst>
+                                      </p:cBhvr>
+                                      <p:to>
+                                        <p:strVal val="visible"/>
+                                      </p:to>
+                                    </p:set>
+                                  </p:childTnLst>
+                                </p:cTn>
+                              </p:par>
+                              <p:par>
+                                <p:cTn id="11" presetID="1" presetClass="entr" presetSubtype="0" fill="hold" grpId="0" nodeType="withEffect">
+                                  <p:stCondLst>
+                                    <p:cond delay="0"/>
+                                  </p:stCondLst>
+                                  <p:childTnLst>
+                                    <p:set>
+                                      <p:cBhvr>
+                                        <p:cTn id="12" dur="1" fill="hold">
+                                          <p:stCondLst>
+                                            <p:cond delay="0"/>
+                                          </p:stCondLst>
+                                        </p:cTn>
+                                        <p:tgtEl>
+                                          <p:spTgt spid="3">
+                                            <p:txEl>
+                                              <p:pRg st="3" end="3"/>
+                                            </p:txEl>
+                                          </p:spTgt>
+                                        </p:tgtEl>
+                                        <p:attrNameLst>
+                                          <p:attrName>style.visibility</p:attrName>
+                                        </p:attrNameLst>
+                                      </p:cBhvr>
+                                      <p:to>
+                                        <p:strVal val="visible"/>
+                                      </p:to>
+                                    </p:set>
+                                  </p:childTnLst>
+                                </p:cTn>
+                              </p:par>
+                            </p:childTnLst>
+                          </p:cTn>
+                        </p:par>
+                      </p:childTnLst>
+                    </p:cTn>
+                  </p:par>
+                  <p:par>
+                    <p:cTn id="13" fill="hold">
+                      <p:stCondLst>
+                        <p:cond delay="indefinite"/>
+                      </p:stCondLst>
+                      <p:childTnLst>
+                        <p:par>
+                          <p:cTn id="14" fill="hold">
+                            <p:stCondLst>
+                              <p:cond delay="0"/>
+                            </p:stCondLst>
+                            <p:childTnLst>
+                              <p:par>
+                                <p:cTn id="15" presetID="1" presetClass="entr" presetSubtype="0" fill="hold" grpId="0" nodeType="clickEffect">
+                                  <p:stCondLst>
+                                    <p:cond delay="0"/>
+                                  </p:stCondLst>
+                                  <p:childTnLst>
+                                    <p:set>
+                                      <p:cBhvr>
+                                        <p:cTn id="16" dur="1" fill="hold">
+                                          <p:stCondLst>
+                                            <p:cond delay="0"/>
+                                          </p:stCondLst>
+                                        </p:cTn>
+                                        <p:tgtEl>
+                                          <p:spTgt spid="3">
+                                            <p:txEl>
+                                              <p:pRg st="5" end="5"/>
+                                            </p:txEl>
+                                          </p:spTgt>
+                                        </p:tgtEl>
+                                        <p:attrNameLst>
+                                          <p:attrName>style.visibility</p:attrName>
+                                        </p:attrNameLst>
+                                      </p:cBhvr>
+                                      <p:to>
+                                        <p:strVal val="visible"/>
+                                      </p:to>
+                                    </p:set>
+                                  </p:childTnLst>
+                                </p:cTn>
+                              </p:par>
+                            </p:childTnLst>
+                          </p:cTn>
+                        </p:par>
+                      </p:childTnLst>
+                    </p:cTn>
+                  </p:par>
+                  <p:par>
+                    <p:cTn id="17" fill="hold">
+                      <p:stCondLst>
+                        <p:cond delay="indefinite"/>
+                      </p:stCondLst>
+                      <p:childTnLst>
+                        <p:par>
+                          <p:cTn id="18" fill="hold">
+                            <p:stCondLst>
+                              <p:cond delay="0"/>
+                            </p:stCondLst>
+                            <p:childTnLst>
+                              <p:par>
+                                <p:cTn id="19" presetID="1" presetClass="entr" presetSubtype="0" fill="hold" grpId="0" nodeType="clickEffect">
+                                  <p:stCondLst>
+                                    <p:cond delay="0"/>
+                                  </p:stCondLst>
+                                  <p:childTnLst>
+                                    <p:set>
+                                      <p:cBhvr>
+                                        <p:cTn id="20" dur="1" fill="hold">
+                                          <p:stCondLst>
+                                            <p:cond delay="0"/>
+                                          </p:stCondLst>
+                                        </p:cTn>
+                                        <p:tgtEl>
+                                          <p:spTgt spid="3">
+                                            <p:txEl>
+                                              <p:pRg st="7" end="7"/>
+                                            </p:txEl>
+                                          </p:spTgt>
+                                        </p:tgtEl>
+                                        <p:attrNameLst>
+                                          <p:attrName>style.visibility</p:attrName>
+                                        </p:attrNameLst>
+                                      </p:cBhvr>
+                                      <p:to>
+                                        <p:strVal val="visible"/>
+                                      </p:to>
+                                    </p:set>
+                                  </p:childTnLst>
+                                </p:cTn>
+                              </p:par>
+                              <p:par>
+                                <p:cTn id="21" presetID="1" presetClass="entr" presetSubtype="0" fill="hold" grpId="0" nodeType="withEffect">
+                                  <p:stCondLst>
+                                    <p:cond delay="0"/>
+                                  </p:stCondLst>
+                                  <p:childTnLst>
+                                    <p:set>
+                                      <p:cBhvr>
+                                        <p:cTn id="22" dur="1" fill="hold">
+                                          <p:stCondLst>
+                                            <p:cond delay="0"/>
+                                          </p:stCondLst>
+                                        </p:cTn>
+                                        <p:tgtEl>
+                                          <p:spTgt spid="3">
+                                            <p:txEl>
+                                              <p:pRg st="8" end="8"/>
+                                            </p:txEl>
+                                          </p:spTgt>
+                                        </p:tgtEl>
+                                        <p:attrNameLst>
+                                          <p:attrName>style.visibility</p:attrName>
+                                        </p:attrNameLst>
+                                      </p:cBhvr>
+                                      <p:to>
+                                        <p:strVal val="visible"/>
+                                      </p:to>
+                                    </p:set>
+                                  </p:childTnLst>
+                                </p:cTn>
+                              </p:par>
+                            </p:childTnLst>
+                          </p:cTn>
+                        </p:par>
+                      </p:childTnLst>
+                    </p:cTn>
+                  </p:par>
+                  <p:par>
+                    <p:cTn id="23" fill="hold">
+                      <p:stCondLst>
+                        <p:cond delay="indefinite"/>
+                      </p:stCondLst>
+                      <p:childTnLst>
+                        <p:par>
+                          <p:cTn id="24" fill="hold">
+                            <p:stCondLst>
+                              <p:cond delay="0"/>
+                            </p:stCondLst>
+                            <p:childTnLst>
+                              <p:par>
+                                <p:cTn id="25" presetID="1" presetClass="entr" presetSubtype="0" fill="hold" grpId="0" nodeType="clickEffect">
+                                  <p:stCondLst>
+                                    <p:cond delay="0"/>
+                                  </p:stCondLst>
+                                  <p:childTnLst>
+                                    <p:set>
+                                      <p:cBhvr>
+                                        <p:cTn id="26" dur="1" fill="hold">
+                                          <p:stCondLst>
+                                            <p:cond delay="0"/>
+                                          </p:stCondLst>
+                                        </p:cTn>
+                                        <p:tgtEl>
+                                          <p:spTgt spid="3">
+                                            <p:txEl>
+                                              <p:pRg st="9" end="9"/>
+                                            </p:txEl>
+                                          </p:spTgt>
+                                        </p:tgtEl>
+                                        <p:attrNameLst>
+                                          <p:attrName>style.visibility</p:attrName>
+                                        </p:attrNameLst>
+                                      </p:cBhvr>
+                                      <p:to>
+                                        <p:strVal val="visible"/>
+                                      </p:to>
+                                    </p:set>
+                                  </p:childTnLst>
+                                </p:cTn>
+                              </p:par>
+                              <p:par>
+                                <p:cTn id="27" presetID="1" presetClass="entr" presetSubtype="0" fill="hold" grpId="0" nodeType="withEffect">
+                                  <p:stCondLst>
+                                    <p:cond delay="0"/>
+                                  </p:stCondLst>
+                                  <p:childTnLst>
+                                    <p:set>
+                                      <p:cBhvr>
+                                        <p:cTn id="28" dur="1" fill="hold">
+                                          <p:stCondLst>
+                                            <p:cond delay="0"/>
+                                          </p:stCondLst>
+                                        </p:cTn>
+                                        <p:tgtEl>
+                                          <p:spTgt spid="3">
+                                            <p:txEl>
+                                              <p:pRg st="10" end="10"/>
+                                            </p:txEl>
+                                          </p:spTgt>
+                                        </p:tgtEl>
+                                        <p:attrNameLst>
+                                          <p:attrName>style.visibility</p:attrName>
+                                        </p:attrNameLst>
+                                      </p:cBhvr>
+                                      <p:to>
+                                        <p:strVal val="visible"/>
+                                      </p:to>
+                                    </p:set>
+                                  </p:childTnLst>
+                                </p:cTn>
+                              </p:par>
+                              <p:par>
+                                <p:cTn id="29" presetID="1" presetClass="entr" presetSubtype="0" fill="hold" grpId="0" nodeType="withEffect">
+                                  <p:stCondLst>
+                                    <p:cond delay="0"/>
+                                  </p:stCondLst>
+                                  <p:childTnLst>
+                                    <p:set>
+                                      <p:cBhvr>
+                                        <p:cTn id="30" dur="1" fill="hold">
+                                          <p:stCondLst>
+                                            <p:cond delay="0"/>
+                                          </p:stCondLst>
+                                        </p:cTn>
+                                        <p:tgtEl>
+                                          <p:spTgt spid="3">
+                                            <p:txEl>
+                                              <p:pRg st="11" end="11"/>
+                                            </p:txEl>
+                                          </p:spTgt>
+                                        </p:tgtEl>
+                                        <p:attrNameLst>
+                                          <p:attrName>style.visibility</p:attrName>
+                                        </p:attrNameLst>
+                                      </p:cBhvr>
+                                      <p:to>
+                                        <p:strVal val="visible"/>
+                                      </p:to>
+                                    </p:set>
+                                  </p:childTnLst>
+                                </p:cTn>
+                              </p:par>
+                            </p:childTnLst>
+                          </p:cTn>
+                        </p:par>
+                      </p:childTnLst>
+                    </p:cTn>
+                  </p:par>
+                </p:childTnLst>
+              </p:cTn>
+              <p:prevCondLst>
+                <p:cond evt="onPrev" delay="0">
+                  <p:tgtEl>
+                    <p:sldTgt/>
+                  </p:tgtEl>
+                </p:cond>
+              </p:prevCondLst>
+              <p:nextCondLst>
+                <p:cond evt="onNext" delay="0">
+                  <p:tgtEl>
+                    <p:sldTgt/>
+                  </p:tgtEl>
+                </p:cond>
+              </p:nextCondLst>
+            </p:seq>
+          </p:childTnLst>
+        </p:cTn>
+      </p:par>
+    </p:tnLst>
+    <p:bldLst>
+      <p:bldP spid="3" grpId="0" uiExpand="1" build="p"/>
+    </p:bldLst>
+  </p:timing>
 </p:sld>
 </file>
 
@@ -3543,7 +10256,13 @@
           <a:p>
             <a:r>
               <a:rPr lang="en-US" sz="3200" dirty="0"/>
-              <a:t>Missing values</a:t>
+              <a:t>Feature</a:t>
+            </a:r>
+          </a:p>
+          <a:p>
+            <a:r>
+              <a:rPr lang="en-US" sz="3200" dirty="0"/>
+              <a:t>selection</a:t>
             </a:r>
           </a:p>
         </p:txBody>
@@ -3571,82 +10290,71 @@
           <a:p>
             <a:r>
               <a:rPr lang="en-US" dirty="0"/>
-              <a:t>List Deletion</a:t>
+              <a:t>Test changes TPOT</a:t>
             </a:r>
           </a:p>
           <a:p>
             <a:pPr lvl="1"/>
             <a:r>
               <a:rPr lang="en-US" dirty="0"/>
-              <a:t>Complete Case Analysis</a:t>
+              <a:t>Use </a:t>
+            </a:r>
+            <a:r>
+              <a:rPr lang="en-US" dirty="0" err="1"/>
+              <a:t>FS_accuracy</a:t>
+            </a:r>
+            <a:r>
+              <a:rPr lang="en-US" dirty="0"/>
+              <a:t> (threshold of 0.0001)</a:t>
             </a:r>
           </a:p>
           <a:p>
             <a:pPr lvl="1"/>
             <a:r>
               <a:rPr lang="en-US" dirty="0"/>
-              <a:t>Available Case Analysis</a:t>
+              <a:t>Made experiments with combinations of:</a:t>
+            </a:r>
+          </a:p>
+          <a:p>
+            <a:pPr lvl="2"/>
+            <a:r>
+              <a:rPr lang="en-US" dirty="0"/>
+              <a:t>4 datasets</a:t>
+            </a:r>
+          </a:p>
+          <a:p>
+            <a:pPr lvl="2"/>
+            <a:r>
+              <a:rPr lang="en-US" dirty="0"/>
+              <a:t>both types of selection (regular and always feature selection)</a:t>
+            </a:r>
+          </a:p>
+          <a:p>
+            <a:pPr lvl="2"/>
+            <a:r>
+              <a:rPr lang="en-US" dirty="0"/>
+              <a:t>both types of algorithm (regular and high feature selection)</a:t>
             </a:r>
           </a:p>
           <a:p>
             <a:pPr lvl="1"/>
             <a:r>
               <a:rPr lang="en-US" dirty="0"/>
-              <a:t>Weighted Case analysis</a:t>
-            </a:r>
-          </a:p>
-          <a:p>
-            <a:r>
-              <a:rPr lang="en-US" dirty="0"/>
-              <a:t>Single Imputation</a:t>
-            </a:r>
-          </a:p>
-          <a:p>
-            <a:pPr lvl="1"/>
-            <a:r>
-              <a:rPr lang="en-US" dirty="0"/>
-              <a:t>Missing indicator imputation</a:t>
-            </a:r>
-          </a:p>
-          <a:p>
-            <a:pPr lvl="1"/>
-            <a:r>
-              <a:rPr lang="en-US" dirty="0"/>
-              <a:t>Mean/Median/Mode imputation</a:t>
-            </a:r>
-          </a:p>
-          <a:p>
-            <a:pPr lvl="1"/>
-            <a:r>
-              <a:rPr lang="en-US" dirty="0"/>
-              <a:t>Hot deck imputation</a:t>
-            </a:r>
-          </a:p>
-          <a:p>
-            <a:pPr lvl="1"/>
-            <a:r>
-              <a:rPr lang="en-US" dirty="0"/>
-              <a:t>Regression imputation</a:t>
-            </a:r>
-          </a:p>
-          <a:p>
-            <a:pPr lvl="1"/>
-            <a:r>
-              <a:rPr lang="en-US" dirty="0"/>
-              <a:t>Nearest Neighbor imputation</a:t>
-            </a:r>
-          </a:p>
-          <a:p>
-            <a:r>
-              <a:rPr lang="en-US" dirty="0"/>
-              <a:t>Multiple Imputation</a:t>
-            </a:r>
-          </a:p>
-          <a:p>
-            <a:pPr lvl="1"/>
-            <a:r>
-              <a:rPr lang="en-US" dirty="0"/>
-              <a:t>Multiple Imputation Chained Equations (MICE)</a:t>
+              <a:t>Ran everything for:</a:t>
+            </a:r>
+          </a:p>
+          <a:p>
+            <a:pPr lvl="2"/>
+            <a:r>
+              <a:rPr lang="en-US" dirty="0"/>
+              <a:t>12 hours</a:t>
+            </a:r>
+          </a:p>
+          <a:p>
+            <a:pPr lvl="2"/>
+            <a:r>
+              <a:rPr lang="en-US" dirty="0"/>
+              <a:t>Population of 5</a:t>
             </a:r>
           </a:p>
           <a:p>
@@ -3658,20 +10366,429 @@
             <a:endParaRPr lang="en-US" dirty="0"/>
           </a:p>
           <a:p>
+            <a:pPr lvl="2"/>
+            <a:endParaRPr lang="en-US" dirty="0"/>
+          </a:p>
+          <a:p>
             <a:endParaRPr lang="en-NL" dirty="0"/>
           </a:p>
         </p:txBody>
       </p:sp>
+      <p:pic>
+        <p:nvPicPr>
+          <p:cNvPr id="6" name="Picture 5">
+            <a:extLst>
+              <a:ext uri="{FF2B5EF4-FFF2-40B4-BE49-F238E27FC236}">
+                <a16:creationId xmlns:a16="http://schemas.microsoft.com/office/drawing/2014/main" id="{415D8EA5-2162-4D8C-9241-3191B8722B1A}"/>
+              </a:ext>
+            </a:extLst>
+          </p:cNvPr>
+          <p:cNvPicPr>
+            <a:picLocks noChangeAspect="1"/>
+          </p:cNvPicPr>
+          <p:nvPr/>
+        </p:nvPicPr>
+        <p:blipFill>
+          <a:blip r:embed="rId2"/>
+          <a:stretch>
+            <a:fillRect/>
+          </a:stretch>
+        </p:blipFill>
+        <p:spPr>
+          <a:xfrm>
+            <a:off x="2723247" y="4317527"/>
+            <a:ext cx="8608935" cy="1662785"/>
+          </a:xfrm>
+          <a:prstGeom prst="rect">
+            <a:avLst/>
+          </a:prstGeom>
+        </p:spPr>
+      </p:pic>
     </p:spTree>
     <p:extLst>
       <p:ext uri="{BB962C8B-B14F-4D97-AF65-F5344CB8AC3E}">
-        <p14:creationId xmlns:p14="http://schemas.microsoft.com/office/powerpoint/2010/main" val="1896585567"/>
+        <p14:creationId xmlns:p14="http://schemas.microsoft.com/office/powerpoint/2010/main" val="287731553"/>
       </p:ext>
     </p:extLst>
   </p:cSld>
   <p:clrMapOvr>
     <a:masterClrMapping/>
   </p:clrMapOvr>
+  <p:timing>
+    <p:tnLst>
+      <p:par>
+        <p:cTn id="1" dur="indefinite" restart="never" nodeType="tmRoot">
+          <p:childTnLst>
+            <p:seq concurrent="1" nextAc="seek">
+              <p:cTn id="2" dur="indefinite" nodeType="mainSeq">
+                <p:childTnLst>
+                  <p:par>
+                    <p:cTn id="3" fill="hold">
+                      <p:stCondLst>
+                        <p:cond delay="indefinite"/>
+                      </p:stCondLst>
+                      <p:childTnLst>
+                        <p:par>
+                          <p:cTn id="4" fill="hold">
+                            <p:stCondLst>
+                              <p:cond delay="0"/>
+                            </p:stCondLst>
+                            <p:childTnLst>
+                              <p:par>
+                                <p:cTn id="5" presetID="1" presetClass="entr" presetSubtype="0" fill="hold" grpId="0" nodeType="clickEffect">
+                                  <p:stCondLst>
+                                    <p:cond delay="0"/>
+                                  </p:stCondLst>
+                                  <p:childTnLst>
+                                    <p:set>
+                                      <p:cBhvr>
+                                        <p:cTn id="6" dur="1" fill="hold">
+                                          <p:stCondLst>
+                                            <p:cond delay="0"/>
+                                          </p:stCondLst>
+                                        </p:cTn>
+                                        <p:tgtEl>
+                                          <p:spTgt spid="3">
+                                            <p:txEl>
+                                              <p:pRg st="0" end="0"/>
+                                            </p:txEl>
+                                          </p:spTgt>
+                                        </p:tgtEl>
+                                        <p:attrNameLst>
+                                          <p:attrName>style.visibility</p:attrName>
+                                        </p:attrNameLst>
+                                      </p:cBhvr>
+                                      <p:to>
+                                        <p:strVal val="visible"/>
+                                      </p:to>
+                                    </p:set>
+                                  </p:childTnLst>
+                                </p:cTn>
+                              </p:par>
+                              <p:par>
+                                <p:cTn id="7" presetID="1" presetClass="entr" presetSubtype="0" fill="hold" grpId="0" nodeType="withEffect">
+                                  <p:stCondLst>
+                                    <p:cond delay="0"/>
+                                  </p:stCondLst>
+                                  <p:childTnLst>
+                                    <p:set>
+                                      <p:cBhvr>
+                                        <p:cTn id="8" dur="1" fill="hold">
+                                          <p:stCondLst>
+                                            <p:cond delay="0"/>
+                                          </p:stCondLst>
+                                        </p:cTn>
+                                        <p:tgtEl>
+                                          <p:spTgt spid="3">
+                                            <p:txEl>
+                                              <p:pRg st="1" end="1"/>
+                                            </p:txEl>
+                                          </p:spTgt>
+                                        </p:tgtEl>
+                                        <p:attrNameLst>
+                                          <p:attrName>style.visibility</p:attrName>
+                                        </p:attrNameLst>
+                                      </p:cBhvr>
+                                      <p:to>
+                                        <p:strVal val="visible"/>
+                                      </p:to>
+                                    </p:set>
+                                  </p:childTnLst>
+                                </p:cTn>
+                              </p:par>
+                              <p:par>
+                                <p:cTn id="9" presetID="1" presetClass="entr" presetSubtype="0" fill="hold" grpId="0" nodeType="withEffect">
+                                  <p:stCondLst>
+                                    <p:cond delay="0"/>
+                                  </p:stCondLst>
+                                  <p:childTnLst>
+                                    <p:set>
+                                      <p:cBhvr>
+                                        <p:cTn id="10" dur="1" fill="hold">
+                                          <p:stCondLst>
+                                            <p:cond delay="0"/>
+                                          </p:stCondLst>
+                                        </p:cTn>
+                                        <p:tgtEl>
+                                          <p:spTgt spid="3">
+                                            <p:txEl>
+                                              <p:pRg st="2" end="2"/>
+                                            </p:txEl>
+                                          </p:spTgt>
+                                        </p:tgtEl>
+                                        <p:attrNameLst>
+                                          <p:attrName>style.visibility</p:attrName>
+                                        </p:attrNameLst>
+                                      </p:cBhvr>
+                                      <p:to>
+                                        <p:strVal val="visible"/>
+                                      </p:to>
+                                    </p:set>
+                                  </p:childTnLst>
+                                </p:cTn>
+                              </p:par>
+                              <p:par>
+                                <p:cTn id="11" presetID="1" presetClass="entr" presetSubtype="0" fill="hold" grpId="0" nodeType="withEffect">
+                                  <p:stCondLst>
+                                    <p:cond delay="0"/>
+                                  </p:stCondLst>
+                                  <p:childTnLst>
+                                    <p:set>
+                                      <p:cBhvr>
+                                        <p:cTn id="12" dur="1" fill="hold">
+                                          <p:stCondLst>
+                                            <p:cond delay="0"/>
+                                          </p:stCondLst>
+                                        </p:cTn>
+                                        <p:tgtEl>
+                                          <p:spTgt spid="3">
+                                            <p:txEl>
+                                              <p:pRg st="3" end="3"/>
+                                            </p:txEl>
+                                          </p:spTgt>
+                                        </p:tgtEl>
+                                        <p:attrNameLst>
+                                          <p:attrName>style.visibility</p:attrName>
+                                        </p:attrNameLst>
+                                      </p:cBhvr>
+                                      <p:to>
+                                        <p:strVal val="visible"/>
+                                      </p:to>
+                                    </p:set>
+                                  </p:childTnLst>
+                                </p:cTn>
+                              </p:par>
+                              <p:par>
+                                <p:cTn id="13" presetID="1" presetClass="entr" presetSubtype="0" fill="hold" grpId="0" nodeType="withEffect">
+                                  <p:stCondLst>
+                                    <p:cond delay="0"/>
+                                  </p:stCondLst>
+                                  <p:childTnLst>
+                                    <p:set>
+                                      <p:cBhvr>
+                                        <p:cTn id="14" dur="1" fill="hold">
+                                          <p:stCondLst>
+                                            <p:cond delay="0"/>
+                                          </p:stCondLst>
+                                        </p:cTn>
+                                        <p:tgtEl>
+                                          <p:spTgt spid="3">
+                                            <p:txEl>
+                                              <p:pRg st="4" end="4"/>
+                                            </p:txEl>
+                                          </p:spTgt>
+                                        </p:tgtEl>
+                                        <p:attrNameLst>
+                                          <p:attrName>style.visibility</p:attrName>
+                                        </p:attrNameLst>
+                                      </p:cBhvr>
+                                      <p:to>
+                                        <p:strVal val="visible"/>
+                                      </p:to>
+                                    </p:set>
+                                  </p:childTnLst>
+                                </p:cTn>
+                              </p:par>
+                              <p:par>
+                                <p:cTn id="15" presetID="1" presetClass="entr" presetSubtype="0" fill="hold" grpId="0" nodeType="withEffect">
+                                  <p:stCondLst>
+                                    <p:cond delay="0"/>
+                                  </p:stCondLst>
+                                  <p:childTnLst>
+                                    <p:set>
+                                      <p:cBhvr>
+                                        <p:cTn id="16" dur="1" fill="hold">
+                                          <p:stCondLst>
+                                            <p:cond delay="0"/>
+                                          </p:stCondLst>
+                                        </p:cTn>
+                                        <p:tgtEl>
+                                          <p:spTgt spid="3">
+                                            <p:txEl>
+                                              <p:pRg st="5" end="5"/>
+                                            </p:txEl>
+                                          </p:spTgt>
+                                        </p:tgtEl>
+                                        <p:attrNameLst>
+                                          <p:attrName>style.visibility</p:attrName>
+                                        </p:attrNameLst>
+                                      </p:cBhvr>
+                                      <p:to>
+                                        <p:strVal val="visible"/>
+                                      </p:to>
+                                    </p:set>
+                                  </p:childTnLst>
+                                </p:cTn>
+                              </p:par>
+                              <p:par>
+                                <p:cTn id="17" presetID="1" presetClass="entr" presetSubtype="0" fill="hold" grpId="0" nodeType="withEffect">
+                                  <p:stCondLst>
+                                    <p:cond delay="0"/>
+                                  </p:stCondLst>
+                                  <p:childTnLst>
+                                    <p:set>
+                                      <p:cBhvr>
+                                        <p:cTn id="18" dur="1" fill="hold">
+                                          <p:stCondLst>
+                                            <p:cond delay="0"/>
+                                          </p:stCondLst>
+                                        </p:cTn>
+                                        <p:tgtEl>
+                                          <p:spTgt spid="3">
+                                            <p:txEl>
+                                              <p:pRg st="6" end="6"/>
+                                            </p:txEl>
+                                          </p:spTgt>
+                                        </p:tgtEl>
+                                        <p:attrNameLst>
+                                          <p:attrName>style.visibility</p:attrName>
+                                        </p:attrNameLst>
+                                      </p:cBhvr>
+                                      <p:to>
+                                        <p:strVal val="visible"/>
+                                      </p:to>
+                                    </p:set>
+                                  </p:childTnLst>
+                                </p:cTn>
+                              </p:par>
+                              <p:par>
+                                <p:cTn id="19" presetID="1" presetClass="entr" presetSubtype="0" fill="hold" grpId="0" nodeType="withEffect">
+                                  <p:stCondLst>
+                                    <p:cond delay="0"/>
+                                  </p:stCondLst>
+                                  <p:childTnLst>
+                                    <p:set>
+                                      <p:cBhvr>
+                                        <p:cTn id="20" dur="1" fill="hold">
+                                          <p:stCondLst>
+                                            <p:cond delay="0"/>
+                                          </p:stCondLst>
+                                        </p:cTn>
+                                        <p:tgtEl>
+                                          <p:spTgt spid="3">
+                                            <p:txEl>
+                                              <p:pRg st="7" end="7"/>
+                                            </p:txEl>
+                                          </p:spTgt>
+                                        </p:tgtEl>
+                                        <p:attrNameLst>
+                                          <p:attrName>style.visibility</p:attrName>
+                                        </p:attrNameLst>
+                                      </p:cBhvr>
+                                      <p:to>
+                                        <p:strVal val="visible"/>
+                                      </p:to>
+                                    </p:set>
+                                  </p:childTnLst>
+                                </p:cTn>
+                              </p:par>
+                              <p:par>
+                                <p:cTn id="21" presetID="1" presetClass="entr" presetSubtype="0" fill="hold" grpId="0" nodeType="withEffect">
+                                  <p:stCondLst>
+                                    <p:cond delay="0"/>
+                                  </p:stCondLst>
+                                  <p:childTnLst>
+                                    <p:set>
+                                      <p:cBhvr>
+                                        <p:cTn id="22" dur="1" fill="hold">
+                                          <p:stCondLst>
+                                            <p:cond delay="0"/>
+                                          </p:stCondLst>
+                                        </p:cTn>
+                                        <p:tgtEl>
+                                          <p:spTgt spid="3">
+                                            <p:txEl>
+                                              <p:pRg st="8" end="8"/>
+                                            </p:txEl>
+                                          </p:spTgt>
+                                        </p:tgtEl>
+                                        <p:attrNameLst>
+                                          <p:attrName>style.visibility</p:attrName>
+                                        </p:attrNameLst>
+                                      </p:cBhvr>
+                                      <p:to>
+                                        <p:strVal val="visible"/>
+                                      </p:to>
+                                    </p:set>
+                                  </p:childTnLst>
+                                </p:cTn>
+                              </p:par>
+                            </p:childTnLst>
+                          </p:cTn>
+                        </p:par>
+                      </p:childTnLst>
+                    </p:cTn>
+                  </p:par>
+                  <p:par>
+                    <p:cTn id="23" fill="hold">
+                      <p:stCondLst>
+                        <p:cond delay="indefinite"/>
+                      </p:stCondLst>
+                      <p:childTnLst>
+                        <p:par>
+                          <p:cTn id="24" fill="hold">
+                            <p:stCondLst>
+                              <p:cond delay="0"/>
+                            </p:stCondLst>
+                            <p:childTnLst>
+                              <p:par>
+                                <p:cTn id="25" presetID="1" presetClass="entr" presetSubtype="0" fill="hold" nodeType="clickEffect">
+                                  <p:stCondLst>
+                                    <p:cond delay="0"/>
+                                  </p:stCondLst>
+                                  <p:childTnLst>
+                                    <p:set>
+                                      <p:cBhvr>
+                                        <p:cTn id="26" dur="1" fill="hold">
+                                          <p:stCondLst>
+                                            <p:cond delay="0"/>
+                                          </p:stCondLst>
+                                        </p:cTn>
+                                        <p:tgtEl>
+                                          <p:spTgt spid="6"/>
+                                        </p:tgtEl>
+                                        <p:attrNameLst>
+                                          <p:attrName>style.visibility</p:attrName>
+                                        </p:attrNameLst>
+                                      </p:cBhvr>
+                                      <p:to>
+                                        <p:strVal val="visible"/>
+                                      </p:to>
+                                    </p:set>
+                                  </p:childTnLst>
+                                </p:cTn>
+                              </p:par>
+                            </p:childTnLst>
+                          </p:cTn>
+                        </p:par>
+                      </p:childTnLst>
+                    </p:cTn>
+                  </p:par>
+                </p:childTnLst>
+              </p:cTn>
+              <p:prevCondLst>
+                <p:cond evt="onPrev" delay="0">
+                  <p:tgtEl>
+                    <p:sldTgt/>
+                  </p:tgtEl>
+                </p:cond>
+              </p:prevCondLst>
+              <p:nextCondLst>
+                <p:cond evt="onNext" delay="0">
+                  <p:tgtEl>
+                    <p:sldTgt/>
+                  </p:tgtEl>
+                </p:cond>
+              </p:nextCondLst>
+            </p:seq>
+          </p:childTnLst>
+        </p:cTn>
+      </p:par>
+    </p:tnLst>
+    <p:bldLst>
+      <p:bldP spid="3" grpId="0" build="p"/>
+    </p:bldLst>
+  </p:timing>
 </p:sld>
 </file>
 
@@ -3694,7 +10811,42 @@
       </p:grpSpPr>
       <p:sp>
         <p:nvSpPr>
-          <p:cNvPr id="4" name="Subtitle 3"/>
+          <p:cNvPr id="4" name="Title 3">
+            <a:extLst>
+              <a:ext uri="{FF2B5EF4-FFF2-40B4-BE49-F238E27FC236}">
+                <a16:creationId xmlns:a16="http://schemas.microsoft.com/office/drawing/2014/main" id="{A530731B-FBE2-49DE-BB94-A600EBCE5E14}"/>
+              </a:ext>
+            </a:extLst>
+          </p:cNvPr>
+          <p:cNvSpPr>
+            <a:spLocks noGrp="1"/>
+          </p:cNvSpPr>
+          <p:nvPr>
+            <p:ph type="ctrTitle"/>
+          </p:nvPr>
+        </p:nvSpPr>
+        <p:spPr/>
+        <p:txBody>
+          <a:bodyPr/>
+          <a:lstStyle/>
+          <a:p>
+            <a:r>
+              <a:rPr lang="en-US" dirty="0"/>
+              <a:t>Missing values</a:t>
+            </a:r>
+            <a:endParaRPr lang="en-NL" dirty="0"/>
+          </a:p>
+        </p:txBody>
+      </p:sp>
+      <p:sp>
+        <p:nvSpPr>
+          <p:cNvPr id="5" name="Subtitle 4">
+            <a:extLst>
+              <a:ext uri="{FF2B5EF4-FFF2-40B4-BE49-F238E27FC236}">
+                <a16:creationId xmlns:a16="http://schemas.microsoft.com/office/drawing/2014/main" id="{3A1C9E2F-EE2E-48B9-A766-7FE1DD6E2DC7}"/>
+              </a:ext>
+            </a:extLst>
+          </p:cNvPr>
           <p:cNvSpPr>
             <a:spLocks noGrp="1"/>
           </p:cNvSpPr>
@@ -3704,167 +10856,13 @@
         </p:nvSpPr>
         <p:spPr/>
         <p:txBody>
-          <a:bodyPr>
-            <a:normAutofit fontScale="77500" lnSpcReduction="20000"/>
-          </a:bodyPr>
+          <a:bodyPr/>
           <a:lstStyle/>
           <a:p>
             <a:r>
               <a:rPr lang="en-US" dirty="0"/>
-              <a:t>A Computational Biology Framework</a:t>
-            </a:r>
-          </a:p>
-        </p:txBody>
-      </p:sp>
-      <p:sp>
-        <p:nvSpPr>
-          <p:cNvPr id="5" name="TextBox 4"/>
-          <p:cNvSpPr txBox="1"/>
-          <p:nvPr/>
-        </p:nvSpPr>
-        <p:spPr>
-          <a:xfrm>
-            <a:off x="273413" y="738012"/>
-            <a:ext cx="2566737" cy="1077218"/>
-          </a:xfrm>
-          <a:prstGeom prst="rect">
-            <a:avLst/>
-          </a:prstGeom>
-          <a:noFill/>
-        </p:spPr>
-        <p:txBody>
-          <a:bodyPr wrap="square" rtlCol="0">
-            <a:spAutoFit/>
-          </a:bodyPr>
-          <a:lstStyle/>
-          <a:p>
-            <a:r>
-              <a:rPr lang="en-US" sz="3200" dirty="0"/>
-              <a:t>Missing values</a:t>
-            </a:r>
-          </a:p>
-        </p:txBody>
-      </p:sp>
-      <p:sp>
-        <p:nvSpPr>
-          <p:cNvPr id="3" name="Content Placeholder 2">
-            <a:extLst>
-              <a:ext uri="{FF2B5EF4-FFF2-40B4-BE49-F238E27FC236}">
-                <a16:creationId xmlns:a16="http://schemas.microsoft.com/office/drawing/2014/main" id="{7985DB17-0F1C-417F-BCC5-8AAE1C4E5997}"/>
-              </a:ext>
-            </a:extLst>
-          </p:cNvPr>
-          <p:cNvSpPr>
-            <a:spLocks noGrp="1"/>
-          </p:cNvSpPr>
-          <p:nvPr>
-            <p:ph sz="half" idx="2"/>
-          </p:nvPr>
-        </p:nvSpPr>
-        <p:spPr/>
-        <p:txBody>
-          <a:bodyPr>
-            <a:normAutofit/>
-          </a:bodyPr>
-          <a:lstStyle/>
-          <a:p>
-            <a:r>
-              <a:rPr lang="en-US" dirty="0"/>
-              <a:t>Datasets</a:t>
-            </a:r>
-          </a:p>
-          <a:p>
-            <a:pPr lvl="1"/>
-            <a:r>
-              <a:rPr lang="en-US" dirty="0"/>
-              <a:t>Four Datasets: </a:t>
-            </a:r>
-          </a:p>
-          <a:p>
-            <a:pPr lvl="2"/>
-            <a:r>
-              <a:rPr lang="en-US" sz="1800" dirty="0"/>
-              <a:t>Heart Attacks, Hepatitis, Cirrhosis and Cervical Cancer </a:t>
-            </a:r>
-          </a:p>
-          <a:p>
-            <a:pPr lvl="1"/>
-            <a:r>
-              <a:rPr lang="en-US" dirty="0"/>
-              <a:t>Between 1% and 15% of entries being missing values</a:t>
-            </a:r>
-          </a:p>
-          <a:p>
-            <a:pPr lvl="1"/>
-            <a:endParaRPr lang="en-US" dirty="0"/>
-          </a:p>
-          <a:p>
-            <a:r>
-              <a:rPr lang="en-US" dirty="0"/>
-              <a:t>Missing values algorithms</a:t>
-            </a:r>
-          </a:p>
-          <a:p>
-            <a:pPr lvl="1"/>
-            <a:r>
-              <a:rPr lang="en-US" dirty="0"/>
-              <a:t>All implemented and ready for testing</a:t>
-            </a:r>
-          </a:p>
-          <a:p>
-            <a:endParaRPr lang="en-US" dirty="0"/>
-          </a:p>
-          <a:p>
-            <a:r>
-              <a:rPr lang="en-US" dirty="0"/>
-              <a:t>Testing</a:t>
-            </a:r>
-          </a:p>
-          <a:p>
-            <a:pPr lvl="1"/>
-            <a:r>
-              <a:rPr lang="en-US" dirty="0"/>
-              <a:t>Value distributions (same after handling?)</a:t>
-            </a:r>
-          </a:p>
-          <a:p>
-            <a:pPr lvl="2"/>
-            <a:r>
-              <a:rPr lang="en-US" dirty="0"/>
-              <a:t>Change in mean/mode and variance</a:t>
-            </a:r>
-          </a:p>
-          <a:p>
-            <a:pPr lvl="1"/>
-            <a:r>
-              <a:rPr lang="en-US" dirty="0"/>
-              <a:t>Classification/Regression improvement</a:t>
-            </a:r>
-          </a:p>
-          <a:p>
-            <a:pPr lvl="2"/>
-            <a:r>
-              <a:rPr lang="en-US" dirty="0"/>
-              <a:t>What way of handling missing values works best for results?</a:t>
-            </a:r>
-          </a:p>
-          <a:p>
-            <a:pPr lvl="2"/>
-            <a:endParaRPr lang="en-US" dirty="0"/>
-          </a:p>
-          <a:p>
-            <a:pPr lvl="1"/>
-            <a:endParaRPr lang="en-US" dirty="0"/>
-          </a:p>
-          <a:p>
-            <a:pPr lvl="2"/>
-            <a:endParaRPr lang="en-US" dirty="0"/>
-          </a:p>
-          <a:p>
-            <a:pPr lvl="2"/>
-            <a:endParaRPr lang="en-US" dirty="0"/>
-          </a:p>
-          <a:p>
+              <a:t>Theory and experiments</a:t>
+            </a:r>
             <a:endParaRPr lang="en-NL" dirty="0"/>
           </a:p>
         </p:txBody>
@@ -3872,7 +10870,7 @@
     </p:spTree>
     <p:extLst>
       <p:ext uri="{BB962C8B-B14F-4D97-AF65-F5344CB8AC3E}">
-        <p14:creationId xmlns:p14="http://schemas.microsoft.com/office/powerpoint/2010/main" val="569094587"/>
+        <p14:creationId xmlns:p14="http://schemas.microsoft.com/office/powerpoint/2010/main" val="1867445617"/>
       </p:ext>
     </p:extLst>
   </p:cSld>
